--- a/Capstone_presentation.pptx
+++ b/Capstone_presentation.pptx
@@ -15,30 +15,32 @@
     <p:sldId id="278" r:id="rId9"/>
     <p:sldId id="279" r:id="rId10"/>
     <p:sldId id="261" r:id="rId11"/>
-    <p:sldId id="280" r:id="rId12"/>
-    <p:sldId id="281" r:id="rId13"/>
-    <p:sldId id="282" r:id="rId14"/>
-    <p:sldId id="283" r:id="rId15"/>
-    <p:sldId id="263" r:id="rId16"/>
-    <p:sldId id="284" r:id="rId17"/>
-    <p:sldId id="264" r:id="rId18"/>
-    <p:sldId id="285" r:id="rId19"/>
-    <p:sldId id="286" r:id="rId20"/>
-    <p:sldId id="265" r:id="rId21"/>
-    <p:sldId id="287" r:id="rId22"/>
-    <p:sldId id="289" r:id="rId23"/>
-    <p:sldId id="266" r:id="rId24"/>
-    <p:sldId id="292" r:id="rId25"/>
-    <p:sldId id="293" r:id="rId26"/>
-    <p:sldId id="267" r:id="rId27"/>
-    <p:sldId id="268" r:id="rId28"/>
-    <p:sldId id="290" r:id="rId29"/>
-    <p:sldId id="269" r:id="rId30"/>
-    <p:sldId id="270" r:id="rId31"/>
-    <p:sldId id="294" r:id="rId32"/>
-    <p:sldId id="295" r:id="rId33"/>
-    <p:sldId id="296" r:id="rId34"/>
-    <p:sldId id="291" r:id="rId35"/>
+    <p:sldId id="297" r:id="rId12"/>
+    <p:sldId id="280" r:id="rId13"/>
+    <p:sldId id="281" r:id="rId14"/>
+    <p:sldId id="282" r:id="rId15"/>
+    <p:sldId id="283" r:id="rId16"/>
+    <p:sldId id="298" r:id="rId17"/>
+    <p:sldId id="263" r:id="rId18"/>
+    <p:sldId id="284" r:id="rId19"/>
+    <p:sldId id="264" r:id="rId20"/>
+    <p:sldId id="285" r:id="rId21"/>
+    <p:sldId id="286" r:id="rId22"/>
+    <p:sldId id="265" r:id="rId23"/>
+    <p:sldId id="287" r:id="rId24"/>
+    <p:sldId id="289" r:id="rId25"/>
+    <p:sldId id="266" r:id="rId26"/>
+    <p:sldId id="292" r:id="rId27"/>
+    <p:sldId id="293" r:id="rId28"/>
+    <p:sldId id="267" r:id="rId29"/>
+    <p:sldId id="268" r:id="rId30"/>
+    <p:sldId id="290" r:id="rId31"/>
+    <p:sldId id="269" r:id="rId32"/>
+    <p:sldId id="270" r:id="rId33"/>
+    <p:sldId id="294" r:id="rId34"/>
+    <p:sldId id="295" r:id="rId35"/>
+    <p:sldId id="296" r:id="rId36"/>
+    <p:sldId id="291" r:id="rId37"/>
   </p:sldIdLst>
   <p:sldSz cx="12192000" cy="6858000"/>
   <p:notesSz cx="6858000" cy="9144000"/>
@@ -334,7 +336,7 @@
           <a:p>
             <a:fld id="{6D3052E0-193B-4471-BAD0-B156ECCE0645}" type="datetimeFigureOut">
               <a:rPr lang="en-IN" smtClean="0"/>
-              <a:t>27-04-2023</a:t>
+              <a:t>01-05-2023</a:t>
             </a:fld>
             <a:endParaRPr lang="en-IN"/>
           </a:p>
@@ -534,7 +536,7 @@
           <a:p>
             <a:fld id="{6D3052E0-193B-4471-BAD0-B156ECCE0645}" type="datetimeFigureOut">
               <a:rPr lang="en-IN" smtClean="0"/>
-              <a:t>27-04-2023</a:t>
+              <a:t>01-05-2023</a:t>
             </a:fld>
             <a:endParaRPr lang="en-IN"/>
           </a:p>
@@ -744,7 +746,7 @@
           <a:p>
             <a:fld id="{6D3052E0-193B-4471-BAD0-B156ECCE0645}" type="datetimeFigureOut">
               <a:rPr lang="en-IN" smtClean="0"/>
-              <a:t>27-04-2023</a:t>
+              <a:t>01-05-2023</a:t>
             </a:fld>
             <a:endParaRPr lang="en-IN"/>
           </a:p>
@@ -944,7 +946,7 @@
           <a:p>
             <a:fld id="{6D3052E0-193B-4471-BAD0-B156ECCE0645}" type="datetimeFigureOut">
               <a:rPr lang="en-IN" smtClean="0"/>
-              <a:t>27-04-2023</a:t>
+              <a:t>01-05-2023</a:t>
             </a:fld>
             <a:endParaRPr lang="en-IN"/>
           </a:p>
@@ -1220,7 +1222,7 @@
           <a:p>
             <a:fld id="{6D3052E0-193B-4471-BAD0-B156ECCE0645}" type="datetimeFigureOut">
               <a:rPr lang="en-IN" smtClean="0"/>
-              <a:t>27-04-2023</a:t>
+              <a:t>01-05-2023</a:t>
             </a:fld>
             <a:endParaRPr lang="en-IN"/>
           </a:p>
@@ -1488,7 +1490,7 @@
           <a:p>
             <a:fld id="{6D3052E0-193B-4471-BAD0-B156ECCE0645}" type="datetimeFigureOut">
               <a:rPr lang="en-IN" smtClean="0"/>
-              <a:t>27-04-2023</a:t>
+              <a:t>01-05-2023</a:t>
             </a:fld>
             <a:endParaRPr lang="en-IN"/>
           </a:p>
@@ -1903,7 +1905,7 @@
           <a:p>
             <a:fld id="{6D3052E0-193B-4471-BAD0-B156ECCE0645}" type="datetimeFigureOut">
               <a:rPr lang="en-IN" smtClean="0"/>
-              <a:t>27-04-2023</a:t>
+              <a:t>01-05-2023</a:t>
             </a:fld>
             <a:endParaRPr lang="en-IN"/>
           </a:p>
@@ -2045,7 +2047,7 @@
           <a:p>
             <a:fld id="{6D3052E0-193B-4471-BAD0-B156ECCE0645}" type="datetimeFigureOut">
               <a:rPr lang="en-IN" smtClean="0"/>
-              <a:t>27-04-2023</a:t>
+              <a:t>01-05-2023</a:t>
             </a:fld>
             <a:endParaRPr lang="en-IN"/>
           </a:p>
@@ -2158,7 +2160,7 @@
           <a:p>
             <a:fld id="{6D3052E0-193B-4471-BAD0-B156ECCE0645}" type="datetimeFigureOut">
               <a:rPr lang="en-IN" smtClean="0"/>
-              <a:t>27-04-2023</a:t>
+              <a:t>01-05-2023</a:t>
             </a:fld>
             <a:endParaRPr lang="en-IN"/>
           </a:p>
@@ -2471,7 +2473,7 @@
           <a:p>
             <a:fld id="{6D3052E0-193B-4471-BAD0-B156ECCE0645}" type="datetimeFigureOut">
               <a:rPr lang="en-IN" smtClean="0"/>
-              <a:t>27-04-2023</a:t>
+              <a:t>01-05-2023</a:t>
             </a:fld>
             <a:endParaRPr lang="en-IN"/>
           </a:p>
@@ -2764,7 +2766,7 @@
           <a:p>
             <a:fld id="{6D3052E0-193B-4471-BAD0-B156ECCE0645}" type="datetimeFigureOut">
               <a:rPr lang="en-IN" smtClean="0"/>
-              <a:t>27-04-2023</a:t>
+              <a:t>01-05-2023</a:t>
             </a:fld>
             <a:endParaRPr lang="en-IN"/>
           </a:p>
@@ -3007,7 +3009,7 @@
           <a:p>
             <a:fld id="{6D3052E0-193B-4471-BAD0-B156ECCE0645}" type="datetimeFigureOut">
               <a:rPr lang="en-IN" smtClean="0"/>
-              <a:t>27-04-2023</a:t>
+              <a:t>01-05-2023</a:t>
             </a:fld>
             <a:endParaRPr lang="en-IN"/>
           </a:p>
@@ -3974,8 +3976,8 @@
         </p:nvSpPr>
         <p:spPr>
           <a:xfrm>
-            <a:off x="490220" y="1349647"/>
-            <a:ext cx="11368104" cy="3160930"/>
+            <a:off x="747395" y="1349647"/>
+            <a:ext cx="11368104" cy="1221938"/>
           </a:xfrm>
           <a:prstGeom prst="rect">
             <a:avLst/>
@@ -3994,18 +3996,8 @@
                 <a:latin typeface="Times New Roman" panose="02020603050405020304" pitchFamily="18" charset="0"/>
                 <a:cs typeface="Times New Roman" panose="02020603050405020304" pitchFamily="18" charset="0"/>
               </a:rPr>
-              <a:t>The architecture design of project can be divided into four main components</a:t>
-            </a:r>
-            <a:r>
-              <a:rPr lang="en-US" dirty="0">
-                <a:latin typeface="Times New Roman" panose="02020603050405020304" pitchFamily="18" charset="0"/>
-                <a:cs typeface="Times New Roman" panose="02020603050405020304" pitchFamily="18" charset="0"/>
-              </a:rPr>
-              <a:t>:</a:t>
-            </a:r>
-          </a:p>
-          <a:p>
-            <a:pPr algn="l"/>
+              <a:t>UML Sequence and class diagrams</a:t>
+            </a:r>
             <a:endParaRPr lang="en-US" dirty="0">
               <a:latin typeface="Times New Roman" panose="02020603050405020304" pitchFamily="18" charset="0"/>
               <a:cs typeface="Times New Roman" panose="02020603050405020304" pitchFamily="18" charset="0"/>
@@ -4016,70 +4008,6 @@
               <a:lnSpc>
                 <a:spcPct val="150000"/>
               </a:lnSpc>
-              <a:buFont typeface="+mj-lt"/>
-              <a:buAutoNum type="arabicPeriod"/>
-            </a:pPr>
-            <a:r>
-              <a:rPr lang="en-US" dirty="0">
-                <a:latin typeface="Times New Roman" panose="02020603050405020304" pitchFamily="18" charset="0"/>
-                <a:cs typeface="Times New Roman" panose="02020603050405020304" pitchFamily="18" charset="0"/>
-              </a:rPr>
-              <a:t>Database</a:t>
-            </a:r>
-          </a:p>
-          <a:p>
-            <a:pPr algn="l">
-              <a:lnSpc>
-                <a:spcPct val="150000"/>
-              </a:lnSpc>
-              <a:buFont typeface="+mj-lt"/>
-              <a:buAutoNum type="arabicPeriod"/>
-            </a:pPr>
-            <a:r>
-              <a:rPr lang="en-US" dirty="0">
-                <a:latin typeface="Times New Roman" panose="02020603050405020304" pitchFamily="18" charset="0"/>
-                <a:cs typeface="Times New Roman" panose="02020603050405020304" pitchFamily="18" charset="0"/>
-              </a:rPr>
-              <a:t>Web Service</a:t>
-            </a:r>
-          </a:p>
-          <a:p>
-            <a:pPr algn="l">
-              <a:lnSpc>
-                <a:spcPct val="150000"/>
-              </a:lnSpc>
-              <a:buFont typeface="+mj-lt"/>
-              <a:buAutoNum type="arabicPeriod"/>
-            </a:pPr>
-            <a:r>
-              <a:rPr lang="en-US" dirty="0">
-                <a:latin typeface="Times New Roman" panose="02020603050405020304" pitchFamily="18" charset="0"/>
-                <a:cs typeface="Times New Roman" panose="02020603050405020304" pitchFamily="18" charset="0"/>
-              </a:rPr>
-              <a:t>Client Program</a:t>
-            </a:r>
-          </a:p>
-          <a:p>
-            <a:pPr algn="l">
-              <a:lnSpc>
-                <a:spcPct val="150000"/>
-              </a:lnSpc>
-              <a:buFont typeface="+mj-lt"/>
-              <a:buAutoNum type="arabicPeriod"/>
-            </a:pPr>
-            <a:r>
-              <a:rPr lang="en-US" dirty="0">
-                <a:latin typeface="Times New Roman" panose="02020603050405020304" pitchFamily="18" charset="0"/>
-                <a:cs typeface="Times New Roman" panose="02020603050405020304" pitchFamily="18" charset="0"/>
-              </a:rPr>
-              <a:t>Deployment</a:t>
-            </a:r>
-          </a:p>
-          <a:p>
-            <a:pPr algn="l">
-              <a:lnSpc>
-                <a:spcPct val="150000"/>
-              </a:lnSpc>
             </a:pPr>
             <a:endParaRPr lang="en-US" dirty="0">
               <a:latin typeface="Times New Roman" panose="02020603050405020304" pitchFamily="18" charset="0"/>
@@ -4106,6 +4034,78 @@
           </a:p>
         </p:txBody>
       </p:sp>
+      <p:pic>
+        <p:nvPicPr>
+          <p:cNvPr id="3" name="Picture 2">
+            <a:extLst>
+              <a:ext uri="{FF2B5EF4-FFF2-40B4-BE49-F238E27FC236}">
+                <a16:creationId xmlns:a16="http://schemas.microsoft.com/office/drawing/2014/main" id="{771AA0CD-383A-A904-5DB5-6E669EF03499}"/>
+              </a:ext>
+            </a:extLst>
+          </p:cNvPr>
+          <p:cNvPicPr>
+            <a:picLocks noChangeAspect="1"/>
+          </p:cNvPicPr>
+          <p:nvPr/>
+        </p:nvPicPr>
+        <p:blipFill>
+          <a:blip r:embed="rId4">
+            <a:extLst>
+              <a:ext uri="{28A0092B-C50C-407E-A947-70E740481C1C}">
+                <a14:useLocalDpi xmlns:a14="http://schemas.microsoft.com/office/drawing/2010/main" val="0"/>
+              </a:ext>
+            </a:extLst>
+          </a:blip>
+          <a:stretch>
+            <a:fillRect/>
+          </a:stretch>
+        </p:blipFill>
+        <p:spPr>
+          <a:xfrm>
+            <a:off x="390525" y="1980237"/>
+            <a:ext cx="8964263" cy="4153863"/>
+          </a:xfrm>
+          <a:prstGeom prst="rect">
+            <a:avLst/>
+          </a:prstGeom>
+        </p:spPr>
+      </p:pic>
+      <p:pic>
+        <p:nvPicPr>
+          <p:cNvPr id="9" name="Picture 8">
+            <a:extLst>
+              <a:ext uri="{FF2B5EF4-FFF2-40B4-BE49-F238E27FC236}">
+                <a16:creationId xmlns:a16="http://schemas.microsoft.com/office/drawing/2014/main" id="{21724B11-4634-D145-A149-04142D8CA478}"/>
+              </a:ext>
+            </a:extLst>
+          </p:cNvPr>
+          <p:cNvPicPr>
+            <a:picLocks noChangeAspect="1"/>
+          </p:cNvPicPr>
+          <p:nvPr/>
+        </p:nvPicPr>
+        <p:blipFill>
+          <a:blip r:embed="rId5">
+            <a:extLst>
+              <a:ext uri="{28A0092B-C50C-407E-A947-70E740481C1C}">
+                <a14:useLocalDpi xmlns:a14="http://schemas.microsoft.com/office/drawing/2010/main" val="0"/>
+              </a:ext>
+            </a:extLst>
+          </a:blip>
+          <a:stretch>
+            <a:fillRect/>
+          </a:stretch>
+        </p:blipFill>
+        <p:spPr>
+          <a:xfrm>
+            <a:off x="9516051" y="2977373"/>
+            <a:ext cx="2514685" cy="1737419"/>
+          </a:xfrm>
+          <a:prstGeom prst="rect">
+            <a:avLst/>
+          </a:prstGeom>
+        </p:spPr>
+      </p:pic>
     </p:spTree>
     <p:extLst>
       <p:ext uri="{BB962C8B-B14F-4D97-AF65-F5344CB8AC3E}">
@@ -4318,8 +4318,8 @@
         </p:nvSpPr>
         <p:spPr>
           <a:xfrm>
-            <a:off x="490219" y="1349647"/>
-            <a:ext cx="11098595" cy="1335237"/>
+            <a:off x="490220" y="1349647"/>
+            <a:ext cx="11368104" cy="3160930"/>
           </a:xfrm>
           <a:prstGeom prst="rect">
             <a:avLst/>
@@ -4332,6 +4332,105 @@
           </a:bodyPr>
           <a:lstStyle/>
           <a:p>
+            <a:pPr algn="l"/>
+            <a:r>
+              <a:rPr lang="en-US" sz="2000" b="1" dirty="0">
+                <a:latin typeface="Times New Roman" panose="02020603050405020304" pitchFamily="18" charset="0"/>
+                <a:cs typeface="Times New Roman" panose="02020603050405020304" pitchFamily="18" charset="0"/>
+              </a:rPr>
+              <a:t>The architecture design of project can be divided into four main components</a:t>
+            </a:r>
+            <a:r>
+              <a:rPr lang="en-US" dirty="0">
+                <a:latin typeface="Times New Roman" panose="02020603050405020304" pitchFamily="18" charset="0"/>
+                <a:cs typeface="Times New Roman" panose="02020603050405020304" pitchFamily="18" charset="0"/>
+              </a:rPr>
+              <a:t>:</a:t>
+            </a:r>
+          </a:p>
+          <a:p>
+            <a:pPr algn="l"/>
+            <a:endParaRPr lang="en-US" dirty="0">
+              <a:latin typeface="Times New Roman" panose="02020603050405020304" pitchFamily="18" charset="0"/>
+              <a:cs typeface="Times New Roman" panose="02020603050405020304" pitchFamily="18" charset="0"/>
+            </a:endParaRPr>
+          </a:p>
+          <a:p>
+            <a:pPr algn="l">
+              <a:lnSpc>
+                <a:spcPct val="150000"/>
+              </a:lnSpc>
+              <a:buFont typeface="+mj-lt"/>
+              <a:buAutoNum type="arabicPeriod"/>
+            </a:pPr>
+            <a:r>
+              <a:rPr lang="en-US" dirty="0">
+                <a:latin typeface="Times New Roman" panose="02020603050405020304" pitchFamily="18" charset="0"/>
+                <a:cs typeface="Times New Roman" panose="02020603050405020304" pitchFamily="18" charset="0"/>
+              </a:rPr>
+              <a:t>Database</a:t>
+            </a:r>
+          </a:p>
+          <a:p>
+            <a:pPr algn="l">
+              <a:lnSpc>
+                <a:spcPct val="150000"/>
+              </a:lnSpc>
+              <a:buFont typeface="+mj-lt"/>
+              <a:buAutoNum type="arabicPeriod"/>
+            </a:pPr>
+            <a:r>
+              <a:rPr lang="en-US" dirty="0">
+                <a:latin typeface="Times New Roman" panose="02020603050405020304" pitchFamily="18" charset="0"/>
+                <a:cs typeface="Times New Roman" panose="02020603050405020304" pitchFamily="18" charset="0"/>
+              </a:rPr>
+              <a:t>Web Service</a:t>
+            </a:r>
+          </a:p>
+          <a:p>
+            <a:pPr algn="l">
+              <a:lnSpc>
+                <a:spcPct val="150000"/>
+              </a:lnSpc>
+              <a:buFont typeface="+mj-lt"/>
+              <a:buAutoNum type="arabicPeriod"/>
+            </a:pPr>
+            <a:r>
+              <a:rPr lang="en-US" dirty="0">
+                <a:latin typeface="Times New Roman" panose="02020603050405020304" pitchFamily="18" charset="0"/>
+                <a:cs typeface="Times New Roman" panose="02020603050405020304" pitchFamily="18" charset="0"/>
+              </a:rPr>
+              <a:t>Client Program</a:t>
+            </a:r>
+          </a:p>
+          <a:p>
+            <a:pPr algn="l">
+              <a:lnSpc>
+                <a:spcPct val="150000"/>
+              </a:lnSpc>
+              <a:buFont typeface="+mj-lt"/>
+              <a:buAutoNum type="arabicPeriod"/>
+            </a:pPr>
+            <a:r>
+              <a:rPr lang="en-US" dirty="0">
+                <a:latin typeface="Times New Roman" panose="02020603050405020304" pitchFamily="18" charset="0"/>
+                <a:cs typeface="Times New Roman" panose="02020603050405020304" pitchFamily="18" charset="0"/>
+              </a:rPr>
+              <a:t>Deployment</a:t>
+            </a:r>
+          </a:p>
+          <a:p>
+            <a:pPr algn="l">
+              <a:lnSpc>
+                <a:spcPct val="150000"/>
+              </a:lnSpc>
+            </a:pPr>
+            <a:endParaRPr lang="en-US" dirty="0">
+              <a:latin typeface="Times New Roman" panose="02020603050405020304" pitchFamily="18" charset="0"/>
+              <a:cs typeface="Times New Roman" panose="02020603050405020304" pitchFamily="18" charset="0"/>
+            </a:endParaRPr>
+          </a:p>
+          <a:p>
             <a:pPr>
               <a:lnSpc>
                 <a:spcPct val="150000"/>
@@ -4342,114 +4441,19 @@
                 <a:latin typeface="Times New Roman" panose="02020603050405020304" pitchFamily="18" charset="0"/>
                 <a:cs typeface="Times New Roman" panose="02020603050405020304" pitchFamily="18" charset="0"/>
               </a:rPr>
-              <a:t> 1. Database</a:t>
-            </a:r>
-          </a:p>
-          <a:p>
-            <a:pPr>
-              <a:lnSpc>
-                <a:spcPct val="150000"/>
-              </a:lnSpc>
-            </a:pPr>
-            <a:r>
-              <a:rPr lang="en-US" dirty="0">
-                <a:latin typeface="Times New Roman" panose="02020603050405020304" pitchFamily="18" charset="0"/>
-                <a:cs typeface="Times New Roman" panose="02020603050405020304" pitchFamily="18" charset="0"/>
-              </a:rPr>
-              <a:t>The project requires a database to store employee data. MySQL is used for this project and a database is created.</a:t>
-            </a:r>
-          </a:p>
-          <a:p>
-            <a:pPr>
-              <a:lnSpc>
-                <a:spcPct val="150000"/>
-              </a:lnSpc>
-            </a:pPr>
-            <a:r>
-              <a:rPr lang="en-US" dirty="0">
-                <a:latin typeface="Times New Roman" panose="02020603050405020304" pitchFamily="18" charset="0"/>
-                <a:cs typeface="Times New Roman" panose="02020603050405020304" pitchFamily="18" charset="0"/>
-              </a:rPr>
-              <a:t>An Employee table is created in the database with 3 columns </a:t>
-            </a:r>
-            <a:r>
-              <a:rPr lang="en-US" dirty="0" err="1">
-                <a:latin typeface="Times New Roman" panose="02020603050405020304" pitchFamily="18" charset="0"/>
-                <a:cs typeface="Times New Roman" panose="02020603050405020304" pitchFamily="18" charset="0"/>
-              </a:rPr>
-              <a:t>employee_id</a:t>
-            </a:r>
-            <a:r>
-              <a:rPr lang="en-US" dirty="0">
-                <a:latin typeface="Times New Roman" panose="02020603050405020304" pitchFamily="18" charset="0"/>
-                <a:cs typeface="Times New Roman" panose="02020603050405020304" pitchFamily="18" charset="0"/>
-              </a:rPr>
-              <a:t>, </a:t>
-            </a:r>
-            <a:r>
-              <a:rPr lang="en-US" dirty="0" err="1">
-                <a:latin typeface="Times New Roman" panose="02020603050405020304" pitchFamily="18" charset="0"/>
-                <a:cs typeface="Times New Roman" panose="02020603050405020304" pitchFamily="18" charset="0"/>
-              </a:rPr>
-              <a:t>employee_name</a:t>
-            </a:r>
-            <a:r>
-              <a:rPr lang="en-US" dirty="0">
-                <a:latin typeface="Times New Roman" panose="02020603050405020304" pitchFamily="18" charset="0"/>
-                <a:cs typeface="Times New Roman" panose="02020603050405020304" pitchFamily="18" charset="0"/>
-              </a:rPr>
-              <a:t> and </a:t>
-            </a:r>
-            <a:r>
-              <a:rPr lang="en-US" dirty="0" err="1">
-                <a:latin typeface="Times New Roman" panose="02020603050405020304" pitchFamily="18" charset="0"/>
-                <a:cs typeface="Times New Roman" panose="02020603050405020304" pitchFamily="18" charset="0"/>
-              </a:rPr>
-              <a:t>date_of_birth</a:t>
-            </a:r>
-            <a:r>
-              <a:rPr lang="en-US" dirty="0">
-                <a:latin typeface="Times New Roman" panose="02020603050405020304" pitchFamily="18" charset="0"/>
-                <a:cs typeface="Times New Roman" panose="02020603050405020304" pitchFamily="18" charset="0"/>
-              </a:rPr>
-              <a:t>.</a:t>
-            </a:r>
+              <a:t> </a:t>
+            </a:r>
+            <a:endParaRPr lang="en-US" dirty="0">
+              <a:latin typeface="Times New Roman" panose="02020603050405020304" pitchFamily="18" charset="0"/>
+              <a:cs typeface="Times New Roman" panose="02020603050405020304" pitchFamily="18" charset="0"/>
+            </a:endParaRPr>
           </a:p>
         </p:txBody>
       </p:sp>
-      <p:pic>
-        <p:nvPicPr>
-          <p:cNvPr id="9" name="Picture 8">
-            <a:extLst>
-              <a:ext uri="{FF2B5EF4-FFF2-40B4-BE49-F238E27FC236}">
-                <a16:creationId xmlns:a16="http://schemas.microsoft.com/office/drawing/2014/main" id="{E2E9EB2C-ED86-30DA-07FC-F445F4F8DFFE}"/>
-              </a:ext>
-            </a:extLst>
-          </p:cNvPr>
-          <p:cNvPicPr>
-            <a:picLocks noChangeAspect="1"/>
-          </p:cNvPicPr>
-          <p:nvPr/>
-        </p:nvPicPr>
-        <p:blipFill rotWithShape="1">
-          <a:blip r:embed="rId4"/>
-          <a:srcRect l="125" t="-103" r="-125" b="62942"/>
-          <a:stretch/>
-        </p:blipFill>
-        <p:spPr>
-          <a:xfrm>
-            <a:off x="1424538" y="3428999"/>
-            <a:ext cx="6756936" cy="2259531"/>
-          </a:xfrm>
-          <a:prstGeom prst="rect">
-            <a:avLst/>
-          </a:prstGeom>
-        </p:spPr>
-      </p:pic>
     </p:spTree>
     <p:extLst>
       <p:ext uri="{BB962C8B-B14F-4D97-AF65-F5344CB8AC3E}">
-        <p14:creationId xmlns:p14="http://schemas.microsoft.com/office/powerpoint/2010/main" val="1909188269"/>
+        <p14:creationId xmlns:p14="http://schemas.microsoft.com/office/powerpoint/2010/main" val="1120898231"/>
       </p:ext>
     </p:extLst>
   </p:cSld>
@@ -4658,8 +4662,8 @@
         </p:nvSpPr>
         <p:spPr>
           <a:xfrm>
-            <a:off x="464887" y="1197589"/>
-            <a:ext cx="11262225" cy="5304978"/>
+            <a:off x="490219" y="1349647"/>
+            <a:ext cx="11098595" cy="1335237"/>
           </a:xfrm>
           <a:prstGeom prst="rect">
             <a:avLst/>
@@ -4672,22 +4676,21 @@
           </a:bodyPr>
           <a:lstStyle/>
           <a:p>
-            <a:pPr algn="just">
+            <a:pPr>
               <a:lnSpc>
                 <a:spcPct val="150000"/>
               </a:lnSpc>
             </a:pPr>
             <a:r>
-              <a:rPr lang="en-IN" sz="2000" b="1" i="0" dirty="0">
-                <a:effectLst/>
-                <a:latin typeface="Times New Roman" panose="02020603050405020304" pitchFamily="18" charset="0"/>
-                <a:cs typeface="Times New Roman" panose="02020603050405020304" pitchFamily="18" charset="0"/>
-              </a:rPr>
-              <a:t>2. Web Service</a:t>
-            </a:r>
-          </a:p>
-          <a:p>
-            <a:pPr algn="l">
+              <a:rPr lang="en-US" sz="2000" b="1" dirty="0">
+                <a:latin typeface="Times New Roman" panose="02020603050405020304" pitchFamily="18" charset="0"/>
+                <a:cs typeface="Times New Roman" panose="02020603050405020304" pitchFamily="18" charset="0"/>
+              </a:rPr>
+              <a:t> 1. Database</a:t>
+            </a:r>
+          </a:p>
+          <a:p>
+            <a:pPr>
               <a:lnSpc>
                 <a:spcPct val="150000"/>
               </a:lnSpc>
@@ -4697,28 +4700,42 @@
                 <a:latin typeface="Times New Roman" panose="02020603050405020304" pitchFamily="18" charset="0"/>
                 <a:cs typeface="Times New Roman" panose="02020603050405020304" pitchFamily="18" charset="0"/>
               </a:rPr>
-              <a:t>The web service is the primary component of the project, responsible for retrieving employee data from the database and returning it to the client program. The web service is implemented using Java and Spring Boot, and can be accessed through an HTTP request that takes an </a:t>
+              <a:t>The project requires a database to store employee data. MySQL is used for this project and a database is created.</a:t>
+            </a:r>
+          </a:p>
+          <a:p>
+            <a:pPr>
+              <a:lnSpc>
+                <a:spcPct val="150000"/>
+              </a:lnSpc>
+            </a:pPr>
+            <a:r>
+              <a:rPr lang="en-US" dirty="0">
+                <a:latin typeface="Times New Roman" panose="02020603050405020304" pitchFamily="18" charset="0"/>
+                <a:cs typeface="Times New Roman" panose="02020603050405020304" pitchFamily="18" charset="0"/>
+              </a:rPr>
+              <a:t>An Employee table is created in the database with 3 columns </a:t>
             </a:r>
             <a:r>
               <a:rPr lang="en-US" dirty="0" err="1">
                 <a:latin typeface="Times New Roman" panose="02020603050405020304" pitchFamily="18" charset="0"/>
                 <a:cs typeface="Times New Roman" panose="02020603050405020304" pitchFamily="18" charset="0"/>
               </a:rPr>
-              <a:t>EmployeeID</a:t>
+              <a:t>employee_id</a:t>
             </a:r>
             <a:r>
               <a:rPr lang="en-US" dirty="0">
                 <a:latin typeface="Times New Roman" panose="02020603050405020304" pitchFamily="18" charset="0"/>
                 <a:cs typeface="Times New Roman" panose="02020603050405020304" pitchFamily="18" charset="0"/>
               </a:rPr>
-              <a:t> as a parameter and returns the corresponding </a:t>
+              <a:t>, </a:t>
             </a:r>
             <a:r>
               <a:rPr lang="en-US" dirty="0" err="1">
                 <a:latin typeface="Times New Roman" panose="02020603050405020304" pitchFamily="18" charset="0"/>
                 <a:cs typeface="Times New Roman" panose="02020603050405020304" pitchFamily="18" charset="0"/>
               </a:rPr>
-              <a:t>EmployeeName</a:t>
+              <a:t>employee_name</a:t>
             </a:r>
             <a:r>
               <a:rPr lang="en-US" dirty="0">
@@ -4732,7 +4749,7 @@
                 <a:latin typeface="Times New Roman" panose="02020603050405020304" pitchFamily="18" charset="0"/>
                 <a:cs typeface="Times New Roman" panose="02020603050405020304" pitchFamily="18" charset="0"/>
               </a:rPr>
-              <a:t>DateOfBirth</a:t>
+              <a:t>date_of_birth</a:t>
             </a:r>
             <a:r>
               <a:rPr lang="en-US" dirty="0">
@@ -4741,108 +4758,42 @@
               </a:rPr>
               <a:t>.</a:t>
             </a:r>
-          </a:p>
-          <a:p>
-            <a:pPr algn="l">
-              <a:lnSpc>
-                <a:spcPct val="150000"/>
-              </a:lnSpc>
-            </a:pPr>
-            <a:r>
-              <a:rPr lang="en-US" b="1" dirty="0">
-                <a:latin typeface="Times New Roman" panose="02020603050405020304" pitchFamily="18" charset="0"/>
-                <a:cs typeface="Times New Roman" panose="02020603050405020304" pitchFamily="18" charset="0"/>
-              </a:rPr>
-              <a:t>The web service consists of several components:</a:t>
-            </a:r>
-          </a:p>
-          <a:p>
-            <a:pPr marL="285750" indent="-285750" algn="l">
-              <a:lnSpc>
-                <a:spcPct val="150000"/>
-              </a:lnSpc>
-              <a:buFont typeface="Wingdings" panose="05000000000000000000" pitchFamily="2" charset="2"/>
-              <a:buChar char="Ø"/>
-            </a:pPr>
-            <a:r>
-              <a:rPr lang="en-US" b="1" dirty="0">
-                <a:latin typeface="Times New Roman" panose="02020603050405020304" pitchFamily="18" charset="0"/>
-                <a:cs typeface="Times New Roman" panose="02020603050405020304" pitchFamily="18" charset="0"/>
-              </a:rPr>
-              <a:t>Controller</a:t>
-            </a:r>
-            <a:r>
-              <a:rPr lang="en-US" dirty="0">
-                <a:latin typeface="Times New Roman" panose="02020603050405020304" pitchFamily="18" charset="0"/>
-                <a:cs typeface="Times New Roman" panose="02020603050405020304" pitchFamily="18" charset="0"/>
-              </a:rPr>
-              <a:t>: The controller receives incoming HTTP requests, retrieves the requested data from the database, and returns the data to the client program.</a:t>
-            </a:r>
-          </a:p>
-          <a:p>
-            <a:pPr marL="285750" indent="-285750" algn="l">
-              <a:lnSpc>
-                <a:spcPct val="150000"/>
-              </a:lnSpc>
-              <a:buFont typeface="Wingdings" panose="05000000000000000000" pitchFamily="2" charset="2"/>
-              <a:buChar char="Ø"/>
-            </a:pPr>
-            <a:r>
-              <a:rPr lang="en-US" b="1" dirty="0">
-                <a:latin typeface="Times New Roman" panose="02020603050405020304" pitchFamily="18" charset="0"/>
-                <a:cs typeface="Times New Roman" panose="02020603050405020304" pitchFamily="18" charset="0"/>
-              </a:rPr>
-              <a:t>Service</a:t>
-            </a:r>
-            <a:r>
-              <a:rPr lang="en-US" dirty="0">
-                <a:latin typeface="Times New Roman" panose="02020603050405020304" pitchFamily="18" charset="0"/>
-                <a:cs typeface="Times New Roman" panose="02020603050405020304" pitchFamily="18" charset="0"/>
-              </a:rPr>
-              <a:t>: The service layer encapsulates the business logic of the application and interacts with the database through a DAO (Data Access Object) layer.</a:t>
-            </a:r>
-          </a:p>
-          <a:p>
-            <a:pPr marL="285750" indent="-285750" algn="l">
-              <a:lnSpc>
-                <a:spcPct val="150000"/>
-              </a:lnSpc>
-              <a:buFont typeface="Wingdings" panose="05000000000000000000" pitchFamily="2" charset="2"/>
-              <a:buChar char="Ø"/>
-            </a:pPr>
-            <a:r>
-              <a:rPr lang="en-US" b="1" dirty="0">
-                <a:latin typeface="Times New Roman" panose="02020603050405020304" pitchFamily="18" charset="0"/>
-                <a:cs typeface="Times New Roman" panose="02020603050405020304" pitchFamily="18" charset="0"/>
-              </a:rPr>
-              <a:t>DAO</a:t>
-            </a:r>
-            <a:r>
-              <a:rPr lang="en-US" dirty="0">
-                <a:latin typeface="Times New Roman" panose="02020603050405020304" pitchFamily="18" charset="0"/>
-                <a:cs typeface="Times New Roman" panose="02020603050405020304" pitchFamily="18" charset="0"/>
-              </a:rPr>
-              <a:t>: The DAO layer interacts directly with the database and performs CRUD (Create, Read, Update, Delete) operations on the Employee table.</a:t>
-            </a:r>
-          </a:p>
-          <a:p>
-            <a:pPr algn="just">
-              <a:lnSpc>
-                <a:spcPct val="115000"/>
-              </a:lnSpc>
-            </a:pPr>
-            <a:endParaRPr lang="en-IN" sz="1400" dirty="0">
-              <a:effectLst/>
-              <a:latin typeface="Arial" panose="020B0604020202020204" pitchFamily="34" charset="0"/>
-              <a:ea typeface="Arial" panose="020B0604020202020204" pitchFamily="34" charset="0"/>
-            </a:endParaRPr>
           </a:p>
         </p:txBody>
       </p:sp>
+      <p:pic>
+        <p:nvPicPr>
+          <p:cNvPr id="9" name="Picture 8">
+            <a:extLst>
+              <a:ext uri="{FF2B5EF4-FFF2-40B4-BE49-F238E27FC236}">
+                <a16:creationId xmlns:a16="http://schemas.microsoft.com/office/drawing/2014/main" id="{E2E9EB2C-ED86-30DA-07FC-F445F4F8DFFE}"/>
+              </a:ext>
+            </a:extLst>
+          </p:cNvPr>
+          <p:cNvPicPr>
+            <a:picLocks noChangeAspect="1"/>
+          </p:cNvPicPr>
+          <p:nvPr/>
+        </p:nvPicPr>
+        <p:blipFill rotWithShape="1">
+          <a:blip r:embed="rId4"/>
+          <a:srcRect l="125" t="-103" r="-125" b="62942"/>
+          <a:stretch/>
+        </p:blipFill>
+        <p:spPr>
+          <a:xfrm>
+            <a:off x="1424538" y="3428999"/>
+            <a:ext cx="6756936" cy="2259531"/>
+          </a:xfrm>
+          <a:prstGeom prst="rect">
+            <a:avLst/>
+          </a:prstGeom>
+        </p:spPr>
+      </p:pic>
     </p:spTree>
     <p:extLst>
       <p:ext uri="{BB962C8B-B14F-4D97-AF65-F5344CB8AC3E}">
-        <p14:creationId xmlns:p14="http://schemas.microsoft.com/office/powerpoint/2010/main" val="3903522632"/>
+        <p14:creationId xmlns:p14="http://schemas.microsoft.com/office/powerpoint/2010/main" val="1909188269"/>
       </p:ext>
     </p:extLst>
   </p:cSld>
@@ -5051,8 +5002,8 @@
         </p:nvSpPr>
         <p:spPr>
           <a:xfrm>
-            <a:off x="653850" y="1197589"/>
-            <a:ext cx="5026660" cy="417550"/>
+            <a:off x="464887" y="1197589"/>
+            <a:ext cx="11262225" cy="5304978"/>
           </a:xfrm>
           <a:prstGeom prst="rect">
             <a:avLst/>
@@ -5067,18 +5018,164 @@
           <a:p>
             <a:pPr algn="just">
               <a:lnSpc>
+                <a:spcPct val="150000"/>
+              </a:lnSpc>
+            </a:pPr>
+            <a:r>
+              <a:rPr lang="en-IN" sz="2000" b="1" i="0" dirty="0">
+                <a:effectLst/>
+                <a:latin typeface="Times New Roman" panose="02020603050405020304" pitchFamily="18" charset="0"/>
+                <a:cs typeface="Times New Roman" panose="02020603050405020304" pitchFamily="18" charset="0"/>
+              </a:rPr>
+              <a:t>2. Web Service</a:t>
+            </a:r>
+          </a:p>
+          <a:p>
+            <a:pPr algn="l">
+              <a:lnSpc>
+                <a:spcPct val="150000"/>
+              </a:lnSpc>
+            </a:pPr>
+            <a:r>
+              <a:rPr lang="en-US" dirty="0">
+                <a:latin typeface="Times New Roman" panose="02020603050405020304" pitchFamily="18" charset="0"/>
+                <a:cs typeface="Times New Roman" panose="02020603050405020304" pitchFamily="18" charset="0"/>
+              </a:rPr>
+              <a:t>The web service is the primary component of the project, responsible for retrieving employee data from the database and returning it to the client program. The web service is implemented using Java and Spring Boot, and can be accessed through an HTTP request that takes an </a:t>
+            </a:r>
+            <a:r>
+              <a:rPr lang="en-US" dirty="0" err="1">
+                <a:latin typeface="Times New Roman" panose="02020603050405020304" pitchFamily="18" charset="0"/>
+                <a:cs typeface="Times New Roman" panose="02020603050405020304" pitchFamily="18" charset="0"/>
+              </a:rPr>
+              <a:t>EmployeeID</a:t>
+            </a:r>
+            <a:r>
+              <a:rPr lang="en-US" dirty="0">
+                <a:latin typeface="Times New Roman" panose="02020603050405020304" pitchFamily="18" charset="0"/>
+                <a:cs typeface="Times New Roman" panose="02020603050405020304" pitchFamily="18" charset="0"/>
+              </a:rPr>
+              <a:t> as a parameter and returns the corresponding </a:t>
+            </a:r>
+            <a:r>
+              <a:rPr lang="en-US" dirty="0" err="1">
+                <a:latin typeface="Times New Roman" panose="02020603050405020304" pitchFamily="18" charset="0"/>
+                <a:cs typeface="Times New Roman" panose="02020603050405020304" pitchFamily="18" charset="0"/>
+              </a:rPr>
+              <a:t>EmployeeName</a:t>
+            </a:r>
+            <a:r>
+              <a:rPr lang="en-US" dirty="0">
+                <a:latin typeface="Times New Roman" panose="02020603050405020304" pitchFamily="18" charset="0"/>
+                <a:cs typeface="Times New Roman" panose="02020603050405020304" pitchFamily="18" charset="0"/>
+              </a:rPr>
+              <a:t> and </a:t>
+            </a:r>
+            <a:r>
+              <a:rPr lang="en-US" dirty="0" err="1">
+                <a:latin typeface="Times New Roman" panose="02020603050405020304" pitchFamily="18" charset="0"/>
+                <a:cs typeface="Times New Roman" panose="02020603050405020304" pitchFamily="18" charset="0"/>
+              </a:rPr>
+              <a:t>DateOfBirth</a:t>
+            </a:r>
+            <a:r>
+              <a:rPr lang="en-US" dirty="0">
+                <a:latin typeface="Times New Roman" panose="02020603050405020304" pitchFamily="18" charset="0"/>
+                <a:cs typeface="Times New Roman" panose="02020603050405020304" pitchFamily="18" charset="0"/>
+              </a:rPr>
+              <a:t>.</a:t>
+            </a:r>
+          </a:p>
+          <a:p>
+            <a:pPr algn="l">
+              <a:lnSpc>
+                <a:spcPct val="150000"/>
+              </a:lnSpc>
+            </a:pPr>
+            <a:r>
+              <a:rPr lang="en-US" b="1" dirty="0">
+                <a:latin typeface="Times New Roman" panose="02020603050405020304" pitchFamily="18" charset="0"/>
+                <a:cs typeface="Times New Roman" panose="02020603050405020304" pitchFamily="18" charset="0"/>
+              </a:rPr>
+              <a:t>The web service consists of several components:</a:t>
+            </a:r>
+          </a:p>
+          <a:p>
+            <a:pPr marL="285750" indent="-285750" algn="l">
+              <a:lnSpc>
+                <a:spcPct val="150000"/>
+              </a:lnSpc>
+              <a:buFont typeface="Wingdings" panose="05000000000000000000" pitchFamily="2" charset="2"/>
+              <a:buChar char="Ø"/>
+            </a:pPr>
+            <a:r>
+              <a:rPr lang="en-US" b="1" dirty="0">
+                <a:latin typeface="Times New Roman" panose="02020603050405020304" pitchFamily="18" charset="0"/>
+                <a:cs typeface="Times New Roman" panose="02020603050405020304" pitchFamily="18" charset="0"/>
+              </a:rPr>
+              <a:t>Controller</a:t>
+            </a:r>
+            <a:r>
+              <a:rPr lang="en-US" dirty="0">
+                <a:latin typeface="Times New Roman" panose="02020603050405020304" pitchFamily="18" charset="0"/>
+                <a:cs typeface="Times New Roman" panose="02020603050405020304" pitchFamily="18" charset="0"/>
+              </a:rPr>
+              <a:t>: The controller receives incoming HTTP requests, retrieves the requested data from the database, and returns the data to the client program.</a:t>
+            </a:r>
+          </a:p>
+          <a:p>
+            <a:pPr marL="285750" indent="-285750" algn="l">
+              <a:lnSpc>
+                <a:spcPct val="150000"/>
+              </a:lnSpc>
+              <a:buFont typeface="Wingdings" panose="05000000000000000000" pitchFamily="2" charset="2"/>
+              <a:buChar char="Ø"/>
+            </a:pPr>
+            <a:r>
+              <a:rPr lang="en-US" b="1" dirty="0">
+                <a:latin typeface="Times New Roman" panose="02020603050405020304" pitchFamily="18" charset="0"/>
+                <a:cs typeface="Times New Roman" panose="02020603050405020304" pitchFamily="18" charset="0"/>
+              </a:rPr>
+              <a:t>Service</a:t>
+            </a:r>
+            <a:r>
+              <a:rPr lang="en-US" dirty="0">
+                <a:latin typeface="Times New Roman" panose="02020603050405020304" pitchFamily="18" charset="0"/>
+                <a:cs typeface="Times New Roman" panose="02020603050405020304" pitchFamily="18" charset="0"/>
+              </a:rPr>
+              <a:t>: The service layer encapsulates the business logic of the application and interacts with the database through a DAO (Data Access Object) layer.</a:t>
+            </a:r>
+          </a:p>
+          <a:p>
+            <a:pPr marL="285750" indent="-285750" algn="l">
+              <a:lnSpc>
+                <a:spcPct val="150000"/>
+              </a:lnSpc>
+              <a:buFont typeface="Wingdings" panose="05000000000000000000" pitchFamily="2" charset="2"/>
+              <a:buChar char="Ø"/>
+            </a:pPr>
+            <a:r>
+              <a:rPr lang="en-US" b="1" dirty="0">
+                <a:latin typeface="Times New Roman" panose="02020603050405020304" pitchFamily="18" charset="0"/>
+                <a:cs typeface="Times New Roman" panose="02020603050405020304" pitchFamily="18" charset="0"/>
+              </a:rPr>
+              <a:t>DAO</a:t>
+            </a:r>
+            <a:r>
+              <a:rPr lang="en-US" dirty="0">
+                <a:latin typeface="Times New Roman" panose="02020603050405020304" pitchFamily="18" charset="0"/>
+                <a:cs typeface="Times New Roman" panose="02020603050405020304" pitchFamily="18" charset="0"/>
+              </a:rPr>
+              <a:t>: The DAO layer interacts directly with the database and performs CRUD (Create, Read, Update, Delete) operations on the Employee table.</a:t>
+            </a:r>
+          </a:p>
+          <a:p>
+            <a:pPr algn="just">
+              <a:lnSpc>
                 <a:spcPct val="115000"/>
               </a:lnSpc>
             </a:pPr>
-            <a:r>
-              <a:rPr lang="en-IN" sz="2000" b="1" dirty="0">
-                <a:effectLst/>
-                <a:latin typeface="Times New Roman" panose="02020603050405020304" pitchFamily="18" charset="0"/>
-                <a:ea typeface="Arial" panose="020B0604020202020204" pitchFamily="34" charset="0"/>
-              </a:rPr>
-              <a:t>Web service architecture</a:t>
-            </a:r>
-            <a:endParaRPr lang="en-IN" sz="1600" b="1" dirty="0">
+            <a:endParaRPr lang="en-IN" sz="1400" dirty="0">
               <a:effectLst/>
               <a:latin typeface="Arial" panose="020B0604020202020204" pitchFamily="34" charset="0"/>
               <a:ea typeface="Arial" panose="020B0604020202020204" pitchFamily="34" charset="0"/>
@@ -5086,40 +5183,10 @@
           </a:p>
         </p:txBody>
       </p:sp>
-      <p:pic>
-        <p:nvPicPr>
-          <p:cNvPr id="3" name="Picture 2">
-            <a:extLst>
-              <a:ext uri="{FF2B5EF4-FFF2-40B4-BE49-F238E27FC236}">
-                <a16:creationId xmlns:a16="http://schemas.microsoft.com/office/drawing/2014/main" id="{44D2ACFA-AFDE-A81C-3033-D78031E7A451}"/>
-              </a:ext>
-            </a:extLst>
-          </p:cNvPr>
-          <p:cNvPicPr>
-            <a:picLocks noChangeAspect="1"/>
-          </p:cNvPicPr>
-          <p:nvPr/>
-        </p:nvPicPr>
-        <p:blipFill>
-          <a:blip r:embed="rId4"/>
-          <a:stretch>
-            <a:fillRect/>
-          </a:stretch>
-        </p:blipFill>
-        <p:spPr>
-          <a:xfrm>
-            <a:off x="968275" y="2115485"/>
-            <a:ext cx="9706142" cy="3823302"/>
-          </a:xfrm>
-          <a:prstGeom prst="rect">
-            <a:avLst/>
-          </a:prstGeom>
-        </p:spPr>
-      </p:pic>
     </p:spTree>
     <p:extLst>
       <p:ext uri="{BB962C8B-B14F-4D97-AF65-F5344CB8AC3E}">
-        <p14:creationId xmlns:p14="http://schemas.microsoft.com/office/powerpoint/2010/main" val="397073896"/>
+        <p14:creationId xmlns:p14="http://schemas.microsoft.com/office/powerpoint/2010/main" val="3903522632"/>
       </p:ext>
     </p:extLst>
   </p:cSld>
@@ -5316,10 +5383,10 @@
       </p:sp>
       <p:sp>
         <p:nvSpPr>
-          <p:cNvPr id="7" name="TextBox 6">
-            <a:extLst>
-              <a:ext uri="{FF2B5EF4-FFF2-40B4-BE49-F238E27FC236}">
-                <a16:creationId xmlns:a16="http://schemas.microsoft.com/office/drawing/2014/main" id="{665F3BBB-36FE-E6E4-6217-C50A5E5EF88B}"/>
+          <p:cNvPr id="10" name="TextBox 9">
+            <a:extLst>
+              <a:ext uri="{FF2B5EF4-FFF2-40B4-BE49-F238E27FC236}">
+                <a16:creationId xmlns:a16="http://schemas.microsoft.com/office/drawing/2014/main" id="{F71EEDC0-3CC6-66B5-D744-43E72A9CA66B}"/>
               </a:ext>
             </a:extLst>
           </p:cNvPr>
@@ -5328,8 +5395,8 @@
         </p:nvSpPr>
         <p:spPr>
           <a:xfrm>
-            <a:off x="490219" y="1349647"/>
-            <a:ext cx="11464357" cy="4935647"/>
+            <a:off x="653850" y="1197589"/>
+            <a:ext cx="5026660" cy="417550"/>
           </a:xfrm>
           <a:prstGeom prst="rect">
             <a:avLst/>
@@ -5342,215 +5409,20 @@
           </a:bodyPr>
           <a:lstStyle/>
           <a:p>
-            <a:pPr>
-              <a:lnSpc>
-                <a:spcPct val="150000"/>
+            <a:pPr algn="just">
+              <a:lnSpc>
+                <a:spcPct val="115000"/>
               </a:lnSpc>
             </a:pPr>
             <a:r>
               <a:rPr lang="en-IN" sz="2000" b="1" dirty="0">
-                <a:latin typeface="Times New Roman" panose="02020603050405020304" pitchFamily="18" charset="0"/>
-                <a:cs typeface="Times New Roman" panose="02020603050405020304" pitchFamily="18" charset="0"/>
-              </a:rPr>
-              <a:t>3. Client Program</a:t>
-            </a:r>
-          </a:p>
-          <a:p>
-            <a:pPr algn="l">
-              <a:lnSpc>
-                <a:spcPct val="150000"/>
-              </a:lnSpc>
-            </a:pPr>
-            <a:r>
-              <a:rPr lang="en-US" dirty="0">
-                <a:latin typeface="Times New Roman" panose="02020603050405020304" pitchFamily="18" charset="0"/>
-                <a:cs typeface="Times New Roman" panose="02020603050405020304" pitchFamily="18" charset="0"/>
-              </a:rPr>
-              <a:t>The client program is a separate Java application that calls the web service to retrieve employee data. The client program takes an </a:t>
-            </a:r>
-            <a:r>
-              <a:rPr lang="en-US" dirty="0" err="1">
-                <a:latin typeface="Times New Roman" panose="02020603050405020304" pitchFamily="18" charset="0"/>
-                <a:cs typeface="Times New Roman" panose="02020603050405020304" pitchFamily="18" charset="0"/>
-              </a:rPr>
-              <a:t>EmployeeID</a:t>
-            </a:r>
-            <a:r>
-              <a:rPr lang="en-US" dirty="0">
-                <a:latin typeface="Times New Roman" panose="02020603050405020304" pitchFamily="18" charset="0"/>
-                <a:cs typeface="Times New Roman" panose="02020603050405020304" pitchFamily="18" charset="0"/>
-              </a:rPr>
-              <a:t> as input and displays the corresponding </a:t>
-            </a:r>
-            <a:r>
-              <a:rPr lang="en-US" dirty="0" err="1">
-                <a:latin typeface="Times New Roman" panose="02020603050405020304" pitchFamily="18" charset="0"/>
-                <a:cs typeface="Times New Roman" panose="02020603050405020304" pitchFamily="18" charset="0"/>
-              </a:rPr>
-              <a:t>EmployeeName</a:t>
-            </a:r>
-            <a:r>
-              <a:rPr lang="en-US" dirty="0">
-                <a:latin typeface="Times New Roman" panose="02020603050405020304" pitchFamily="18" charset="0"/>
-                <a:cs typeface="Times New Roman" panose="02020603050405020304" pitchFamily="18" charset="0"/>
-              </a:rPr>
-              <a:t> and </a:t>
-            </a:r>
-            <a:r>
-              <a:rPr lang="en-US" dirty="0" err="1">
-                <a:latin typeface="Times New Roman" panose="02020603050405020304" pitchFamily="18" charset="0"/>
-                <a:cs typeface="Times New Roman" panose="02020603050405020304" pitchFamily="18" charset="0"/>
-              </a:rPr>
-              <a:t>DateOfBirth</a:t>
-            </a:r>
-            <a:r>
-              <a:rPr lang="en-US" dirty="0">
-                <a:latin typeface="Times New Roman" panose="02020603050405020304" pitchFamily="18" charset="0"/>
-                <a:cs typeface="Times New Roman" panose="02020603050405020304" pitchFamily="18" charset="0"/>
-              </a:rPr>
-              <a:t> to the user.</a:t>
-            </a:r>
-          </a:p>
-          <a:p>
-            <a:pPr algn="l">
-              <a:lnSpc>
-                <a:spcPct val="150000"/>
-              </a:lnSpc>
-            </a:pPr>
-            <a:endParaRPr lang="en-US" dirty="0">
-              <a:latin typeface="Times New Roman" panose="02020603050405020304" pitchFamily="18" charset="0"/>
-              <a:cs typeface="Times New Roman" panose="02020603050405020304" pitchFamily="18" charset="0"/>
-            </a:endParaRPr>
-          </a:p>
-          <a:p>
-            <a:pPr algn="l">
-              <a:lnSpc>
-                <a:spcPct val="150000"/>
-              </a:lnSpc>
-            </a:pPr>
-            <a:r>
-              <a:rPr lang="en-US" b="1" dirty="0">
-                <a:latin typeface="Times New Roman" panose="02020603050405020304" pitchFamily="18" charset="0"/>
-                <a:cs typeface="Times New Roman" panose="02020603050405020304" pitchFamily="18" charset="0"/>
-              </a:rPr>
-              <a:t>The client program consists of two components</a:t>
-            </a:r>
-            <a:r>
-              <a:rPr lang="en-US" dirty="0">
-                <a:latin typeface="Times New Roman" panose="02020603050405020304" pitchFamily="18" charset="0"/>
-                <a:cs typeface="Times New Roman" panose="02020603050405020304" pitchFamily="18" charset="0"/>
-              </a:rPr>
-              <a:t>:</a:t>
-            </a:r>
-          </a:p>
-          <a:p>
-            <a:pPr marL="285750" indent="-285750" algn="l">
-              <a:lnSpc>
-                <a:spcPct val="150000"/>
-              </a:lnSpc>
-              <a:buFont typeface="Arial" panose="020B0604020202020204" pitchFamily="34" charset="0"/>
-              <a:buChar char="•"/>
-            </a:pPr>
-            <a:r>
-              <a:rPr lang="en-US" b="1" dirty="0">
-                <a:latin typeface="Times New Roman" panose="02020603050405020304" pitchFamily="18" charset="0"/>
-                <a:cs typeface="Times New Roman" panose="02020603050405020304" pitchFamily="18" charset="0"/>
-              </a:rPr>
-              <a:t>Controller</a:t>
-            </a:r>
-            <a:r>
-              <a:rPr lang="en-US" dirty="0">
-                <a:latin typeface="Times New Roman" panose="02020603050405020304" pitchFamily="18" charset="0"/>
-                <a:cs typeface="Times New Roman" panose="02020603050405020304" pitchFamily="18" charset="0"/>
-              </a:rPr>
-              <a:t>: The controller sends an HTTP request to the web service, passing the </a:t>
-            </a:r>
-            <a:r>
-              <a:rPr lang="en-US" dirty="0" err="1">
-                <a:latin typeface="Times New Roman" panose="02020603050405020304" pitchFamily="18" charset="0"/>
-                <a:cs typeface="Times New Roman" panose="02020603050405020304" pitchFamily="18" charset="0"/>
-              </a:rPr>
-              <a:t>EmployeeID</a:t>
-            </a:r>
-            <a:r>
-              <a:rPr lang="en-US" dirty="0">
-                <a:latin typeface="Times New Roman" panose="02020603050405020304" pitchFamily="18" charset="0"/>
-                <a:cs typeface="Times New Roman" panose="02020603050405020304" pitchFamily="18" charset="0"/>
-              </a:rPr>
-              <a:t> as a parameter, and receives the response containing the requested data.</a:t>
-            </a:r>
-          </a:p>
-          <a:p>
-            <a:pPr marL="285750" indent="-285750" algn="l">
-              <a:lnSpc>
-                <a:spcPct val="150000"/>
-              </a:lnSpc>
-              <a:buFont typeface="Arial" panose="020B0604020202020204" pitchFamily="34" charset="0"/>
-              <a:buChar char="•"/>
-            </a:pPr>
-            <a:r>
-              <a:rPr lang="en-US" b="1" dirty="0">
-                <a:latin typeface="Times New Roman" panose="02020603050405020304" pitchFamily="18" charset="0"/>
-                <a:cs typeface="Times New Roman" panose="02020603050405020304" pitchFamily="18" charset="0"/>
-              </a:rPr>
-              <a:t>Service</a:t>
-            </a:r>
-            <a:r>
-              <a:rPr lang="en-US" dirty="0">
-                <a:latin typeface="Times New Roman" panose="02020603050405020304" pitchFamily="18" charset="0"/>
-                <a:cs typeface="Times New Roman" panose="02020603050405020304" pitchFamily="18" charset="0"/>
-              </a:rPr>
-              <a:t>: The service layer encapsulates the business logic of the application and interacts with the web service through a REST (Representational State Transfer) client.</a:t>
-            </a:r>
-          </a:p>
-          <a:p>
-            <a:pPr marL="285750" indent="-285750" algn="l">
-              <a:lnSpc>
-                <a:spcPct val="150000"/>
-              </a:lnSpc>
-              <a:buFont typeface="Arial" panose="020B0604020202020204" pitchFamily="34" charset="0"/>
-              <a:buChar char="•"/>
-            </a:pPr>
-            <a:endParaRPr lang="en-US" dirty="0">
-              <a:latin typeface="Times New Roman" panose="02020603050405020304" pitchFamily="18" charset="0"/>
-              <a:cs typeface="Times New Roman" panose="02020603050405020304" pitchFamily="18" charset="0"/>
-            </a:endParaRPr>
-          </a:p>
-          <a:p>
-            <a:pPr algn="l">
-              <a:lnSpc>
-                <a:spcPct val="150000"/>
-              </a:lnSpc>
-            </a:pPr>
-            <a:r>
-              <a:rPr lang="en-US" dirty="0">
-                <a:latin typeface="Times New Roman" panose="02020603050405020304" pitchFamily="18" charset="0"/>
-                <a:cs typeface="Times New Roman" panose="02020603050405020304" pitchFamily="18" charset="0"/>
-              </a:rPr>
-              <a:t>The client program also includes functionality for decrypting the encrypted </a:t>
-            </a:r>
-            <a:r>
-              <a:rPr lang="en-US" dirty="0" err="1">
-                <a:latin typeface="Times New Roman" panose="02020603050405020304" pitchFamily="18" charset="0"/>
-                <a:cs typeface="Times New Roman" panose="02020603050405020304" pitchFamily="18" charset="0"/>
-              </a:rPr>
-              <a:t>DateOfBirth</a:t>
-            </a:r>
-            <a:r>
-              <a:rPr lang="en-US" dirty="0">
-                <a:latin typeface="Times New Roman" panose="02020603050405020304" pitchFamily="18" charset="0"/>
-                <a:cs typeface="Times New Roman" panose="02020603050405020304" pitchFamily="18" charset="0"/>
-              </a:rPr>
-              <a:t> field returned by the web service.</a:t>
-            </a:r>
-          </a:p>
-          <a:p>
-            <a:pPr>
-              <a:lnSpc>
-                <a:spcPct val="115000"/>
-              </a:lnSpc>
-            </a:pPr>
-            <a:endParaRPr lang="en-IN" sz="1400" dirty="0">
+                <a:effectLst/>
+                <a:latin typeface="Times New Roman" panose="02020603050405020304" pitchFamily="18" charset="0"/>
+                <a:ea typeface="Arial" panose="020B0604020202020204" pitchFamily="34" charset="0"/>
+              </a:rPr>
+              <a:t>Web service architecture</a:t>
+            </a:r>
+            <a:endParaRPr lang="en-IN" sz="1600" b="1" dirty="0">
               <a:effectLst/>
               <a:latin typeface="Arial" panose="020B0604020202020204" pitchFamily="34" charset="0"/>
               <a:ea typeface="Arial" panose="020B0604020202020204" pitchFamily="34" charset="0"/>
@@ -5558,10 +5430,40 @@
           </a:p>
         </p:txBody>
       </p:sp>
+      <p:pic>
+        <p:nvPicPr>
+          <p:cNvPr id="3" name="Picture 2">
+            <a:extLst>
+              <a:ext uri="{FF2B5EF4-FFF2-40B4-BE49-F238E27FC236}">
+                <a16:creationId xmlns:a16="http://schemas.microsoft.com/office/drawing/2014/main" id="{44D2ACFA-AFDE-A81C-3033-D78031E7A451}"/>
+              </a:ext>
+            </a:extLst>
+          </p:cNvPr>
+          <p:cNvPicPr>
+            <a:picLocks noChangeAspect="1"/>
+          </p:cNvPicPr>
+          <p:nvPr/>
+        </p:nvPicPr>
+        <p:blipFill>
+          <a:blip r:embed="rId4"/>
+          <a:stretch>
+            <a:fillRect/>
+          </a:stretch>
+        </p:blipFill>
+        <p:spPr>
+          <a:xfrm>
+            <a:off x="968275" y="2115485"/>
+            <a:ext cx="9706142" cy="3823302"/>
+          </a:xfrm>
+          <a:prstGeom prst="rect">
+            <a:avLst/>
+          </a:prstGeom>
+        </p:spPr>
+      </p:pic>
     </p:spTree>
     <p:extLst>
       <p:ext uri="{BB962C8B-B14F-4D97-AF65-F5344CB8AC3E}">
-        <p14:creationId xmlns:p14="http://schemas.microsoft.com/office/powerpoint/2010/main" val="3723948691"/>
+        <p14:creationId xmlns:p14="http://schemas.microsoft.com/office/powerpoint/2010/main" val="397073896"/>
       </p:ext>
     </p:extLst>
   </p:cSld>
@@ -5616,7 +5518,7 @@
         </p:blipFill>
         <p:spPr>
           <a:xfrm flipH="1">
-            <a:off x="0" y="18088"/>
+            <a:off x="0" y="0"/>
             <a:ext cx="12192000" cy="6858000"/>
           </a:xfrm>
           <a:prstGeom prst="rect">
@@ -5761,7 +5663,7 @@
           <p:cNvPr id="7" name="TextBox 6">
             <a:extLst>
               <a:ext uri="{FF2B5EF4-FFF2-40B4-BE49-F238E27FC236}">
-                <a16:creationId xmlns:a16="http://schemas.microsoft.com/office/drawing/2014/main" id="{02FB6A81-F334-0D76-10FC-F69162C07E4E}"/>
+                <a16:creationId xmlns:a16="http://schemas.microsoft.com/office/drawing/2014/main" id="{665F3BBB-36FE-E6E4-6217-C50A5E5EF88B}"/>
               </a:ext>
             </a:extLst>
           </p:cNvPr>
@@ -5770,8 +5672,8 @@
         </p:nvSpPr>
         <p:spPr>
           <a:xfrm>
-            <a:off x="509469" y="1349647"/>
-            <a:ext cx="11233347" cy="5181868"/>
+            <a:off x="490219" y="1349647"/>
+            <a:ext cx="11464357" cy="4935647"/>
           </a:xfrm>
           <a:prstGeom prst="rect">
             <a:avLst/>
@@ -5784,53 +5686,80 @@
           </a:bodyPr>
           <a:lstStyle/>
           <a:p>
-            <a:pPr algn="just">
-              <a:lnSpc>
-                <a:spcPct val="115000"/>
-              </a:lnSpc>
-            </a:pPr>
-            <a:r>
-              <a:rPr lang="en-IN" sz="2000" b="1" i="0" dirty="0">
-                <a:effectLst/>
-                <a:latin typeface="Söhne"/>
-              </a:rPr>
-              <a:t>4. Deployment</a:t>
-            </a:r>
-          </a:p>
-          <a:p>
-            <a:pPr algn="just">
-              <a:lnSpc>
-                <a:spcPct val="115000"/>
-              </a:lnSpc>
-            </a:pPr>
-            <a:endParaRPr lang="en-IN" sz="2000" b="1" i="0" dirty="0">
-              <a:effectLst/>
-              <a:latin typeface="Söhne"/>
-            </a:endParaRPr>
-          </a:p>
-          <a:p>
-            <a:pPr marL="285750" indent="-285750" algn="l">
+            <a:pPr>
               <a:lnSpc>
                 <a:spcPct val="150000"/>
               </a:lnSpc>
-              <a:buFont typeface="Arial" panose="020B0604020202020204" pitchFamily="34" charset="0"/>
-              <a:buChar char="•"/>
+            </a:pPr>
+            <a:r>
+              <a:rPr lang="en-IN" sz="2000" b="1" dirty="0">
+                <a:latin typeface="Times New Roman" panose="02020603050405020304" pitchFamily="18" charset="0"/>
+                <a:cs typeface="Times New Roman" panose="02020603050405020304" pitchFamily="18" charset="0"/>
+              </a:rPr>
+              <a:t>3. Client Program</a:t>
+            </a:r>
+          </a:p>
+          <a:p>
+            <a:pPr algn="l">
+              <a:lnSpc>
+                <a:spcPct val="150000"/>
+              </a:lnSpc>
             </a:pPr>
             <a:r>
               <a:rPr lang="en-US" dirty="0">
                 <a:latin typeface="Times New Roman" panose="02020603050405020304" pitchFamily="18" charset="0"/>
                 <a:cs typeface="Times New Roman" panose="02020603050405020304" pitchFamily="18" charset="0"/>
               </a:rPr>
-              <a:t>The project can be deployed using Docker and Kubernetes. The web service and database can be containerized using Docker and deployed on a Kubernetes cluster. Kubernetes provides features for scaling and managing containers, ensuring that the web service remains available and responsive to user requests.</a:t>
-            </a:r>
-          </a:p>
-          <a:p>
-            <a:pPr marL="285750" indent="-285750" algn="l">
+              <a:t>The client program is a separate Java application that calls the web service to retrieve employee data. The client program takes an </a:t>
+            </a:r>
+            <a:r>
+              <a:rPr lang="en-US" dirty="0" err="1">
+                <a:latin typeface="Times New Roman" panose="02020603050405020304" pitchFamily="18" charset="0"/>
+                <a:cs typeface="Times New Roman" panose="02020603050405020304" pitchFamily="18" charset="0"/>
+              </a:rPr>
+              <a:t>EmployeeID</a:t>
+            </a:r>
+            <a:r>
+              <a:rPr lang="en-US" dirty="0">
+                <a:latin typeface="Times New Roman" panose="02020603050405020304" pitchFamily="18" charset="0"/>
+                <a:cs typeface="Times New Roman" panose="02020603050405020304" pitchFamily="18" charset="0"/>
+              </a:rPr>
+              <a:t> as input and displays the corresponding </a:t>
+            </a:r>
+            <a:r>
+              <a:rPr lang="en-US" dirty="0" err="1">
+                <a:latin typeface="Times New Roman" panose="02020603050405020304" pitchFamily="18" charset="0"/>
+                <a:cs typeface="Times New Roman" panose="02020603050405020304" pitchFamily="18" charset="0"/>
+              </a:rPr>
+              <a:t>EmployeeName</a:t>
+            </a:r>
+            <a:r>
+              <a:rPr lang="en-US" dirty="0">
+                <a:latin typeface="Times New Roman" panose="02020603050405020304" pitchFamily="18" charset="0"/>
+                <a:cs typeface="Times New Roman" panose="02020603050405020304" pitchFamily="18" charset="0"/>
+              </a:rPr>
+              <a:t> and </a:t>
+            </a:r>
+            <a:r>
+              <a:rPr lang="en-US" dirty="0" err="1">
+                <a:latin typeface="Times New Roman" panose="02020603050405020304" pitchFamily="18" charset="0"/>
+                <a:cs typeface="Times New Roman" panose="02020603050405020304" pitchFamily="18" charset="0"/>
+              </a:rPr>
+              <a:t>DateOfBirth</a:t>
+            </a:r>
+            <a:r>
+              <a:rPr lang="en-US" dirty="0">
+                <a:latin typeface="Times New Roman" panose="02020603050405020304" pitchFamily="18" charset="0"/>
+                <a:cs typeface="Times New Roman" panose="02020603050405020304" pitchFamily="18" charset="0"/>
+              </a:rPr>
+              <a:t> to the user.</a:t>
+            </a:r>
+          </a:p>
+          <a:p>
+            <a:pPr algn="l">
               <a:lnSpc>
                 <a:spcPct val="150000"/>
               </a:lnSpc>
-              <a:buFont typeface="Arial" panose="020B0604020202020204" pitchFamily="34" charset="0"/>
-              <a:buChar char="•"/>
             </a:pPr>
             <a:endParaRPr lang="en-US" dirty="0">
               <a:latin typeface="Times New Roman" panose="02020603050405020304" pitchFamily="18" charset="0"/>
@@ -5838,6 +5767,27 @@
             </a:endParaRPr>
           </a:p>
           <a:p>
+            <a:pPr algn="l">
+              <a:lnSpc>
+                <a:spcPct val="150000"/>
+              </a:lnSpc>
+            </a:pPr>
+            <a:r>
+              <a:rPr lang="en-US" b="1" dirty="0">
+                <a:latin typeface="Times New Roman" panose="02020603050405020304" pitchFamily="18" charset="0"/>
+                <a:cs typeface="Times New Roman" panose="02020603050405020304" pitchFamily="18" charset="0"/>
+              </a:rPr>
+              <a:t>The client program consists of two components</a:t>
+            </a:r>
+            <a:r>
+              <a:rPr lang="en-US" dirty="0">
+                <a:latin typeface="Times New Roman" panose="02020603050405020304" pitchFamily="18" charset="0"/>
+                <a:cs typeface="Times New Roman" panose="02020603050405020304" pitchFamily="18" charset="0"/>
+              </a:rPr>
+              <a:t>:</a:t>
+            </a:r>
+          </a:p>
+          <a:p>
             <a:pPr marL="285750" indent="-285750" algn="l">
               <a:lnSpc>
                 <a:spcPct val="150000"/>
@@ -5846,11 +5796,55 @@
               <a:buChar char="•"/>
             </a:pPr>
             <a:r>
+              <a:rPr lang="en-US" b="1" dirty="0">
+                <a:latin typeface="Times New Roman" panose="02020603050405020304" pitchFamily="18" charset="0"/>
+                <a:cs typeface="Times New Roman" panose="02020603050405020304" pitchFamily="18" charset="0"/>
+              </a:rPr>
+              <a:t>Controller</a:t>
+            </a:r>
+            <a:r>
               <a:rPr lang="en-US" dirty="0">
                 <a:latin typeface="Times New Roman" panose="02020603050405020304" pitchFamily="18" charset="0"/>
                 <a:cs typeface="Times New Roman" panose="02020603050405020304" pitchFamily="18" charset="0"/>
               </a:rPr>
-              <a:t>Jenkins can be used for continuous integration and deployment, automating the process of building, testing, and deploying the web service and client program to the Kubernetes cluster.</a:t>
+              <a:t>: The controller sends an HTTP request to the web service, passing the </a:t>
+            </a:r>
+            <a:r>
+              <a:rPr lang="en-US" dirty="0" err="1">
+                <a:latin typeface="Times New Roman" panose="02020603050405020304" pitchFamily="18" charset="0"/>
+                <a:cs typeface="Times New Roman" panose="02020603050405020304" pitchFamily="18" charset="0"/>
+              </a:rPr>
+              <a:t>EmployeeID</a:t>
+            </a:r>
+            <a:r>
+              <a:rPr lang="en-US" dirty="0">
+                <a:latin typeface="Times New Roman" panose="02020603050405020304" pitchFamily="18" charset="0"/>
+                <a:cs typeface="Times New Roman" panose="02020603050405020304" pitchFamily="18" charset="0"/>
+              </a:rPr>
+              <a:t> as a parameter, and receives the response containing the requested data.</a:t>
+            </a:r>
+          </a:p>
+          <a:p>
+            <a:pPr marL="285750" indent="-285750" algn="l">
+              <a:lnSpc>
+                <a:spcPct val="150000"/>
+              </a:lnSpc>
+              <a:buFont typeface="Arial" panose="020B0604020202020204" pitchFamily="34" charset="0"/>
+              <a:buChar char="•"/>
+            </a:pPr>
+            <a:r>
+              <a:rPr lang="en-US" b="1" dirty="0">
+                <a:latin typeface="Times New Roman" panose="02020603050405020304" pitchFamily="18" charset="0"/>
+                <a:cs typeface="Times New Roman" panose="02020603050405020304" pitchFamily="18" charset="0"/>
+              </a:rPr>
+              <a:t>Service</a:t>
+            </a:r>
+            <a:r>
+              <a:rPr lang="en-US" dirty="0">
+                <a:latin typeface="Times New Roman" panose="02020603050405020304" pitchFamily="18" charset="0"/>
+                <a:cs typeface="Times New Roman" panose="02020603050405020304" pitchFamily="18" charset="0"/>
+              </a:rPr>
+              <a:t>: The service layer encapsulates the business logic of the application and interacts with the web service through a REST (Representational State Transfer) client.</a:t>
             </a:r>
           </a:p>
           <a:p>
@@ -5877,11 +5871,25 @@
                 <a:latin typeface="Times New Roman" panose="02020603050405020304" pitchFamily="18" charset="0"/>
                 <a:cs typeface="Times New Roman" panose="02020603050405020304" pitchFamily="18" charset="0"/>
               </a:rPr>
-              <a:t>Overall, the architecture design for the project uses a layered approach, separating the business logic, data access, and presentation layers of the web service and client program. The use of Docker and Kubernetes provides scalability and manageability, while Jenkins automates the process of deployment and testing.</a:t>
-            </a:r>
-          </a:p>
-          <a:p>
-            <a:pPr algn="just">
+              <a:t>The client program also includes functionality for decrypting the encrypted </a:t>
+            </a:r>
+            <a:r>
+              <a:rPr lang="en-US" dirty="0" err="1">
+                <a:latin typeface="Times New Roman" panose="02020603050405020304" pitchFamily="18" charset="0"/>
+                <a:cs typeface="Times New Roman" panose="02020603050405020304" pitchFamily="18" charset="0"/>
+              </a:rPr>
+              <a:t>DateOfBirth</a:t>
+            </a:r>
+            <a:r>
+              <a:rPr lang="en-US" dirty="0">
+                <a:latin typeface="Times New Roman" panose="02020603050405020304" pitchFamily="18" charset="0"/>
+                <a:cs typeface="Times New Roman" panose="02020603050405020304" pitchFamily="18" charset="0"/>
+              </a:rPr>
+              <a:t> field returned by the web service.</a:t>
+            </a:r>
+          </a:p>
+          <a:p>
+            <a:pPr>
               <a:lnSpc>
                 <a:spcPct val="115000"/>
               </a:lnSpc>
@@ -5897,7 +5905,7 @@
     </p:spTree>
     <p:extLst>
       <p:ext uri="{BB962C8B-B14F-4D97-AF65-F5344CB8AC3E}">
-        <p14:creationId xmlns:p14="http://schemas.microsoft.com/office/powerpoint/2010/main" val="41928864"/>
+        <p14:creationId xmlns:p14="http://schemas.microsoft.com/office/powerpoint/2010/main" val="3723948691"/>
       </p:ext>
     </p:extLst>
   </p:cSld>
@@ -5952,7 +5960,7 @@
         </p:blipFill>
         <p:spPr>
           <a:xfrm flipH="1">
-            <a:off x="0" y="18088"/>
+            <a:off x="0" y="0"/>
             <a:ext cx="12192000" cy="6858000"/>
           </a:xfrm>
           <a:prstGeom prst="rect">
@@ -6097,7 +6105,7 @@
           <p:cNvPr id="7" name="TextBox 6">
             <a:extLst>
               <a:ext uri="{FF2B5EF4-FFF2-40B4-BE49-F238E27FC236}">
-                <a16:creationId xmlns:a16="http://schemas.microsoft.com/office/drawing/2014/main" id="{02FB6A81-F334-0D76-10FC-F69162C07E4E}"/>
+                <a16:creationId xmlns:a16="http://schemas.microsoft.com/office/drawing/2014/main" id="{665F3BBB-36FE-E6E4-6217-C50A5E5EF88B}"/>
               </a:ext>
             </a:extLst>
           </p:cNvPr>
@@ -6106,8 +6114,8 @@
         </p:nvSpPr>
         <p:spPr>
           <a:xfrm>
-            <a:off x="519094" y="1349647"/>
-            <a:ext cx="11233347" cy="1026884"/>
+            <a:off x="490219" y="1349647"/>
+            <a:ext cx="11464357" cy="780663"/>
           </a:xfrm>
           <a:prstGeom prst="rect">
             <a:avLst/>
@@ -6120,32 +6128,21 @@
           </a:bodyPr>
           <a:lstStyle/>
           <a:p>
-            <a:pPr algn="just">
-              <a:lnSpc>
-                <a:spcPct val="115000"/>
-              </a:lnSpc>
-            </a:pPr>
-            <a:r>
-              <a:rPr lang="en-IN" sz="2000" b="1" i="0" dirty="0">
-                <a:effectLst/>
-                <a:latin typeface="Söhne"/>
-              </a:rPr>
-              <a:t>Deployment architecture</a:t>
-            </a:r>
-          </a:p>
-          <a:p>
-            <a:pPr algn="just">
-              <a:lnSpc>
-                <a:spcPct val="115000"/>
-              </a:lnSpc>
-            </a:pPr>
-            <a:endParaRPr lang="en-IN" sz="2000" b="1" i="0" dirty="0">
-              <a:effectLst/>
-              <a:latin typeface="Söhne"/>
-            </a:endParaRPr>
-          </a:p>
-          <a:p>
-            <a:pPr algn="just">
+            <a:pPr>
+              <a:lnSpc>
+                <a:spcPct val="150000"/>
+              </a:lnSpc>
+            </a:pPr>
+            <a:r>
+              <a:rPr lang="en-IN" sz="2000" b="1" dirty="0">
+                <a:latin typeface="Times New Roman" panose="02020603050405020304" pitchFamily="18" charset="0"/>
+                <a:cs typeface="Times New Roman" panose="02020603050405020304" pitchFamily="18" charset="0"/>
+              </a:rPr>
+              <a:t>Client Program</a:t>
+            </a:r>
+          </a:p>
+          <a:p>
+            <a:pPr>
               <a:lnSpc>
                 <a:spcPct val="115000"/>
               </a:lnSpc>
@@ -6158,39 +6155,447 @@
           </a:p>
         </p:txBody>
       </p:sp>
-      <p:pic>
-        <p:nvPicPr>
-          <p:cNvPr id="3" name="Picture 2">
-            <a:extLst>
-              <a:ext uri="{FF2B5EF4-FFF2-40B4-BE49-F238E27FC236}">
-                <a16:creationId xmlns:a16="http://schemas.microsoft.com/office/drawing/2014/main" id="{93CD53F0-3478-AEFA-0076-9E2FDCE0C634}"/>
-              </a:ext>
-            </a:extLst>
-          </p:cNvPr>
-          <p:cNvPicPr>
-            <a:picLocks noChangeAspect="1"/>
-          </p:cNvPicPr>
-          <p:nvPr/>
-        </p:nvPicPr>
-        <p:blipFill rotWithShape="1">
-          <a:blip r:embed="rId4"/>
-          <a:srcRect t="1025"/>
-          <a:stretch/>
-        </p:blipFill>
-        <p:spPr>
-          <a:xfrm>
-            <a:off x="1199237" y="2002055"/>
-            <a:ext cx="9083040" cy="4646161"/>
-          </a:xfrm>
-          <a:prstGeom prst="rect">
-            <a:avLst/>
-          </a:prstGeom>
-        </p:spPr>
-      </p:pic>
+      <p:sp>
+        <p:nvSpPr>
+          <p:cNvPr id="2" name="Rectangle 1">
+            <a:extLst>
+              <a:ext uri="{FF2B5EF4-FFF2-40B4-BE49-F238E27FC236}">
+                <a16:creationId xmlns:a16="http://schemas.microsoft.com/office/drawing/2014/main" id="{0379B3DF-9A5E-5163-87B4-A4DBC32F720C}"/>
+              </a:ext>
+            </a:extLst>
+          </p:cNvPr>
+          <p:cNvSpPr/>
+          <p:nvPr/>
+        </p:nvSpPr>
+        <p:spPr>
+          <a:xfrm>
+            <a:off x="3076323" y="3133723"/>
+            <a:ext cx="1828800" cy="1990725"/>
+          </a:xfrm>
+          <a:prstGeom prst="rect">
+            <a:avLst/>
+          </a:prstGeom>
+        </p:spPr>
+        <p:style>
+          <a:lnRef idx="2">
+            <a:schemeClr val="accent1">
+              <a:shade val="50000"/>
+            </a:schemeClr>
+          </a:lnRef>
+          <a:fillRef idx="1">
+            <a:schemeClr val="accent1"/>
+          </a:fillRef>
+          <a:effectRef idx="0">
+            <a:schemeClr val="accent1"/>
+          </a:effectRef>
+          <a:fontRef idx="minor">
+            <a:schemeClr val="lt1"/>
+          </a:fontRef>
+        </p:style>
+        <p:txBody>
+          <a:bodyPr rtlCol="0" anchor="ctr"/>
+          <a:lstStyle/>
+          <a:p>
+            <a:pPr algn="ctr"/>
+            <a:r>
+              <a:rPr lang="en-US" dirty="0"/>
+              <a:t>Client Program</a:t>
+            </a:r>
+            <a:endParaRPr lang="en-IN" dirty="0"/>
+          </a:p>
+        </p:txBody>
+      </p:sp>
+      <p:sp>
+        <p:nvSpPr>
+          <p:cNvPr id="3" name="Rectangle 2">
+            <a:extLst>
+              <a:ext uri="{FF2B5EF4-FFF2-40B4-BE49-F238E27FC236}">
+                <a16:creationId xmlns:a16="http://schemas.microsoft.com/office/drawing/2014/main" id="{1FF27048-AB7C-EF87-A4A0-AAAF24557877}"/>
+              </a:ext>
+            </a:extLst>
+          </p:cNvPr>
+          <p:cNvSpPr/>
+          <p:nvPr/>
+        </p:nvSpPr>
+        <p:spPr>
+          <a:xfrm>
+            <a:off x="7044689" y="3133724"/>
+            <a:ext cx="1828800" cy="1990725"/>
+          </a:xfrm>
+          <a:prstGeom prst="rect">
+            <a:avLst/>
+          </a:prstGeom>
+        </p:spPr>
+        <p:style>
+          <a:lnRef idx="2">
+            <a:schemeClr val="accent1">
+              <a:shade val="50000"/>
+            </a:schemeClr>
+          </a:lnRef>
+          <a:fillRef idx="1">
+            <a:schemeClr val="accent1"/>
+          </a:fillRef>
+          <a:effectRef idx="0">
+            <a:schemeClr val="accent1"/>
+          </a:effectRef>
+          <a:fontRef idx="minor">
+            <a:schemeClr val="lt1"/>
+          </a:fontRef>
+        </p:style>
+        <p:txBody>
+          <a:bodyPr rtlCol="0" anchor="ctr"/>
+          <a:lstStyle/>
+          <a:p>
+            <a:pPr algn="ctr"/>
+            <a:r>
+              <a:rPr lang="en-US" dirty="0"/>
+              <a:t>Employee Webservice</a:t>
+            </a:r>
+            <a:endParaRPr lang="en-IN" dirty="0"/>
+          </a:p>
+        </p:txBody>
+      </p:sp>
+      <p:sp>
+        <p:nvSpPr>
+          <p:cNvPr id="9" name="TextBox 8">
+            <a:extLst>
+              <a:ext uri="{FF2B5EF4-FFF2-40B4-BE49-F238E27FC236}">
+                <a16:creationId xmlns:a16="http://schemas.microsoft.com/office/drawing/2014/main" id="{789CF491-BE00-67F3-1F04-2AECC96CF991}"/>
+              </a:ext>
+            </a:extLst>
+          </p:cNvPr>
+          <p:cNvSpPr txBox="1"/>
+          <p:nvPr/>
+        </p:nvSpPr>
+        <p:spPr>
+          <a:xfrm>
+            <a:off x="7229475" y="4572000"/>
+            <a:ext cx="1372620" cy="369332"/>
+          </a:xfrm>
+          <a:prstGeom prst="rect">
+            <a:avLst/>
+          </a:prstGeom>
+          <a:noFill/>
+        </p:spPr>
+        <p:txBody>
+          <a:bodyPr wrap="none" rtlCol="0">
+            <a:spAutoFit/>
+          </a:bodyPr>
+          <a:lstStyle/>
+          <a:p>
+            <a:r>
+              <a:rPr lang="en-US" dirty="0"/>
+              <a:t>Encrypt DOB</a:t>
+            </a:r>
+            <a:endParaRPr lang="en-IN" dirty="0"/>
+          </a:p>
+        </p:txBody>
+      </p:sp>
+      <p:sp>
+        <p:nvSpPr>
+          <p:cNvPr id="10" name="TextBox 9">
+            <a:extLst>
+              <a:ext uri="{FF2B5EF4-FFF2-40B4-BE49-F238E27FC236}">
+                <a16:creationId xmlns:a16="http://schemas.microsoft.com/office/drawing/2014/main" id="{D62DB90A-A417-DD1C-4133-EF49A8E70D83}"/>
+              </a:ext>
+            </a:extLst>
+          </p:cNvPr>
+          <p:cNvSpPr txBox="1"/>
+          <p:nvPr/>
+        </p:nvSpPr>
+        <p:spPr>
+          <a:xfrm>
+            <a:off x="3197692" y="4572000"/>
+            <a:ext cx="1396664" cy="369332"/>
+          </a:xfrm>
+          <a:prstGeom prst="rect">
+            <a:avLst/>
+          </a:prstGeom>
+          <a:noFill/>
+        </p:spPr>
+        <p:txBody>
+          <a:bodyPr wrap="none" rtlCol="0">
+            <a:spAutoFit/>
+          </a:bodyPr>
+          <a:lstStyle/>
+          <a:p>
+            <a:r>
+              <a:rPr lang="en-US" dirty="0"/>
+              <a:t>Decrypt DOB</a:t>
+            </a:r>
+            <a:endParaRPr lang="en-IN" dirty="0"/>
+          </a:p>
+        </p:txBody>
+      </p:sp>
+      <p:sp>
+        <p:nvSpPr>
+          <p:cNvPr id="11" name="Cylinder 10">
+            <a:extLst>
+              <a:ext uri="{FF2B5EF4-FFF2-40B4-BE49-F238E27FC236}">
+                <a16:creationId xmlns:a16="http://schemas.microsoft.com/office/drawing/2014/main" id="{1BC3122B-699B-41EE-B2A2-5DC75FC51C24}"/>
+              </a:ext>
+            </a:extLst>
+          </p:cNvPr>
+          <p:cNvSpPr/>
+          <p:nvPr/>
+        </p:nvSpPr>
+        <p:spPr>
+          <a:xfrm>
+            <a:off x="10172700" y="3473357"/>
+            <a:ext cx="1145539" cy="1311456"/>
+          </a:xfrm>
+          <a:prstGeom prst="can">
+            <a:avLst/>
+          </a:prstGeom>
+        </p:spPr>
+        <p:style>
+          <a:lnRef idx="2">
+            <a:schemeClr val="accent1">
+              <a:shade val="50000"/>
+            </a:schemeClr>
+          </a:lnRef>
+          <a:fillRef idx="1">
+            <a:schemeClr val="accent1"/>
+          </a:fillRef>
+          <a:effectRef idx="0">
+            <a:schemeClr val="accent1"/>
+          </a:effectRef>
+          <a:fontRef idx="minor">
+            <a:schemeClr val="lt1"/>
+          </a:fontRef>
+        </p:style>
+        <p:txBody>
+          <a:bodyPr rtlCol="0" anchor="ctr"/>
+          <a:lstStyle/>
+          <a:p>
+            <a:pPr algn="ctr"/>
+            <a:r>
+              <a:rPr lang="en-US" dirty="0"/>
+              <a:t>Database</a:t>
+            </a:r>
+            <a:endParaRPr lang="en-IN" dirty="0"/>
+          </a:p>
+        </p:txBody>
+      </p:sp>
+      <p:cxnSp>
+        <p:nvCxnSpPr>
+          <p:cNvPr id="17" name="Straight Arrow Connector 16">
+            <a:extLst>
+              <a:ext uri="{FF2B5EF4-FFF2-40B4-BE49-F238E27FC236}">
+                <a16:creationId xmlns:a16="http://schemas.microsoft.com/office/drawing/2014/main" id="{48555ADA-0739-FD18-823B-8A6F98F0CB60}"/>
+              </a:ext>
+            </a:extLst>
+          </p:cNvPr>
+          <p:cNvCxnSpPr>
+            <a:cxnSpLocks/>
+            <a:stCxn id="3" idx="3"/>
+            <a:endCxn id="11" idx="2"/>
+          </p:cNvCxnSpPr>
+          <p:nvPr/>
+        </p:nvCxnSpPr>
+        <p:spPr>
+          <a:xfrm flipV="1">
+            <a:off x="8873489" y="4129085"/>
+            <a:ext cx="1299211" cy="2"/>
+          </a:xfrm>
+          <a:prstGeom prst="straightConnector1">
+            <a:avLst/>
+          </a:prstGeom>
+          <a:ln>
+            <a:headEnd type="triangle"/>
+            <a:tailEnd type="triangle"/>
+          </a:ln>
+        </p:spPr>
+        <p:style>
+          <a:lnRef idx="1">
+            <a:schemeClr val="accent1"/>
+          </a:lnRef>
+          <a:fillRef idx="0">
+            <a:schemeClr val="accent1"/>
+          </a:fillRef>
+          <a:effectRef idx="0">
+            <a:schemeClr val="accent1"/>
+          </a:effectRef>
+          <a:fontRef idx="minor">
+            <a:schemeClr val="tx1"/>
+          </a:fontRef>
+        </p:style>
+      </p:cxnSp>
+      <p:cxnSp>
+        <p:nvCxnSpPr>
+          <p:cNvPr id="24" name="Straight Arrow Connector 23">
+            <a:extLst>
+              <a:ext uri="{FF2B5EF4-FFF2-40B4-BE49-F238E27FC236}">
+                <a16:creationId xmlns:a16="http://schemas.microsoft.com/office/drawing/2014/main" id="{5D2749D3-C697-6F87-A324-1389C9BBC6DA}"/>
+              </a:ext>
+            </a:extLst>
+          </p:cNvPr>
+          <p:cNvCxnSpPr/>
+          <p:nvPr/>
+        </p:nvCxnSpPr>
+        <p:spPr>
+          <a:xfrm>
+            <a:off x="4905123" y="3686175"/>
+            <a:ext cx="2139566" cy="0"/>
+          </a:xfrm>
+          <a:prstGeom prst="straightConnector1">
+            <a:avLst/>
+          </a:prstGeom>
+          <a:ln>
+            <a:tailEnd type="triangle"/>
+          </a:ln>
+        </p:spPr>
+        <p:style>
+          <a:lnRef idx="1">
+            <a:schemeClr val="accent1"/>
+          </a:lnRef>
+          <a:fillRef idx="0">
+            <a:schemeClr val="accent1"/>
+          </a:fillRef>
+          <a:effectRef idx="0">
+            <a:schemeClr val="accent1"/>
+          </a:effectRef>
+          <a:fontRef idx="minor">
+            <a:schemeClr val="tx1"/>
+          </a:fontRef>
+        </p:style>
+      </p:cxnSp>
+      <p:cxnSp>
+        <p:nvCxnSpPr>
+          <p:cNvPr id="26" name="Straight Arrow Connector 25">
+            <a:extLst>
+              <a:ext uri="{FF2B5EF4-FFF2-40B4-BE49-F238E27FC236}">
+                <a16:creationId xmlns:a16="http://schemas.microsoft.com/office/drawing/2014/main" id="{2472479F-26E4-3ECC-29DC-FEAA827BB63B}"/>
+              </a:ext>
+            </a:extLst>
+          </p:cNvPr>
+          <p:cNvCxnSpPr/>
+          <p:nvPr/>
+        </p:nvCxnSpPr>
+        <p:spPr>
+          <a:xfrm flipH="1">
+            <a:off x="4905123" y="4572000"/>
+            <a:ext cx="2139566" cy="0"/>
+          </a:xfrm>
+          <a:prstGeom prst="straightConnector1">
+            <a:avLst/>
+          </a:prstGeom>
+          <a:ln>
+            <a:tailEnd type="triangle"/>
+          </a:ln>
+        </p:spPr>
+        <p:style>
+          <a:lnRef idx="1">
+            <a:schemeClr val="accent1"/>
+          </a:lnRef>
+          <a:fillRef idx="0">
+            <a:schemeClr val="accent1"/>
+          </a:fillRef>
+          <a:effectRef idx="0">
+            <a:schemeClr val="accent1"/>
+          </a:effectRef>
+          <a:fontRef idx="minor">
+            <a:schemeClr val="tx1"/>
+          </a:fontRef>
+        </p:style>
+      </p:cxnSp>
+      <p:sp>
+        <p:nvSpPr>
+          <p:cNvPr id="28" name="Rectangle: Rounded Corners 27">
+            <a:extLst>
+              <a:ext uri="{FF2B5EF4-FFF2-40B4-BE49-F238E27FC236}">
+                <a16:creationId xmlns:a16="http://schemas.microsoft.com/office/drawing/2014/main" id="{55A760C4-10F5-6F8D-D5A5-416D4BCEF6A3}"/>
+              </a:ext>
+            </a:extLst>
+          </p:cNvPr>
+          <p:cNvSpPr/>
+          <p:nvPr/>
+        </p:nvSpPr>
+        <p:spPr>
+          <a:xfrm>
+            <a:off x="774580" y="3794065"/>
+            <a:ext cx="857250" cy="670041"/>
+          </a:xfrm>
+          <a:prstGeom prst="roundRect">
+            <a:avLst/>
+          </a:prstGeom>
+        </p:spPr>
+        <p:style>
+          <a:lnRef idx="2">
+            <a:schemeClr val="accent1">
+              <a:shade val="50000"/>
+            </a:schemeClr>
+          </a:lnRef>
+          <a:fillRef idx="1">
+            <a:schemeClr val="accent1"/>
+          </a:fillRef>
+          <a:effectRef idx="0">
+            <a:schemeClr val="accent1"/>
+          </a:effectRef>
+          <a:fontRef idx="minor">
+            <a:schemeClr val="lt1"/>
+          </a:fontRef>
+        </p:style>
+        <p:txBody>
+          <a:bodyPr rtlCol="0" anchor="ctr"/>
+          <a:lstStyle/>
+          <a:p>
+            <a:pPr algn="ctr"/>
+            <a:r>
+              <a:rPr lang="en-US" dirty="0"/>
+              <a:t>USER</a:t>
+            </a:r>
+            <a:endParaRPr lang="en-IN" dirty="0"/>
+          </a:p>
+        </p:txBody>
+      </p:sp>
+      <p:cxnSp>
+        <p:nvCxnSpPr>
+          <p:cNvPr id="30" name="Straight Arrow Connector 29">
+            <a:extLst>
+              <a:ext uri="{FF2B5EF4-FFF2-40B4-BE49-F238E27FC236}">
+                <a16:creationId xmlns:a16="http://schemas.microsoft.com/office/drawing/2014/main" id="{B0920656-E8C2-FEDE-896E-30E878BA70C0}"/>
+              </a:ext>
+            </a:extLst>
+          </p:cNvPr>
+          <p:cNvCxnSpPr>
+            <a:stCxn id="28" idx="3"/>
+            <a:endCxn id="2" idx="1"/>
+          </p:cNvCxnSpPr>
+          <p:nvPr/>
+        </p:nvCxnSpPr>
+        <p:spPr>
+          <a:xfrm>
+            <a:off x="1631830" y="4129086"/>
+            <a:ext cx="1444493" cy="0"/>
+          </a:xfrm>
+          <a:prstGeom prst="straightConnector1">
+            <a:avLst/>
+          </a:prstGeom>
+          <a:ln>
+            <a:headEnd type="triangle"/>
+            <a:tailEnd type="triangle"/>
+          </a:ln>
+        </p:spPr>
+        <p:style>
+          <a:lnRef idx="1">
+            <a:schemeClr val="accent1"/>
+          </a:lnRef>
+          <a:fillRef idx="0">
+            <a:schemeClr val="accent1"/>
+          </a:fillRef>
+          <a:effectRef idx="0">
+            <a:schemeClr val="accent1"/>
+          </a:effectRef>
+          <a:fontRef idx="minor">
+            <a:schemeClr val="tx1"/>
+          </a:fontRef>
+        </p:style>
+      </p:cxnSp>
     </p:spTree>
     <p:extLst>
       <p:ext uri="{BB962C8B-B14F-4D97-AF65-F5344CB8AC3E}">
-        <p14:creationId xmlns:p14="http://schemas.microsoft.com/office/powerpoint/2010/main" val="1210334771"/>
+        <p14:creationId xmlns:p14="http://schemas.microsoft.com/office/powerpoint/2010/main" val="2977687794"/>
       </p:ext>
     </p:extLst>
   </p:cSld>
@@ -6245,7 +6650,7 @@
         </p:blipFill>
         <p:spPr>
           <a:xfrm flipH="1">
-            <a:off x="0" y="0"/>
+            <a:off x="0" y="18088"/>
             <a:ext cx="12192000" cy="6858000"/>
           </a:xfrm>
           <a:prstGeom prst="rect">
@@ -6348,7 +6753,7 @@
         <p:spPr>
           <a:xfrm>
             <a:off x="2499360" y="383848"/>
-            <a:ext cx="8818879" cy="483017"/>
+            <a:ext cx="8818879" cy="461665"/>
           </a:xfrm>
           <a:prstGeom prst="rect">
             <a:avLst/>
@@ -6363,21 +6768,6 @@
           </a:bodyPr>
           <a:lstStyle/>
           <a:p>
-            <a:pPr>
-              <a:lnSpc>
-                <a:spcPct val="115000"/>
-              </a:lnSpc>
-            </a:pPr>
-            <a:r>
-              <a:rPr lang="en-IN" sz="2400" b="1" dirty="0">
-                <a:solidFill>
-                  <a:schemeClr val="bg1"/>
-                </a:solidFill>
-                <a:latin typeface="Times New Roman" panose="02020603050405020304" pitchFamily="18" charset="0"/>
-                <a:ea typeface="Arial" panose="020B0604020202020204" pitchFamily="34" charset="0"/>
-              </a:rPr>
-              <a:t>Back</a:t>
-            </a:r>
             <a:r>
               <a:rPr lang="en-IN" sz="2400" b="1" dirty="0">
                 <a:solidFill>
@@ -6387,19 +6777,16 @@
                 <a:latin typeface="Times New Roman" panose="02020603050405020304" pitchFamily="18" charset="0"/>
                 <a:ea typeface="Arial" panose="020B0604020202020204" pitchFamily="34" charset="0"/>
               </a:rPr>
-              <a:t>-end Development</a:t>
-            </a:r>
-            <a:r>
-              <a:rPr lang="en-IN" sz="1400" dirty="0">
-                <a:solidFill>
-                  <a:schemeClr val="bg1"/>
-                </a:solidFill>
-                <a:effectLst/>
-                <a:latin typeface="Arial" panose="020B0604020202020204" pitchFamily="34" charset="0"/>
-                <a:ea typeface="Arial" panose="020B0604020202020204" pitchFamily="34" charset="0"/>
-              </a:rPr>
-              <a:t> </a:t>
-            </a:r>
+              <a:t>Architecture Design</a:t>
+            </a:r>
+            <a:endParaRPr lang="en-IN" sz="1400" dirty="0">
+              <a:solidFill>
+                <a:schemeClr val="bg1"/>
+              </a:solidFill>
+              <a:effectLst/>
+              <a:latin typeface="Arial" panose="020B0604020202020204" pitchFamily="34" charset="0"/>
+              <a:ea typeface="Arial" panose="020B0604020202020204" pitchFamily="34" charset="0"/>
+            </a:endParaRPr>
           </a:p>
         </p:txBody>
       </p:sp>
@@ -6408,7 +6795,7 @@
           <p:cNvPr id="7" name="TextBox 6">
             <a:extLst>
               <a:ext uri="{FF2B5EF4-FFF2-40B4-BE49-F238E27FC236}">
-                <a16:creationId xmlns:a16="http://schemas.microsoft.com/office/drawing/2014/main" id="{42C9D8A8-1C42-C2FD-EA56-C22FFDE8AF0E}"/>
+                <a16:creationId xmlns:a16="http://schemas.microsoft.com/office/drawing/2014/main" id="{02FB6A81-F334-0D76-10FC-F69162C07E4E}"/>
               </a:ext>
             </a:extLst>
           </p:cNvPr>
@@ -6417,8 +6804,8 @@
         </p:nvSpPr>
         <p:spPr>
           <a:xfrm>
-            <a:off x="490219" y="1349647"/>
-            <a:ext cx="11396979" cy="5403852"/>
+            <a:off x="509469" y="1349647"/>
+            <a:ext cx="11233347" cy="5181868"/>
           </a:xfrm>
           <a:prstGeom prst="rect">
             <a:avLst/>
@@ -6433,22 +6820,51 @@
           <a:p>
             <a:pPr algn="just">
               <a:lnSpc>
+                <a:spcPct val="115000"/>
+              </a:lnSpc>
+            </a:pPr>
+            <a:r>
+              <a:rPr lang="en-IN" sz="2000" b="1" i="0" dirty="0">
+                <a:effectLst/>
+                <a:latin typeface="Söhne"/>
+              </a:rPr>
+              <a:t>4. Deployment</a:t>
+            </a:r>
+          </a:p>
+          <a:p>
+            <a:pPr algn="just">
+              <a:lnSpc>
+                <a:spcPct val="115000"/>
+              </a:lnSpc>
+            </a:pPr>
+            <a:endParaRPr lang="en-IN" sz="2000" b="1" i="0" dirty="0">
+              <a:effectLst/>
+              <a:latin typeface="Söhne"/>
+            </a:endParaRPr>
+          </a:p>
+          <a:p>
+            <a:pPr marL="285750" indent="-285750" algn="l">
+              <a:lnSpc>
                 <a:spcPct val="150000"/>
               </a:lnSpc>
+              <a:buFont typeface="Arial" panose="020B0604020202020204" pitchFamily="34" charset="0"/>
+              <a:buChar char="•"/>
             </a:pPr>
             <a:r>
               <a:rPr lang="en-US" dirty="0">
                 <a:latin typeface="Times New Roman" panose="02020603050405020304" pitchFamily="18" charset="0"/>
                 <a:cs typeface="Times New Roman" panose="02020603050405020304" pitchFamily="18" charset="0"/>
               </a:rPr>
-              <a:t>Backend development for the above project involves creating the web service and implementing the necessary functionality to retrieve employee data from the database and expose it through a REST API. The following steps provide an overview of the backend development process:</a:t>
-            </a:r>
-          </a:p>
-          <a:p>
-            <a:pPr algn="just">
+              <a:t>The project can be deployed using Docker and Kubernetes. The web service and database can be containerized using Docker and deployed on a Kubernetes cluster. Kubernetes provides features for scaling and managing containers, ensuring that the web service remains available and responsive to user requests.</a:t>
+            </a:r>
+          </a:p>
+          <a:p>
+            <a:pPr marL="285750" indent="-285750" algn="l">
               <a:lnSpc>
                 <a:spcPct val="150000"/>
               </a:lnSpc>
+              <a:buFont typeface="Arial" panose="020B0604020202020204" pitchFamily="34" charset="0"/>
+              <a:buChar char="•"/>
             </a:pPr>
             <a:endParaRPr lang="en-US" dirty="0">
               <a:latin typeface="Times New Roman" panose="02020603050405020304" pitchFamily="18" charset="0"/>
@@ -6460,22 +6876,15 @@
               <a:lnSpc>
                 <a:spcPct val="150000"/>
               </a:lnSpc>
-              <a:buFont typeface="Wingdings" panose="05000000000000000000" pitchFamily="2" charset="2"/>
-              <a:buChar char="Ø"/>
-            </a:pPr>
-            <a:r>
-              <a:rPr lang="en-US" b="1" dirty="0">
-                <a:latin typeface="Times New Roman" panose="02020603050405020304" pitchFamily="18" charset="0"/>
-                <a:cs typeface="Times New Roman" panose="02020603050405020304" pitchFamily="18" charset="0"/>
-              </a:rPr>
-              <a:t>Set up the development environment</a:t>
-            </a:r>
+              <a:buFont typeface="Arial" panose="020B0604020202020204" pitchFamily="34" charset="0"/>
+              <a:buChar char="•"/>
+            </a:pPr>
             <a:r>
               <a:rPr lang="en-US" dirty="0">
                 <a:latin typeface="Times New Roman" panose="02020603050405020304" pitchFamily="18" charset="0"/>
                 <a:cs typeface="Times New Roman" panose="02020603050405020304" pitchFamily="18" charset="0"/>
               </a:rPr>
-              <a:t>: Install and configure the necessary software and tools for development, including a Java Development Kit (JDK), an Integrated Development Environment (IDE) such as  Eclipse, and a database management system.</a:t>
+              <a:t>Jenkins can be used for continuous integration and deployment, automating the process of building, testing, and deploying the web service and client program to the Kubernetes cluster.</a:t>
             </a:r>
           </a:p>
           <a:p>
@@ -6483,122 +6892,8 @@
               <a:lnSpc>
                 <a:spcPct val="150000"/>
               </a:lnSpc>
-              <a:buFont typeface="Wingdings" panose="05000000000000000000" pitchFamily="2" charset="2"/>
-              <a:buChar char="Ø"/>
-            </a:pPr>
-            <a:r>
-              <a:rPr lang="en-US" b="1" dirty="0">
-                <a:latin typeface="Times New Roman" panose="02020603050405020304" pitchFamily="18" charset="0"/>
-                <a:cs typeface="Times New Roman" panose="02020603050405020304" pitchFamily="18" charset="0"/>
-              </a:rPr>
-              <a:t>Create the database schema</a:t>
-            </a:r>
-            <a:r>
-              <a:rPr lang="en-US" dirty="0">
-                <a:latin typeface="Times New Roman" panose="02020603050405020304" pitchFamily="18" charset="0"/>
-                <a:cs typeface="Times New Roman" panose="02020603050405020304" pitchFamily="18" charset="0"/>
-              </a:rPr>
-              <a:t>: Define the structure of the Employee table, including the </a:t>
-            </a:r>
-            <a:r>
-              <a:rPr lang="en-US" dirty="0" err="1">
-                <a:latin typeface="Times New Roman" panose="02020603050405020304" pitchFamily="18" charset="0"/>
-                <a:cs typeface="Times New Roman" panose="02020603050405020304" pitchFamily="18" charset="0"/>
-              </a:rPr>
-              <a:t>EmployeeID</a:t>
-            </a:r>
-            <a:r>
-              <a:rPr lang="en-US" dirty="0">
-                <a:latin typeface="Times New Roman" panose="02020603050405020304" pitchFamily="18" charset="0"/>
-                <a:cs typeface="Times New Roman" panose="02020603050405020304" pitchFamily="18" charset="0"/>
-              </a:rPr>
-              <a:t>, </a:t>
-            </a:r>
-            <a:r>
-              <a:rPr lang="en-US" dirty="0" err="1">
-                <a:latin typeface="Times New Roman" panose="02020603050405020304" pitchFamily="18" charset="0"/>
-                <a:cs typeface="Times New Roman" panose="02020603050405020304" pitchFamily="18" charset="0"/>
-              </a:rPr>
-              <a:t>EmployeeName</a:t>
-            </a:r>
-            <a:r>
-              <a:rPr lang="en-US" dirty="0">
-                <a:latin typeface="Times New Roman" panose="02020603050405020304" pitchFamily="18" charset="0"/>
-                <a:cs typeface="Times New Roman" panose="02020603050405020304" pitchFamily="18" charset="0"/>
-              </a:rPr>
-              <a:t>, and </a:t>
-            </a:r>
-            <a:r>
-              <a:rPr lang="en-US" dirty="0" err="1">
-                <a:latin typeface="Times New Roman" panose="02020603050405020304" pitchFamily="18" charset="0"/>
-                <a:cs typeface="Times New Roman" panose="02020603050405020304" pitchFamily="18" charset="0"/>
-              </a:rPr>
-              <a:t>DateOfBirth</a:t>
-            </a:r>
-            <a:r>
-              <a:rPr lang="en-US" dirty="0">
-                <a:latin typeface="Times New Roman" panose="02020603050405020304" pitchFamily="18" charset="0"/>
-                <a:cs typeface="Times New Roman" panose="02020603050405020304" pitchFamily="18" charset="0"/>
-              </a:rPr>
-              <a:t> columns. Use a tool such as SQL Workbench or </a:t>
-            </a:r>
-            <a:r>
-              <a:rPr lang="en-US" dirty="0" err="1">
-                <a:latin typeface="Times New Roman" panose="02020603050405020304" pitchFamily="18" charset="0"/>
-                <a:cs typeface="Times New Roman" panose="02020603050405020304" pitchFamily="18" charset="0"/>
-              </a:rPr>
-              <a:t>pgAdmin</a:t>
-            </a:r>
-            <a:r>
-              <a:rPr lang="en-US" dirty="0">
-                <a:latin typeface="Times New Roman" panose="02020603050405020304" pitchFamily="18" charset="0"/>
-                <a:cs typeface="Times New Roman" panose="02020603050405020304" pitchFamily="18" charset="0"/>
-              </a:rPr>
-              <a:t> to create the table.</a:t>
-            </a:r>
-          </a:p>
-          <a:p>
-            <a:pPr marL="285750" indent="-285750" algn="l">
-              <a:lnSpc>
-                <a:spcPct val="150000"/>
-              </a:lnSpc>
-              <a:buFont typeface="Wingdings" panose="05000000000000000000" pitchFamily="2" charset="2"/>
-              <a:buChar char="Ø"/>
-            </a:pPr>
-            <a:r>
-              <a:rPr lang="en-US" b="1" dirty="0">
-                <a:latin typeface="Times New Roman" panose="02020603050405020304" pitchFamily="18" charset="0"/>
-                <a:cs typeface="Times New Roman" panose="02020603050405020304" pitchFamily="18" charset="0"/>
-              </a:rPr>
-              <a:t>Create the Spring Boot project: </a:t>
-            </a:r>
-            <a:r>
-              <a:rPr lang="en-US" dirty="0">
-                <a:latin typeface="Times New Roman" panose="02020603050405020304" pitchFamily="18" charset="0"/>
-                <a:cs typeface="Times New Roman" panose="02020603050405020304" pitchFamily="18" charset="0"/>
-              </a:rPr>
-              <a:t>Use the Spring </a:t>
-            </a:r>
-            <a:r>
-              <a:rPr lang="en-US" dirty="0" err="1">
-                <a:latin typeface="Times New Roman" panose="02020603050405020304" pitchFamily="18" charset="0"/>
-                <a:cs typeface="Times New Roman" panose="02020603050405020304" pitchFamily="18" charset="0"/>
-              </a:rPr>
-              <a:t>Initializr</a:t>
-            </a:r>
-            <a:r>
-              <a:rPr lang="en-US" dirty="0">
-                <a:latin typeface="Times New Roman" panose="02020603050405020304" pitchFamily="18" charset="0"/>
-                <a:cs typeface="Times New Roman" panose="02020603050405020304" pitchFamily="18" charset="0"/>
-              </a:rPr>
-              <a:t> to generate a new Spring Boot project with the necessary dependencies, including Spring Web, Spring Data JPA, and a database driver</a:t>
-            </a:r>
-          </a:p>
-          <a:p>
-            <a:pPr algn="just">
-              <a:lnSpc>
-                <a:spcPct val="150000"/>
-              </a:lnSpc>
+              <a:buFont typeface="Arial" panose="020B0604020202020204" pitchFamily="34" charset="0"/>
+              <a:buChar char="•"/>
             </a:pPr>
             <a:endParaRPr lang="en-US" dirty="0">
               <a:latin typeface="Times New Roman" panose="02020603050405020304" pitchFamily="18" charset="0"/>
@@ -6606,14 +6901,29 @@
             </a:endParaRPr>
           </a:p>
           <a:p>
+            <a:pPr algn="l">
+              <a:lnSpc>
+                <a:spcPct val="150000"/>
+              </a:lnSpc>
+            </a:pPr>
+            <a:r>
+              <a:rPr lang="en-US" dirty="0">
+                <a:latin typeface="Times New Roman" panose="02020603050405020304" pitchFamily="18" charset="0"/>
+                <a:cs typeface="Times New Roman" panose="02020603050405020304" pitchFamily="18" charset="0"/>
+              </a:rPr>
+              <a:t>Overall, the architecture design for the project uses a layered approach, separating the business logic, data access, and presentation layers of the web service and client program. The use of Docker and Kubernetes provides scalability and manageability, while Jenkins automates the process of deployment and testing.</a:t>
+            </a:r>
+          </a:p>
+          <a:p>
             <a:pPr algn="just">
               <a:lnSpc>
                 <a:spcPct val="115000"/>
               </a:lnSpc>
             </a:pPr>
-            <a:endParaRPr lang="en-IN" sz="2000" dirty="0">
-              <a:latin typeface="Times New Roman" panose="02020603050405020304" pitchFamily="18" charset="0"/>
-              <a:cs typeface="Times New Roman" panose="02020603050405020304" pitchFamily="18" charset="0"/>
+            <a:endParaRPr lang="en-IN" sz="1400" dirty="0">
+              <a:effectLst/>
+              <a:latin typeface="Arial" panose="020B0604020202020204" pitchFamily="34" charset="0"/>
+              <a:ea typeface="Arial" panose="020B0604020202020204" pitchFamily="34" charset="0"/>
             </a:endParaRPr>
           </a:p>
         </p:txBody>
@@ -6621,7 +6931,7 @@
     </p:spTree>
     <p:extLst>
       <p:ext uri="{BB962C8B-B14F-4D97-AF65-F5344CB8AC3E}">
-        <p14:creationId xmlns:p14="http://schemas.microsoft.com/office/powerpoint/2010/main" val="3755091390"/>
+        <p14:creationId xmlns:p14="http://schemas.microsoft.com/office/powerpoint/2010/main" val="41928864"/>
       </p:ext>
     </p:extLst>
   </p:cSld>
@@ -6676,7 +6986,7 @@
         </p:blipFill>
         <p:spPr>
           <a:xfrm flipH="1">
-            <a:off x="0" y="0"/>
+            <a:off x="0" y="18088"/>
             <a:ext cx="12192000" cy="6858000"/>
           </a:xfrm>
           <a:prstGeom prst="rect">
@@ -6779,7 +7089,7 @@
         <p:spPr>
           <a:xfrm>
             <a:off x="2499360" y="383848"/>
-            <a:ext cx="8818879" cy="483017"/>
+            <a:ext cx="8818879" cy="461665"/>
           </a:xfrm>
           <a:prstGeom prst="rect">
             <a:avLst/>
@@ -6794,11 +7104,6 @@
           </a:bodyPr>
           <a:lstStyle/>
           <a:p>
-            <a:pPr>
-              <a:lnSpc>
-                <a:spcPct val="115000"/>
-              </a:lnSpc>
-            </a:pPr>
             <a:r>
               <a:rPr lang="en-IN" sz="2400" b="1" dirty="0">
                 <a:solidFill>
@@ -6808,19 +7113,16 @@
                 <a:latin typeface="Times New Roman" panose="02020603050405020304" pitchFamily="18" charset="0"/>
                 <a:ea typeface="Arial" panose="020B0604020202020204" pitchFamily="34" charset="0"/>
               </a:rPr>
-              <a:t>Back-end Development</a:t>
-            </a:r>
-            <a:r>
-              <a:rPr lang="en-IN" sz="1400" dirty="0">
-                <a:solidFill>
-                  <a:schemeClr val="bg1"/>
-                </a:solidFill>
-                <a:effectLst/>
-                <a:latin typeface="Arial" panose="020B0604020202020204" pitchFamily="34" charset="0"/>
-                <a:ea typeface="Arial" panose="020B0604020202020204" pitchFamily="34" charset="0"/>
-              </a:rPr>
-              <a:t> </a:t>
-            </a:r>
+              <a:t>Architecture Design</a:t>
+            </a:r>
+            <a:endParaRPr lang="en-IN" sz="1400" dirty="0">
+              <a:solidFill>
+                <a:schemeClr val="bg1"/>
+              </a:solidFill>
+              <a:effectLst/>
+              <a:latin typeface="Arial" panose="020B0604020202020204" pitchFamily="34" charset="0"/>
+              <a:ea typeface="Arial" panose="020B0604020202020204" pitchFamily="34" charset="0"/>
+            </a:endParaRPr>
           </a:p>
         </p:txBody>
       </p:sp>
@@ -6829,7 +7131,7 @@
           <p:cNvPr id="7" name="TextBox 6">
             <a:extLst>
               <a:ext uri="{FF2B5EF4-FFF2-40B4-BE49-F238E27FC236}">
-                <a16:creationId xmlns:a16="http://schemas.microsoft.com/office/drawing/2014/main" id="{42C9D8A8-1C42-C2FD-EA56-C22FFDE8AF0E}"/>
+                <a16:creationId xmlns:a16="http://schemas.microsoft.com/office/drawing/2014/main" id="{02FB6A81-F334-0D76-10FC-F69162C07E4E}"/>
               </a:ext>
             </a:extLst>
           </p:cNvPr>
@@ -6838,8 +7140,8 @@
         </p:nvSpPr>
         <p:spPr>
           <a:xfrm>
-            <a:off x="431200" y="1197589"/>
-            <a:ext cx="11329599" cy="5859553"/>
+            <a:off x="519094" y="1349647"/>
+            <a:ext cx="11233347" cy="1026884"/>
           </a:xfrm>
           <a:prstGeom prst="rect">
             <a:avLst/>
@@ -6852,203 +7154,77 @@
           </a:bodyPr>
           <a:lstStyle/>
           <a:p>
-            <a:pPr marL="285750" indent="-285750" algn="l">
-              <a:lnSpc>
-                <a:spcPct val="150000"/>
-              </a:lnSpc>
-              <a:buFont typeface="Wingdings" panose="05000000000000000000" pitchFamily="2" charset="2"/>
-              <a:buChar char="Ø"/>
-            </a:pPr>
-            <a:r>
-              <a:rPr lang="en-US" b="1" dirty="0">
-                <a:latin typeface="Times New Roman" panose="02020603050405020304" pitchFamily="18" charset="0"/>
-                <a:cs typeface="Times New Roman" panose="02020603050405020304" pitchFamily="18" charset="0"/>
-              </a:rPr>
-              <a:t>Implement the Employee entity</a:t>
-            </a:r>
-            <a:r>
-              <a:rPr lang="en-US" dirty="0">
-                <a:latin typeface="Times New Roman" panose="02020603050405020304" pitchFamily="18" charset="0"/>
-                <a:cs typeface="Times New Roman" panose="02020603050405020304" pitchFamily="18" charset="0"/>
-              </a:rPr>
-              <a:t>: Create a Java class that represents the Employee table in the database, including the three columns as properties.</a:t>
-            </a:r>
-          </a:p>
-          <a:p>
-            <a:pPr marL="285750" indent="-285750" algn="l">
-              <a:lnSpc>
-                <a:spcPct val="150000"/>
-              </a:lnSpc>
-              <a:buFont typeface="Wingdings" panose="05000000000000000000" pitchFamily="2" charset="2"/>
-              <a:buChar char="Ø"/>
-            </a:pPr>
-            <a:r>
-              <a:rPr lang="en-US" b="1" dirty="0">
-                <a:latin typeface="Times New Roman" panose="02020603050405020304" pitchFamily="18" charset="0"/>
-                <a:cs typeface="Times New Roman" panose="02020603050405020304" pitchFamily="18" charset="0"/>
-              </a:rPr>
-              <a:t>Implement the DAO layer</a:t>
-            </a:r>
-            <a:r>
-              <a:rPr lang="en-US" dirty="0">
-                <a:latin typeface="Times New Roman" panose="02020603050405020304" pitchFamily="18" charset="0"/>
-                <a:cs typeface="Times New Roman" panose="02020603050405020304" pitchFamily="18" charset="0"/>
-              </a:rPr>
-              <a:t>: Create a Java interface that defines the CRUD operations for the Employee entity, using Spring Data JPA to interact with the database.</a:t>
-            </a:r>
-          </a:p>
-          <a:p>
-            <a:pPr marL="285750" indent="-285750" algn="l">
-              <a:lnSpc>
-                <a:spcPct val="150000"/>
-              </a:lnSpc>
-              <a:buFont typeface="Wingdings" panose="05000000000000000000" pitchFamily="2" charset="2"/>
-              <a:buChar char="Ø"/>
-            </a:pPr>
-            <a:r>
-              <a:rPr lang="en-US" b="1" dirty="0">
-                <a:latin typeface="Times New Roman" panose="02020603050405020304" pitchFamily="18" charset="0"/>
-                <a:cs typeface="Times New Roman" panose="02020603050405020304" pitchFamily="18" charset="0"/>
-              </a:rPr>
-              <a:t>Implement the Service layer</a:t>
-            </a:r>
-            <a:r>
-              <a:rPr lang="en-US" dirty="0">
-                <a:latin typeface="Times New Roman" panose="02020603050405020304" pitchFamily="18" charset="0"/>
-                <a:cs typeface="Times New Roman" panose="02020603050405020304" pitchFamily="18" charset="0"/>
-              </a:rPr>
-              <a:t>: Create a Java class that encapsulates the business logic of the application, retrieving data from the DAO layer and transforming it as necessary.</a:t>
-            </a:r>
-          </a:p>
-          <a:p>
-            <a:pPr marL="285750" indent="-285750" algn="l">
-              <a:lnSpc>
-                <a:spcPct val="150000"/>
-              </a:lnSpc>
-              <a:buFont typeface="Wingdings" panose="05000000000000000000" pitchFamily="2" charset="2"/>
-              <a:buChar char="Ø"/>
-            </a:pPr>
-            <a:r>
-              <a:rPr lang="en-US" b="1" dirty="0">
-                <a:latin typeface="Times New Roman" panose="02020603050405020304" pitchFamily="18" charset="0"/>
-                <a:cs typeface="Times New Roman" panose="02020603050405020304" pitchFamily="18" charset="0"/>
-              </a:rPr>
-              <a:t>Implement the Controller layer</a:t>
-            </a:r>
-            <a:r>
-              <a:rPr lang="en-US" dirty="0">
-                <a:latin typeface="Times New Roman" panose="02020603050405020304" pitchFamily="18" charset="0"/>
-                <a:cs typeface="Times New Roman" panose="02020603050405020304" pitchFamily="18" charset="0"/>
-              </a:rPr>
-              <a:t>: Create a Java class that handles incoming HTTP requests, calling the appropriate method in the Service layer to retrieve the requested employee data.</a:t>
-            </a:r>
-          </a:p>
-          <a:p>
-            <a:pPr marL="285750" indent="-285750">
-              <a:lnSpc>
-                <a:spcPct val="150000"/>
-              </a:lnSpc>
-              <a:buFont typeface="Wingdings" panose="05000000000000000000" pitchFamily="2" charset="2"/>
-              <a:buChar char="Ø"/>
-            </a:pPr>
-            <a:r>
-              <a:rPr lang="en-US" b="1" dirty="0">
-                <a:latin typeface="Times New Roman" panose="02020603050405020304" pitchFamily="18" charset="0"/>
-                <a:cs typeface="Times New Roman" panose="02020603050405020304" pitchFamily="18" charset="0"/>
-              </a:rPr>
-              <a:t>Add encryption and decryption functionality</a:t>
-            </a:r>
-            <a:r>
-              <a:rPr lang="en-US" dirty="0">
-                <a:latin typeface="Times New Roman" panose="02020603050405020304" pitchFamily="18" charset="0"/>
-                <a:cs typeface="Times New Roman" panose="02020603050405020304" pitchFamily="18" charset="0"/>
-              </a:rPr>
-              <a:t>: Implement AES-256 encryption and decryption functionality for the </a:t>
-            </a:r>
-            <a:r>
-              <a:rPr lang="en-US" dirty="0" err="1">
-                <a:latin typeface="Times New Roman" panose="02020603050405020304" pitchFamily="18" charset="0"/>
-                <a:cs typeface="Times New Roman" panose="02020603050405020304" pitchFamily="18" charset="0"/>
-              </a:rPr>
-              <a:t>DateOfBirth</a:t>
-            </a:r>
-            <a:r>
-              <a:rPr lang="en-US" dirty="0">
-                <a:latin typeface="Times New Roman" panose="02020603050405020304" pitchFamily="18" charset="0"/>
-                <a:cs typeface="Times New Roman" panose="02020603050405020304" pitchFamily="18" charset="0"/>
-              </a:rPr>
-              <a:t> field using a library such as Bouncy Castle.</a:t>
-            </a:r>
-          </a:p>
-          <a:p>
-            <a:pPr marL="285750" indent="-285750">
-              <a:lnSpc>
-                <a:spcPct val="150000"/>
-              </a:lnSpc>
-              <a:buFont typeface="Wingdings" panose="05000000000000000000" pitchFamily="2" charset="2"/>
-              <a:buChar char="Ø"/>
-            </a:pPr>
-            <a:r>
-              <a:rPr lang="en-US" b="1" dirty="0">
-                <a:latin typeface="Times New Roman" panose="02020603050405020304" pitchFamily="18" charset="0"/>
-                <a:cs typeface="Times New Roman" panose="02020603050405020304" pitchFamily="18" charset="0"/>
-              </a:rPr>
-              <a:t>Add logging functionality</a:t>
-            </a:r>
-            <a:r>
-              <a:rPr lang="en-US" dirty="0">
-                <a:latin typeface="Times New Roman" panose="02020603050405020304" pitchFamily="18" charset="0"/>
-                <a:cs typeface="Times New Roman" panose="02020603050405020304" pitchFamily="18" charset="0"/>
-              </a:rPr>
-              <a:t>: Use a logging library such as Log4j to log access to the web service, including the </a:t>
-            </a:r>
-            <a:r>
-              <a:rPr lang="en-US" dirty="0" err="1">
-                <a:latin typeface="Times New Roman" panose="02020603050405020304" pitchFamily="18" charset="0"/>
-                <a:cs typeface="Times New Roman" panose="02020603050405020304" pitchFamily="18" charset="0"/>
-              </a:rPr>
-              <a:t>EmployeeID</a:t>
-            </a:r>
-            <a:r>
-              <a:rPr lang="en-US" dirty="0">
-                <a:latin typeface="Times New Roman" panose="02020603050405020304" pitchFamily="18" charset="0"/>
-                <a:cs typeface="Times New Roman" panose="02020603050405020304" pitchFamily="18" charset="0"/>
-              </a:rPr>
-              <a:t> and timestamp.</a:t>
-            </a:r>
-          </a:p>
-          <a:p>
-            <a:pPr marL="285750" indent="-285750" algn="l">
-              <a:lnSpc>
-                <a:spcPct val="150000"/>
-              </a:lnSpc>
-              <a:buFont typeface="Wingdings" panose="05000000000000000000" pitchFamily="2" charset="2"/>
-              <a:buChar char="Ø"/>
-            </a:pPr>
-            <a:endParaRPr lang="en-US" dirty="0">
-              <a:latin typeface="Times New Roman" panose="02020603050405020304" pitchFamily="18" charset="0"/>
-              <a:cs typeface="Times New Roman" panose="02020603050405020304" pitchFamily="18" charset="0"/>
+            <a:pPr algn="just">
+              <a:lnSpc>
+                <a:spcPct val="115000"/>
+              </a:lnSpc>
+            </a:pPr>
+            <a:r>
+              <a:rPr lang="en-IN" sz="2000" b="1" i="0" dirty="0">
+                <a:effectLst/>
+                <a:latin typeface="Söhne"/>
+              </a:rPr>
+              <a:t>Deployment architecture</a:t>
+            </a:r>
+          </a:p>
+          <a:p>
+            <a:pPr algn="just">
+              <a:lnSpc>
+                <a:spcPct val="115000"/>
+              </a:lnSpc>
+            </a:pPr>
+            <a:endParaRPr lang="en-IN" sz="2000" b="1" i="0" dirty="0">
+              <a:effectLst/>
+              <a:latin typeface="Söhne"/>
             </a:endParaRPr>
           </a:p>
           <a:p>
-            <a:pPr marL="285750" indent="-285750" algn="l">
-              <a:lnSpc>
-                <a:spcPct val="150000"/>
-              </a:lnSpc>
-              <a:buFont typeface="Wingdings" panose="05000000000000000000" pitchFamily="2" charset="2"/>
-              <a:buChar char="Ø"/>
-            </a:pPr>
-            <a:endParaRPr lang="en-US" dirty="0">
-              <a:latin typeface="Times New Roman" panose="02020603050405020304" pitchFamily="18" charset="0"/>
-              <a:cs typeface="Times New Roman" panose="02020603050405020304" pitchFamily="18" charset="0"/>
+            <a:pPr algn="just">
+              <a:lnSpc>
+                <a:spcPct val="115000"/>
+              </a:lnSpc>
+            </a:pPr>
+            <a:endParaRPr lang="en-IN" sz="1400" dirty="0">
+              <a:effectLst/>
+              <a:latin typeface="Arial" panose="020B0604020202020204" pitchFamily="34" charset="0"/>
+              <a:ea typeface="Arial" panose="020B0604020202020204" pitchFamily="34" charset="0"/>
             </a:endParaRPr>
           </a:p>
         </p:txBody>
       </p:sp>
+      <p:pic>
+        <p:nvPicPr>
+          <p:cNvPr id="3" name="Picture 2">
+            <a:extLst>
+              <a:ext uri="{FF2B5EF4-FFF2-40B4-BE49-F238E27FC236}">
+                <a16:creationId xmlns:a16="http://schemas.microsoft.com/office/drawing/2014/main" id="{93CD53F0-3478-AEFA-0076-9E2FDCE0C634}"/>
+              </a:ext>
+            </a:extLst>
+          </p:cNvPr>
+          <p:cNvPicPr>
+            <a:picLocks noChangeAspect="1"/>
+          </p:cNvPicPr>
+          <p:nvPr/>
+        </p:nvPicPr>
+        <p:blipFill rotWithShape="1">
+          <a:blip r:embed="rId4"/>
+          <a:srcRect t="1025"/>
+          <a:stretch/>
+        </p:blipFill>
+        <p:spPr>
+          <a:xfrm>
+            <a:off x="1199237" y="2002055"/>
+            <a:ext cx="9083040" cy="4646161"/>
+          </a:xfrm>
+          <a:prstGeom prst="rect">
+            <a:avLst/>
+          </a:prstGeom>
+        </p:spPr>
+      </p:pic>
     </p:spTree>
     <p:extLst>
       <p:ext uri="{BB962C8B-B14F-4D97-AF65-F5344CB8AC3E}">
-        <p14:creationId xmlns:p14="http://schemas.microsoft.com/office/powerpoint/2010/main" val="209451887"/>
+        <p14:creationId xmlns:p14="http://schemas.microsoft.com/office/powerpoint/2010/main" val="1210334771"/>
       </p:ext>
     </p:extLst>
   </p:cSld>
@@ -7231,11 +7407,21 @@
                 <a:solidFill>
                   <a:schemeClr val="bg1"/>
                 </a:solidFill>
+                <a:latin typeface="Times New Roman" panose="02020603050405020304" pitchFamily="18" charset="0"/>
+                <a:ea typeface="Arial" panose="020B0604020202020204" pitchFamily="34" charset="0"/>
+              </a:rPr>
+              <a:t>Back</a:t>
+            </a:r>
+            <a:r>
+              <a:rPr lang="en-IN" sz="2400" b="1" dirty="0">
+                <a:solidFill>
+                  <a:schemeClr val="bg1"/>
+                </a:solidFill>
                 <a:effectLst/>
                 <a:latin typeface="Times New Roman" panose="02020603050405020304" pitchFamily="18" charset="0"/>
                 <a:ea typeface="Arial" panose="020B0604020202020204" pitchFamily="34" charset="0"/>
               </a:rPr>
-              <a:t>Back-end Development</a:t>
+              <a:t>-end Development</a:t>
             </a:r>
             <a:r>
               <a:rPr lang="en-IN" sz="1400" dirty="0">
@@ -7266,7 +7452,7 @@
         <p:spPr>
           <a:xfrm>
             <a:off x="490219" y="1349647"/>
-            <a:ext cx="11223725" cy="3782061"/>
+            <a:ext cx="11396979" cy="5403852"/>
           </a:xfrm>
           <a:prstGeom prst="rect">
             <a:avLst/>
@@ -7279,104 +7465,21 @@
           </a:bodyPr>
           <a:lstStyle/>
           <a:p>
-            <a:pPr marL="285750" indent="-285750" algn="l">
+            <a:pPr algn="just">
               <a:lnSpc>
                 <a:spcPct val="150000"/>
               </a:lnSpc>
-              <a:buFont typeface="Wingdings" panose="05000000000000000000" pitchFamily="2" charset="2"/>
-              <a:buChar char="Ø"/>
-            </a:pPr>
-            <a:r>
-              <a:rPr lang="en-US" b="1" dirty="0">
-                <a:latin typeface="Times New Roman" panose="02020603050405020304" pitchFamily="18" charset="0"/>
-                <a:cs typeface="Times New Roman" panose="02020603050405020304" pitchFamily="18" charset="0"/>
-              </a:rPr>
-              <a:t>Secure the web service</a:t>
-            </a:r>
+            </a:pPr>
             <a:r>
               <a:rPr lang="en-US" dirty="0">
                 <a:latin typeface="Times New Roman" panose="02020603050405020304" pitchFamily="18" charset="0"/>
                 <a:cs typeface="Times New Roman" panose="02020603050405020304" pitchFamily="18" charset="0"/>
               </a:rPr>
-              <a:t>: Configure the web service to use HTTPS for secure transmission of data over the network, using a self-signed certificate.</a:t>
-            </a:r>
-          </a:p>
-          <a:p>
-            <a:pPr marL="285750" indent="-285750" algn="l">
-              <a:lnSpc>
-                <a:spcPct val="150000"/>
-              </a:lnSpc>
-              <a:buFont typeface="Wingdings" panose="05000000000000000000" pitchFamily="2" charset="2"/>
-              <a:buChar char="Ø"/>
-            </a:pPr>
-            <a:r>
-              <a:rPr lang="en-US" b="1" dirty="0">
-                <a:latin typeface="Times New Roman" panose="02020603050405020304" pitchFamily="18" charset="0"/>
-                <a:cs typeface="Times New Roman" panose="02020603050405020304" pitchFamily="18" charset="0"/>
-              </a:rPr>
-              <a:t>Test the web service</a:t>
-            </a:r>
-            <a:r>
-              <a:rPr lang="en-US" dirty="0">
-                <a:latin typeface="Times New Roman" panose="02020603050405020304" pitchFamily="18" charset="0"/>
-                <a:cs typeface="Times New Roman" panose="02020603050405020304" pitchFamily="18" charset="0"/>
-              </a:rPr>
-              <a:t>: Use a testing framework such as JUnit to test the functionality of the web service, including testing for invalid </a:t>
-            </a:r>
-            <a:r>
-              <a:rPr lang="en-US" dirty="0" err="1">
-                <a:latin typeface="Times New Roman" panose="02020603050405020304" pitchFamily="18" charset="0"/>
-                <a:cs typeface="Times New Roman" panose="02020603050405020304" pitchFamily="18" charset="0"/>
-              </a:rPr>
-              <a:t>EmployeeID</a:t>
-            </a:r>
-            <a:r>
-              <a:rPr lang="en-US" dirty="0">
-                <a:latin typeface="Times New Roman" panose="02020603050405020304" pitchFamily="18" charset="0"/>
-                <a:cs typeface="Times New Roman" panose="02020603050405020304" pitchFamily="18" charset="0"/>
-              </a:rPr>
-              <a:t> input and encrypted/decrypted </a:t>
-            </a:r>
-            <a:r>
-              <a:rPr lang="en-US" dirty="0" err="1">
-                <a:latin typeface="Times New Roman" panose="02020603050405020304" pitchFamily="18" charset="0"/>
-                <a:cs typeface="Times New Roman" panose="02020603050405020304" pitchFamily="18" charset="0"/>
-              </a:rPr>
-              <a:t>DateOfBirth</a:t>
-            </a:r>
-            <a:r>
-              <a:rPr lang="en-US" dirty="0">
-                <a:latin typeface="Times New Roman" panose="02020603050405020304" pitchFamily="18" charset="0"/>
-                <a:cs typeface="Times New Roman" panose="02020603050405020304" pitchFamily="18" charset="0"/>
-              </a:rPr>
-              <a:t> data.</a:t>
-            </a:r>
-          </a:p>
-          <a:p>
-            <a:pPr marL="285750" indent="-285750" algn="l">
-              <a:lnSpc>
-                <a:spcPct val="150000"/>
-              </a:lnSpc>
-              <a:buFont typeface="Wingdings" panose="05000000000000000000" pitchFamily="2" charset="2"/>
-              <a:buChar char="Ø"/>
-            </a:pPr>
-            <a:r>
-              <a:rPr lang="en-US" b="1" dirty="0">
-                <a:latin typeface="Times New Roman" panose="02020603050405020304" pitchFamily="18" charset="0"/>
-                <a:cs typeface="Times New Roman" panose="02020603050405020304" pitchFamily="18" charset="0"/>
-              </a:rPr>
-              <a:t>Deploy the web service</a:t>
-            </a:r>
-            <a:r>
-              <a:rPr lang="en-US" dirty="0">
-                <a:latin typeface="Times New Roman" panose="02020603050405020304" pitchFamily="18" charset="0"/>
-                <a:cs typeface="Times New Roman" panose="02020603050405020304" pitchFamily="18" charset="0"/>
-              </a:rPr>
-              <a:t>: Containerize the web service using Docker and deploy it on a Kubernetes cluster, using Jenkins for continuous integration and deployment.</a:t>
-            </a:r>
-          </a:p>
-          <a:p>
-            <a:pPr algn="l">
+              <a:t>Backend development for the above project involves creating the web service and implementing the necessary functionality to retrieve employee data from the database and expose it through a REST API. The following steps provide an overview of the backend development process:</a:t>
+            </a:r>
+          </a:p>
+          <a:p>
+            <a:pPr algn="just">
               <a:lnSpc>
                 <a:spcPct val="150000"/>
               </a:lnSpc>
@@ -7387,25 +7490,172 @@
             </a:endParaRPr>
           </a:p>
           <a:p>
-            <a:pPr>
+            <a:pPr marL="285750" indent="-285750" algn="l">
               <a:lnSpc>
                 <a:spcPct val="150000"/>
               </a:lnSpc>
-            </a:pPr>
+              <a:buFont typeface="Wingdings" panose="05000000000000000000" pitchFamily="2" charset="2"/>
+              <a:buChar char="Ø"/>
+            </a:pPr>
+            <a:r>
+              <a:rPr lang="en-US" b="1" dirty="0">
+                <a:latin typeface="Times New Roman" panose="02020603050405020304" pitchFamily="18" charset="0"/>
+                <a:cs typeface="Times New Roman" panose="02020603050405020304" pitchFamily="18" charset="0"/>
+              </a:rPr>
+              <a:t>Set up the development environment</a:t>
+            </a:r>
             <a:r>
               <a:rPr lang="en-US" dirty="0">
                 <a:latin typeface="Times New Roman" panose="02020603050405020304" pitchFamily="18" charset="0"/>
                 <a:cs typeface="Times New Roman" panose="02020603050405020304" pitchFamily="18" charset="0"/>
               </a:rPr>
-              <a:t>Backend development for the project requires a strong understanding of Java programming, Spring Boot, and database management. It also requires knowledge of encryption, logging, and secure communication protocols.</a:t>
-            </a:r>
+              <a:t>: Install and configure the necessary software and tools for development, including a Java Development Kit (JDK), an Integrated Development Environment (IDE) such as  Eclipse, and a database management system.</a:t>
+            </a:r>
+          </a:p>
+          <a:p>
+            <a:pPr marL="285750" indent="-285750" algn="l">
+              <a:lnSpc>
+                <a:spcPct val="150000"/>
+              </a:lnSpc>
+              <a:buFont typeface="Wingdings" panose="05000000000000000000" pitchFamily="2" charset="2"/>
+              <a:buChar char="Ø"/>
+            </a:pPr>
+            <a:r>
+              <a:rPr lang="en-US" b="1" dirty="0">
+                <a:latin typeface="Times New Roman" panose="02020603050405020304" pitchFamily="18" charset="0"/>
+                <a:cs typeface="Times New Roman" panose="02020603050405020304" pitchFamily="18" charset="0"/>
+              </a:rPr>
+              <a:t>Create the database schema</a:t>
+            </a:r>
+            <a:r>
+              <a:rPr lang="en-US" dirty="0">
+                <a:latin typeface="Times New Roman" panose="02020603050405020304" pitchFamily="18" charset="0"/>
+                <a:cs typeface="Times New Roman" panose="02020603050405020304" pitchFamily="18" charset="0"/>
+              </a:rPr>
+              <a:t>: Define the structure of the Employee table, including the </a:t>
+            </a:r>
+            <a:r>
+              <a:rPr lang="en-US" dirty="0" err="1">
+                <a:latin typeface="Times New Roman" panose="02020603050405020304" pitchFamily="18" charset="0"/>
+                <a:cs typeface="Times New Roman" panose="02020603050405020304" pitchFamily="18" charset="0"/>
+              </a:rPr>
+              <a:t>EmployeeID</a:t>
+            </a:r>
+            <a:r>
+              <a:rPr lang="en-US" dirty="0">
+                <a:latin typeface="Times New Roman" panose="02020603050405020304" pitchFamily="18" charset="0"/>
+                <a:cs typeface="Times New Roman" panose="02020603050405020304" pitchFamily="18" charset="0"/>
+              </a:rPr>
+              <a:t>, </a:t>
+            </a:r>
+            <a:r>
+              <a:rPr lang="en-US" dirty="0" err="1">
+                <a:latin typeface="Times New Roman" panose="02020603050405020304" pitchFamily="18" charset="0"/>
+                <a:cs typeface="Times New Roman" panose="02020603050405020304" pitchFamily="18" charset="0"/>
+              </a:rPr>
+              <a:t>EmployeeName</a:t>
+            </a:r>
+            <a:r>
+              <a:rPr lang="en-US" dirty="0">
+                <a:latin typeface="Times New Roman" panose="02020603050405020304" pitchFamily="18" charset="0"/>
+                <a:cs typeface="Times New Roman" panose="02020603050405020304" pitchFamily="18" charset="0"/>
+              </a:rPr>
+              <a:t>, and </a:t>
+            </a:r>
+            <a:r>
+              <a:rPr lang="en-US" dirty="0" err="1">
+                <a:latin typeface="Times New Roman" panose="02020603050405020304" pitchFamily="18" charset="0"/>
+                <a:cs typeface="Times New Roman" panose="02020603050405020304" pitchFamily="18" charset="0"/>
+              </a:rPr>
+              <a:t>DateOfBirth</a:t>
+            </a:r>
+            <a:r>
+              <a:rPr lang="en-US" dirty="0">
+                <a:latin typeface="Times New Roman" panose="02020603050405020304" pitchFamily="18" charset="0"/>
+                <a:cs typeface="Times New Roman" panose="02020603050405020304" pitchFamily="18" charset="0"/>
+              </a:rPr>
+              <a:t> columns. Use a tool such as SQL Workbench or </a:t>
+            </a:r>
+            <a:r>
+              <a:rPr lang="en-US" dirty="0" err="1">
+                <a:latin typeface="Times New Roman" panose="02020603050405020304" pitchFamily="18" charset="0"/>
+                <a:cs typeface="Times New Roman" panose="02020603050405020304" pitchFamily="18" charset="0"/>
+              </a:rPr>
+              <a:t>pgAdmin</a:t>
+            </a:r>
+            <a:r>
+              <a:rPr lang="en-US" dirty="0">
+                <a:latin typeface="Times New Roman" panose="02020603050405020304" pitchFamily="18" charset="0"/>
+                <a:cs typeface="Times New Roman" panose="02020603050405020304" pitchFamily="18" charset="0"/>
+              </a:rPr>
+              <a:t> to create the table.</a:t>
+            </a:r>
+          </a:p>
+          <a:p>
+            <a:pPr marL="285750" indent="-285750" algn="l">
+              <a:lnSpc>
+                <a:spcPct val="150000"/>
+              </a:lnSpc>
+              <a:buFont typeface="Wingdings" panose="05000000000000000000" pitchFamily="2" charset="2"/>
+              <a:buChar char="Ø"/>
+            </a:pPr>
+            <a:r>
+              <a:rPr lang="en-US" b="1" dirty="0">
+                <a:latin typeface="Times New Roman" panose="02020603050405020304" pitchFamily="18" charset="0"/>
+                <a:cs typeface="Times New Roman" panose="02020603050405020304" pitchFamily="18" charset="0"/>
+              </a:rPr>
+              <a:t>Create the Spring Boot project: </a:t>
+            </a:r>
+            <a:r>
+              <a:rPr lang="en-US" dirty="0">
+                <a:latin typeface="Times New Roman" panose="02020603050405020304" pitchFamily="18" charset="0"/>
+                <a:cs typeface="Times New Roman" panose="02020603050405020304" pitchFamily="18" charset="0"/>
+              </a:rPr>
+              <a:t>Use the Spring </a:t>
+            </a:r>
+            <a:r>
+              <a:rPr lang="en-US" dirty="0" err="1">
+                <a:latin typeface="Times New Roman" panose="02020603050405020304" pitchFamily="18" charset="0"/>
+                <a:cs typeface="Times New Roman" panose="02020603050405020304" pitchFamily="18" charset="0"/>
+              </a:rPr>
+              <a:t>Initializr</a:t>
+            </a:r>
+            <a:r>
+              <a:rPr lang="en-US" dirty="0">
+                <a:latin typeface="Times New Roman" panose="02020603050405020304" pitchFamily="18" charset="0"/>
+                <a:cs typeface="Times New Roman" panose="02020603050405020304" pitchFamily="18" charset="0"/>
+              </a:rPr>
+              <a:t> to generate a new Spring Boot project with the necessary dependencies, including Spring Web, Spring Data JPA, and a database driver</a:t>
+            </a:r>
+          </a:p>
+          <a:p>
+            <a:pPr algn="just">
+              <a:lnSpc>
+                <a:spcPct val="150000"/>
+              </a:lnSpc>
+            </a:pPr>
+            <a:endParaRPr lang="en-US" dirty="0">
+              <a:latin typeface="Times New Roman" panose="02020603050405020304" pitchFamily="18" charset="0"/>
+              <a:cs typeface="Times New Roman" panose="02020603050405020304" pitchFamily="18" charset="0"/>
+            </a:endParaRPr>
+          </a:p>
+          <a:p>
+            <a:pPr algn="just">
+              <a:lnSpc>
+                <a:spcPct val="115000"/>
+              </a:lnSpc>
+            </a:pPr>
+            <a:endParaRPr lang="en-IN" sz="2000" dirty="0">
+              <a:latin typeface="Times New Roman" panose="02020603050405020304" pitchFamily="18" charset="0"/>
+              <a:cs typeface="Times New Roman" panose="02020603050405020304" pitchFamily="18" charset="0"/>
+            </a:endParaRPr>
           </a:p>
         </p:txBody>
       </p:sp>
     </p:spTree>
     <p:extLst>
       <p:ext uri="{BB962C8B-B14F-4D97-AF65-F5344CB8AC3E}">
-        <p14:creationId xmlns:p14="http://schemas.microsoft.com/office/powerpoint/2010/main" val="4124300850"/>
+        <p14:creationId xmlns:p14="http://schemas.microsoft.com/office/powerpoint/2010/main" val="3755091390"/>
       </p:ext>
     </p:extLst>
   </p:cSld>
@@ -7819,7 +8069,7 @@
         </p:blipFill>
         <p:spPr>
           <a:xfrm flipH="1">
-            <a:off x="0" y="-20320"/>
+            <a:off x="0" y="0"/>
             <a:ext cx="12192000" cy="6858000"/>
           </a:xfrm>
           <a:prstGeom prst="rect">
@@ -7947,9 +8197,22 @@
                 <a:solidFill>
                   <a:schemeClr val="bg1"/>
                 </a:solidFill>
-                <a:latin typeface="Times New Roman" panose="02020603050405020304" pitchFamily="18" charset="0"/>
-              </a:rPr>
-              <a:t>Testing</a:t>
+                <a:effectLst/>
+                <a:latin typeface="Times New Roman" panose="02020603050405020304" pitchFamily="18" charset="0"/>
+                <a:ea typeface="Arial" panose="020B0604020202020204" pitchFamily="34" charset="0"/>
+              </a:rPr>
+              <a:t>Back-end Development</a:t>
+            </a:r>
+            <a:r>
+              <a:rPr lang="en-IN" sz="1400" dirty="0">
+                <a:solidFill>
+                  <a:schemeClr val="bg1"/>
+                </a:solidFill>
+                <a:effectLst/>
+                <a:latin typeface="Arial" panose="020B0604020202020204" pitchFamily="34" charset="0"/>
+                <a:ea typeface="Arial" panose="020B0604020202020204" pitchFamily="34" charset="0"/>
+              </a:rPr>
+              <a:t> </a:t>
             </a:r>
           </a:p>
         </p:txBody>
@@ -7959,7 +8222,7 @@
           <p:cNvPr id="7" name="TextBox 6">
             <a:extLst>
               <a:ext uri="{FF2B5EF4-FFF2-40B4-BE49-F238E27FC236}">
-                <a16:creationId xmlns:a16="http://schemas.microsoft.com/office/drawing/2014/main" id="{7A00B694-CE8C-1B3C-6470-234A7FE34C41}"/>
+                <a16:creationId xmlns:a16="http://schemas.microsoft.com/office/drawing/2014/main" id="{42C9D8A8-1C42-C2FD-EA56-C22FFDE8AF0E}"/>
               </a:ext>
             </a:extLst>
           </p:cNvPr>
@@ -7968,8 +8231,8 @@
         </p:nvSpPr>
         <p:spPr>
           <a:xfrm>
-            <a:off x="580390" y="1368897"/>
-            <a:ext cx="11031220" cy="400110"/>
+            <a:off x="431200" y="1197589"/>
+            <a:ext cx="11329599" cy="5859553"/>
           </a:xfrm>
           <a:prstGeom prst="rect">
             <a:avLst/>
@@ -7982,51 +8245,203 @@
           </a:bodyPr>
           <a:lstStyle/>
           <a:p>
-            <a:pPr algn="l"/>
-            <a:r>
-              <a:rPr lang="en-US" sz="2000" b="1" dirty="0">
-                <a:latin typeface="Times New Roman" panose="02020603050405020304" pitchFamily="18" charset="0"/>
-                <a:cs typeface="Times New Roman" panose="02020603050405020304" pitchFamily="18" charset="0"/>
-              </a:rPr>
-              <a:t>Unit testing</a:t>
-            </a:r>
+            <a:pPr marL="285750" indent="-285750" algn="l">
+              <a:lnSpc>
+                <a:spcPct val="150000"/>
+              </a:lnSpc>
+              <a:buFont typeface="Wingdings" panose="05000000000000000000" pitchFamily="2" charset="2"/>
+              <a:buChar char="Ø"/>
+            </a:pPr>
+            <a:r>
+              <a:rPr lang="en-US" b="1" dirty="0">
+                <a:latin typeface="Times New Roman" panose="02020603050405020304" pitchFamily="18" charset="0"/>
+                <a:cs typeface="Times New Roman" panose="02020603050405020304" pitchFamily="18" charset="0"/>
+              </a:rPr>
+              <a:t>Implement the Employee entity</a:t>
+            </a:r>
+            <a:r>
+              <a:rPr lang="en-US" dirty="0">
+                <a:latin typeface="Times New Roman" panose="02020603050405020304" pitchFamily="18" charset="0"/>
+                <a:cs typeface="Times New Roman" panose="02020603050405020304" pitchFamily="18" charset="0"/>
+              </a:rPr>
+              <a:t>: Create a Java class that represents the Employee table in the database, including the three columns as properties.</a:t>
+            </a:r>
+          </a:p>
+          <a:p>
+            <a:pPr marL="285750" indent="-285750" algn="l">
+              <a:lnSpc>
+                <a:spcPct val="150000"/>
+              </a:lnSpc>
+              <a:buFont typeface="Wingdings" panose="05000000000000000000" pitchFamily="2" charset="2"/>
+              <a:buChar char="Ø"/>
+            </a:pPr>
+            <a:r>
+              <a:rPr lang="en-US" b="1" dirty="0">
+                <a:latin typeface="Times New Roman" panose="02020603050405020304" pitchFamily="18" charset="0"/>
+                <a:cs typeface="Times New Roman" panose="02020603050405020304" pitchFamily="18" charset="0"/>
+              </a:rPr>
+              <a:t>Implement the DAO layer</a:t>
+            </a:r>
+            <a:r>
+              <a:rPr lang="en-US" dirty="0">
+                <a:latin typeface="Times New Roman" panose="02020603050405020304" pitchFamily="18" charset="0"/>
+                <a:cs typeface="Times New Roman" panose="02020603050405020304" pitchFamily="18" charset="0"/>
+              </a:rPr>
+              <a:t>: Create a Java interface that defines the CRUD operations for the Employee entity, using Spring Data JPA to interact with the database.</a:t>
+            </a:r>
+          </a:p>
+          <a:p>
+            <a:pPr marL="285750" indent="-285750" algn="l">
+              <a:lnSpc>
+                <a:spcPct val="150000"/>
+              </a:lnSpc>
+              <a:buFont typeface="Wingdings" panose="05000000000000000000" pitchFamily="2" charset="2"/>
+              <a:buChar char="Ø"/>
+            </a:pPr>
+            <a:r>
+              <a:rPr lang="en-US" b="1" dirty="0">
+                <a:latin typeface="Times New Roman" panose="02020603050405020304" pitchFamily="18" charset="0"/>
+                <a:cs typeface="Times New Roman" panose="02020603050405020304" pitchFamily="18" charset="0"/>
+              </a:rPr>
+              <a:t>Implement the Service layer</a:t>
+            </a:r>
+            <a:r>
+              <a:rPr lang="en-US" dirty="0">
+                <a:latin typeface="Times New Roman" panose="02020603050405020304" pitchFamily="18" charset="0"/>
+                <a:cs typeface="Times New Roman" panose="02020603050405020304" pitchFamily="18" charset="0"/>
+              </a:rPr>
+              <a:t>: Create a Java class that encapsulates the business logic of the application, retrieving data from the DAO layer and transforming it as necessary.</a:t>
+            </a:r>
+          </a:p>
+          <a:p>
+            <a:pPr marL="285750" indent="-285750" algn="l">
+              <a:lnSpc>
+                <a:spcPct val="150000"/>
+              </a:lnSpc>
+              <a:buFont typeface="Wingdings" panose="05000000000000000000" pitchFamily="2" charset="2"/>
+              <a:buChar char="Ø"/>
+            </a:pPr>
+            <a:r>
+              <a:rPr lang="en-US" b="1" dirty="0">
+                <a:latin typeface="Times New Roman" panose="02020603050405020304" pitchFamily="18" charset="0"/>
+                <a:cs typeface="Times New Roman" panose="02020603050405020304" pitchFamily="18" charset="0"/>
+              </a:rPr>
+              <a:t>Implement the Controller layer</a:t>
+            </a:r>
+            <a:r>
+              <a:rPr lang="en-US" dirty="0">
+                <a:latin typeface="Times New Roman" panose="02020603050405020304" pitchFamily="18" charset="0"/>
+                <a:cs typeface="Times New Roman" panose="02020603050405020304" pitchFamily="18" charset="0"/>
+              </a:rPr>
+              <a:t>: Create a Java class that handles incoming HTTP requests, calling the appropriate method in the Service layer to retrieve the requested employee data.</a:t>
+            </a:r>
+          </a:p>
+          <a:p>
+            <a:pPr marL="285750" indent="-285750">
+              <a:lnSpc>
+                <a:spcPct val="150000"/>
+              </a:lnSpc>
+              <a:buFont typeface="Wingdings" panose="05000000000000000000" pitchFamily="2" charset="2"/>
+              <a:buChar char="Ø"/>
+            </a:pPr>
+            <a:r>
+              <a:rPr lang="en-US" b="1" dirty="0">
+                <a:latin typeface="Times New Roman" panose="02020603050405020304" pitchFamily="18" charset="0"/>
+                <a:cs typeface="Times New Roman" panose="02020603050405020304" pitchFamily="18" charset="0"/>
+              </a:rPr>
+              <a:t>Add encryption and decryption functionality</a:t>
+            </a:r>
+            <a:r>
+              <a:rPr lang="en-US" dirty="0">
+                <a:latin typeface="Times New Roman" panose="02020603050405020304" pitchFamily="18" charset="0"/>
+                <a:cs typeface="Times New Roman" panose="02020603050405020304" pitchFamily="18" charset="0"/>
+              </a:rPr>
+              <a:t>: Implement AES-256 encryption and decryption functionality for the </a:t>
+            </a:r>
+            <a:r>
+              <a:rPr lang="en-US" dirty="0" err="1">
+                <a:latin typeface="Times New Roman" panose="02020603050405020304" pitchFamily="18" charset="0"/>
+                <a:cs typeface="Times New Roman" panose="02020603050405020304" pitchFamily="18" charset="0"/>
+              </a:rPr>
+              <a:t>DateOfBirth</a:t>
+            </a:r>
+            <a:r>
+              <a:rPr lang="en-US" dirty="0">
+                <a:latin typeface="Times New Roman" panose="02020603050405020304" pitchFamily="18" charset="0"/>
+                <a:cs typeface="Times New Roman" panose="02020603050405020304" pitchFamily="18" charset="0"/>
+              </a:rPr>
+              <a:t> field using a library such as Bouncy Castle.</a:t>
+            </a:r>
+          </a:p>
+          <a:p>
+            <a:pPr marL="285750" indent="-285750">
+              <a:lnSpc>
+                <a:spcPct val="150000"/>
+              </a:lnSpc>
+              <a:buFont typeface="Wingdings" panose="05000000000000000000" pitchFamily="2" charset="2"/>
+              <a:buChar char="Ø"/>
+            </a:pPr>
+            <a:r>
+              <a:rPr lang="en-US" b="1" dirty="0">
+                <a:latin typeface="Times New Roman" panose="02020603050405020304" pitchFamily="18" charset="0"/>
+                <a:cs typeface="Times New Roman" panose="02020603050405020304" pitchFamily="18" charset="0"/>
+              </a:rPr>
+              <a:t>Add logging functionality</a:t>
+            </a:r>
+            <a:r>
+              <a:rPr lang="en-US" dirty="0">
+                <a:latin typeface="Times New Roman" panose="02020603050405020304" pitchFamily="18" charset="0"/>
+                <a:cs typeface="Times New Roman" panose="02020603050405020304" pitchFamily="18" charset="0"/>
+              </a:rPr>
+              <a:t>: Use a logging library such as Log4j to log access to the web service, including the </a:t>
+            </a:r>
+            <a:r>
+              <a:rPr lang="en-US" dirty="0" err="1">
+                <a:latin typeface="Times New Roman" panose="02020603050405020304" pitchFamily="18" charset="0"/>
+                <a:cs typeface="Times New Roman" panose="02020603050405020304" pitchFamily="18" charset="0"/>
+              </a:rPr>
+              <a:t>EmployeeID</a:t>
+            </a:r>
+            <a:r>
+              <a:rPr lang="en-US" dirty="0">
+                <a:latin typeface="Times New Roman" panose="02020603050405020304" pitchFamily="18" charset="0"/>
+                <a:cs typeface="Times New Roman" panose="02020603050405020304" pitchFamily="18" charset="0"/>
+              </a:rPr>
+              <a:t> and timestamp.</a:t>
+            </a:r>
+          </a:p>
+          <a:p>
+            <a:pPr marL="285750" indent="-285750" algn="l">
+              <a:lnSpc>
+                <a:spcPct val="150000"/>
+              </a:lnSpc>
+              <a:buFont typeface="Wingdings" panose="05000000000000000000" pitchFamily="2" charset="2"/>
+              <a:buChar char="Ø"/>
+            </a:pPr>
+            <a:endParaRPr lang="en-US" dirty="0">
+              <a:latin typeface="Times New Roman" panose="02020603050405020304" pitchFamily="18" charset="0"/>
+              <a:cs typeface="Times New Roman" panose="02020603050405020304" pitchFamily="18" charset="0"/>
+            </a:endParaRPr>
+          </a:p>
+          <a:p>
+            <a:pPr marL="285750" indent="-285750" algn="l">
+              <a:lnSpc>
+                <a:spcPct val="150000"/>
+              </a:lnSpc>
+              <a:buFont typeface="Wingdings" panose="05000000000000000000" pitchFamily="2" charset="2"/>
+              <a:buChar char="Ø"/>
+            </a:pPr>
+            <a:endParaRPr lang="en-US" dirty="0">
+              <a:latin typeface="Times New Roman" panose="02020603050405020304" pitchFamily="18" charset="0"/>
+              <a:cs typeface="Times New Roman" panose="02020603050405020304" pitchFamily="18" charset="0"/>
+            </a:endParaRPr>
           </a:p>
         </p:txBody>
       </p:sp>
-      <p:pic>
-        <p:nvPicPr>
-          <p:cNvPr id="3" name="Picture 2">
-            <a:extLst>
-              <a:ext uri="{FF2B5EF4-FFF2-40B4-BE49-F238E27FC236}">
-                <a16:creationId xmlns:a16="http://schemas.microsoft.com/office/drawing/2014/main" id="{491EA7F1-D90A-C96B-3A2E-BA4BE4320084}"/>
-              </a:ext>
-            </a:extLst>
-          </p:cNvPr>
-          <p:cNvPicPr>
-            <a:picLocks noChangeAspect="1"/>
-          </p:cNvPicPr>
-          <p:nvPr/>
-        </p:nvPicPr>
-        <p:blipFill>
-          <a:blip r:embed="rId4"/>
-          <a:stretch>
-            <a:fillRect/>
-          </a:stretch>
-        </p:blipFill>
-        <p:spPr>
-          <a:xfrm>
-            <a:off x="972153" y="2202958"/>
-            <a:ext cx="9456095" cy="4345102"/>
-          </a:xfrm>
-          <a:prstGeom prst="rect">
-            <a:avLst/>
-          </a:prstGeom>
-        </p:spPr>
-      </p:pic>
     </p:spTree>
     <p:extLst>
       <p:ext uri="{BB962C8B-B14F-4D97-AF65-F5344CB8AC3E}">
-        <p14:creationId xmlns:p14="http://schemas.microsoft.com/office/powerpoint/2010/main" val="3984528251"/>
+        <p14:creationId xmlns:p14="http://schemas.microsoft.com/office/powerpoint/2010/main" val="209451887"/>
       </p:ext>
     </p:extLst>
   </p:cSld>
@@ -8081,7 +8496,7 @@
         </p:blipFill>
         <p:spPr>
           <a:xfrm flipH="1">
-            <a:off x="0" y="-20320"/>
+            <a:off x="0" y="0"/>
             <a:ext cx="12192000" cy="6858000"/>
           </a:xfrm>
           <a:prstGeom prst="rect">
@@ -8209,9 +8624,22 @@
                 <a:solidFill>
                   <a:schemeClr val="bg1"/>
                 </a:solidFill>
-                <a:latin typeface="Times New Roman" panose="02020603050405020304" pitchFamily="18" charset="0"/>
-              </a:rPr>
-              <a:t>Testing</a:t>
+                <a:effectLst/>
+                <a:latin typeface="Times New Roman" panose="02020603050405020304" pitchFamily="18" charset="0"/>
+                <a:ea typeface="Arial" panose="020B0604020202020204" pitchFamily="34" charset="0"/>
+              </a:rPr>
+              <a:t>Back-end Development</a:t>
+            </a:r>
+            <a:r>
+              <a:rPr lang="en-IN" sz="1400" dirty="0">
+                <a:solidFill>
+                  <a:schemeClr val="bg1"/>
+                </a:solidFill>
+                <a:effectLst/>
+                <a:latin typeface="Arial" panose="020B0604020202020204" pitchFamily="34" charset="0"/>
+                <a:ea typeface="Arial" panose="020B0604020202020204" pitchFamily="34" charset="0"/>
+              </a:rPr>
+              <a:t> </a:t>
             </a:r>
           </a:p>
         </p:txBody>
@@ -8221,7 +8649,7 @@
           <p:cNvPr id="7" name="TextBox 6">
             <a:extLst>
               <a:ext uri="{FF2B5EF4-FFF2-40B4-BE49-F238E27FC236}">
-                <a16:creationId xmlns:a16="http://schemas.microsoft.com/office/drawing/2014/main" id="{7A00B694-CE8C-1B3C-6470-234A7FE34C41}"/>
+                <a16:creationId xmlns:a16="http://schemas.microsoft.com/office/drawing/2014/main" id="{42C9D8A8-1C42-C2FD-EA56-C22FFDE8AF0E}"/>
               </a:ext>
             </a:extLst>
           </p:cNvPr>
@@ -8230,8 +8658,8 @@
         </p:nvSpPr>
         <p:spPr>
           <a:xfrm>
-            <a:off x="490220" y="1349647"/>
-            <a:ext cx="5026660" cy="416204"/>
+            <a:off x="490219" y="1349647"/>
+            <a:ext cx="11223725" cy="3782061"/>
           </a:xfrm>
           <a:prstGeom prst="rect">
             <a:avLst/>
@@ -8244,62 +8672,133 @@
           </a:bodyPr>
           <a:lstStyle/>
           <a:p>
-            <a:pPr algn="just">
-              <a:lnSpc>
-                <a:spcPct val="115000"/>
-              </a:lnSpc>
-            </a:pPr>
-            <a:r>
-              <a:rPr lang="en-US" sz="2000" b="1" dirty="0">
-                <a:latin typeface="Times New Roman" panose="02020603050405020304" pitchFamily="18" charset="0"/>
-                <a:ea typeface="Arial" panose="020B0604020202020204" pitchFamily="34" charset="0"/>
-                <a:cs typeface="Times New Roman" panose="02020603050405020304" pitchFamily="18" charset="0"/>
-              </a:rPr>
-              <a:t>API Testing for employee web service </a:t>
-            </a:r>
-            <a:endParaRPr lang="en-IN" sz="2000" b="1" dirty="0">
-              <a:effectLst/>
+            <a:pPr marL="285750" indent="-285750" algn="l">
+              <a:lnSpc>
+                <a:spcPct val="150000"/>
+              </a:lnSpc>
+              <a:buFont typeface="Wingdings" panose="05000000000000000000" pitchFamily="2" charset="2"/>
+              <a:buChar char="Ø"/>
+            </a:pPr>
+            <a:r>
+              <a:rPr lang="en-US" b="1" dirty="0">
+                <a:latin typeface="Times New Roman" panose="02020603050405020304" pitchFamily="18" charset="0"/>
+                <a:cs typeface="Times New Roman" panose="02020603050405020304" pitchFamily="18" charset="0"/>
+              </a:rPr>
+              <a:t>Secure the web service</a:t>
+            </a:r>
+            <a:r>
+              <a:rPr lang="en-US" dirty="0">
+                <a:latin typeface="Times New Roman" panose="02020603050405020304" pitchFamily="18" charset="0"/>
+                <a:cs typeface="Times New Roman" panose="02020603050405020304" pitchFamily="18" charset="0"/>
+              </a:rPr>
+              <a:t>: Configure the web service to use HTTPS for secure transmission of data over the network, using a self-signed certificate.</a:t>
+            </a:r>
+          </a:p>
+          <a:p>
+            <a:pPr marL="285750" indent="-285750" algn="l">
+              <a:lnSpc>
+                <a:spcPct val="150000"/>
+              </a:lnSpc>
+              <a:buFont typeface="Wingdings" panose="05000000000000000000" pitchFamily="2" charset="2"/>
+              <a:buChar char="Ø"/>
+            </a:pPr>
+            <a:r>
+              <a:rPr lang="en-US" b="1" dirty="0">
+                <a:latin typeface="Times New Roman" panose="02020603050405020304" pitchFamily="18" charset="0"/>
+                <a:cs typeface="Times New Roman" panose="02020603050405020304" pitchFamily="18" charset="0"/>
+              </a:rPr>
+              <a:t>Test the web service</a:t>
+            </a:r>
+            <a:r>
+              <a:rPr lang="en-US" dirty="0">
+                <a:latin typeface="Times New Roman" panose="02020603050405020304" pitchFamily="18" charset="0"/>
+                <a:cs typeface="Times New Roman" panose="02020603050405020304" pitchFamily="18" charset="0"/>
+              </a:rPr>
+              <a:t>: Use a testing framework such as JUnit to test the functionality of the web service, including testing for invalid </a:t>
+            </a:r>
+            <a:r>
+              <a:rPr lang="en-US" dirty="0" err="1">
+                <a:latin typeface="Times New Roman" panose="02020603050405020304" pitchFamily="18" charset="0"/>
+                <a:cs typeface="Times New Roman" panose="02020603050405020304" pitchFamily="18" charset="0"/>
+              </a:rPr>
+              <a:t>EmployeeID</a:t>
+            </a:r>
+            <a:r>
+              <a:rPr lang="en-US" dirty="0">
+                <a:latin typeface="Times New Roman" panose="02020603050405020304" pitchFamily="18" charset="0"/>
+                <a:cs typeface="Times New Roman" panose="02020603050405020304" pitchFamily="18" charset="0"/>
+              </a:rPr>
+              <a:t> input and encrypted/decrypted </a:t>
+            </a:r>
+            <a:r>
+              <a:rPr lang="en-US" dirty="0" err="1">
+                <a:latin typeface="Times New Roman" panose="02020603050405020304" pitchFamily="18" charset="0"/>
+                <a:cs typeface="Times New Roman" panose="02020603050405020304" pitchFamily="18" charset="0"/>
+              </a:rPr>
+              <a:t>DateOfBirth</a:t>
+            </a:r>
+            <a:r>
+              <a:rPr lang="en-US" dirty="0">
+                <a:latin typeface="Times New Roman" panose="02020603050405020304" pitchFamily="18" charset="0"/>
+                <a:cs typeface="Times New Roman" panose="02020603050405020304" pitchFamily="18" charset="0"/>
+              </a:rPr>
+              <a:t> data.</a:t>
+            </a:r>
+          </a:p>
+          <a:p>
+            <a:pPr marL="285750" indent="-285750" algn="l">
+              <a:lnSpc>
+                <a:spcPct val="150000"/>
+              </a:lnSpc>
+              <a:buFont typeface="Wingdings" panose="05000000000000000000" pitchFamily="2" charset="2"/>
+              <a:buChar char="Ø"/>
+            </a:pPr>
+            <a:r>
+              <a:rPr lang="en-US" b="1" dirty="0">
+                <a:latin typeface="Times New Roman" panose="02020603050405020304" pitchFamily="18" charset="0"/>
+                <a:cs typeface="Times New Roman" panose="02020603050405020304" pitchFamily="18" charset="0"/>
+              </a:rPr>
+              <a:t>Deploy the web service</a:t>
+            </a:r>
+            <a:r>
+              <a:rPr lang="en-US" dirty="0">
+                <a:latin typeface="Times New Roman" panose="02020603050405020304" pitchFamily="18" charset="0"/>
+                <a:cs typeface="Times New Roman" panose="02020603050405020304" pitchFamily="18" charset="0"/>
+              </a:rPr>
+              <a:t>: Containerize the web service using Docker and deploy it on a Kubernetes cluster, using Jenkins for continuous integration and deployment.</a:t>
+            </a:r>
+          </a:p>
+          <a:p>
+            <a:pPr algn="l">
+              <a:lnSpc>
+                <a:spcPct val="150000"/>
+              </a:lnSpc>
+            </a:pPr>
+            <a:endParaRPr lang="en-US" dirty="0">
               <a:latin typeface="Times New Roman" panose="02020603050405020304" pitchFamily="18" charset="0"/>
-              <a:ea typeface="Arial" panose="020B0604020202020204" pitchFamily="34" charset="0"/>
               <a:cs typeface="Times New Roman" panose="02020603050405020304" pitchFamily="18" charset="0"/>
             </a:endParaRPr>
           </a:p>
+          <a:p>
+            <a:pPr>
+              <a:lnSpc>
+                <a:spcPct val="150000"/>
+              </a:lnSpc>
+            </a:pPr>
+            <a:r>
+              <a:rPr lang="en-US" dirty="0">
+                <a:latin typeface="Times New Roman" panose="02020603050405020304" pitchFamily="18" charset="0"/>
+                <a:cs typeface="Times New Roman" panose="02020603050405020304" pitchFamily="18" charset="0"/>
+              </a:rPr>
+              <a:t>Backend development for the project requires a strong understanding of Java programming, Spring Boot, and database management. It also requires knowledge of encryption, logging, and secure communication protocols.</a:t>
+            </a:r>
+          </a:p>
         </p:txBody>
       </p:sp>
-      <p:pic>
-        <p:nvPicPr>
-          <p:cNvPr id="3" name="Picture 2">
-            <a:extLst>
-              <a:ext uri="{FF2B5EF4-FFF2-40B4-BE49-F238E27FC236}">
-                <a16:creationId xmlns:a16="http://schemas.microsoft.com/office/drawing/2014/main" id="{A57761BB-DE8C-43D2-3EFA-0DB063969271}"/>
-              </a:ext>
-            </a:extLst>
-          </p:cNvPr>
-          <p:cNvPicPr>
-            <a:picLocks noChangeAspect="1"/>
-          </p:cNvPicPr>
-          <p:nvPr/>
-        </p:nvPicPr>
-        <p:blipFill>
-          <a:blip r:embed="rId4"/>
-          <a:stretch>
-            <a:fillRect/>
-          </a:stretch>
-        </p:blipFill>
-        <p:spPr>
-          <a:xfrm>
-            <a:off x="502117" y="1968503"/>
-            <a:ext cx="10574956" cy="4719804"/>
-          </a:xfrm>
-          <a:prstGeom prst="rect">
-            <a:avLst/>
-          </a:prstGeom>
-        </p:spPr>
-      </p:pic>
     </p:spTree>
     <p:extLst>
       <p:ext uri="{BB962C8B-B14F-4D97-AF65-F5344CB8AC3E}">
-        <p14:creationId xmlns:p14="http://schemas.microsoft.com/office/powerpoint/2010/main" val="3480206746"/>
+        <p14:creationId xmlns:p14="http://schemas.microsoft.com/office/powerpoint/2010/main" val="4124300850"/>
       </p:ext>
     </p:extLst>
   </p:cSld>
@@ -8503,6 +9002,541 @@
         </p:nvSpPr>
         <p:spPr>
           <a:xfrm>
+            <a:off x="580390" y="1368897"/>
+            <a:ext cx="11031220" cy="400110"/>
+          </a:xfrm>
+          <a:prstGeom prst="rect">
+            <a:avLst/>
+          </a:prstGeom>
+          <a:noFill/>
+        </p:spPr>
+        <p:txBody>
+          <a:bodyPr wrap="square">
+            <a:spAutoFit/>
+          </a:bodyPr>
+          <a:lstStyle/>
+          <a:p>
+            <a:pPr algn="l"/>
+            <a:r>
+              <a:rPr lang="en-US" sz="2000" b="1" dirty="0">
+                <a:latin typeface="Times New Roman" panose="02020603050405020304" pitchFamily="18" charset="0"/>
+                <a:cs typeface="Times New Roman" panose="02020603050405020304" pitchFamily="18" charset="0"/>
+              </a:rPr>
+              <a:t>Unit testing</a:t>
+            </a:r>
+          </a:p>
+        </p:txBody>
+      </p:sp>
+      <p:pic>
+        <p:nvPicPr>
+          <p:cNvPr id="3" name="Picture 2">
+            <a:extLst>
+              <a:ext uri="{FF2B5EF4-FFF2-40B4-BE49-F238E27FC236}">
+                <a16:creationId xmlns:a16="http://schemas.microsoft.com/office/drawing/2014/main" id="{491EA7F1-D90A-C96B-3A2E-BA4BE4320084}"/>
+              </a:ext>
+            </a:extLst>
+          </p:cNvPr>
+          <p:cNvPicPr>
+            <a:picLocks noChangeAspect="1"/>
+          </p:cNvPicPr>
+          <p:nvPr/>
+        </p:nvPicPr>
+        <p:blipFill>
+          <a:blip r:embed="rId4"/>
+          <a:stretch>
+            <a:fillRect/>
+          </a:stretch>
+        </p:blipFill>
+        <p:spPr>
+          <a:xfrm>
+            <a:off x="972153" y="2202958"/>
+            <a:ext cx="9456095" cy="4345102"/>
+          </a:xfrm>
+          <a:prstGeom prst="rect">
+            <a:avLst/>
+          </a:prstGeom>
+        </p:spPr>
+      </p:pic>
+    </p:spTree>
+    <p:extLst>
+      <p:ext uri="{BB962C8B-B14F-4D97-AF65-F5344CB8AC3E}">
+        <p14:creationId xmlns:p14="http://schemas.microsoft.com/office/powerpoint/2010/main" val="3984528251"/>
+      </p:ext>
+    </p:extLst>
+  </p:cSld>
+  <p:clrMapOvr>
+    <a:masterClrMapping/>
+  </p:clrMapOvr>
+</p:sld>
+</file>
+
+<file path=ppt/slides/slide23.xml><?xml version="1.0" encoding="utf-8"?>
+<p:sld xmlns:a="http://schemas.openxmlformats.org/drawingml/2006/main" xmlns:r="http://schemas.openxmlformats.org/officeDocument/2006/relationships" xmlns:p="http://schemas.openxmlformats.org/presentationml/2006/main">
+  <p:cSld>
+    <p:spTree>
+      <p:nvGrpSpPr>
+        <p:cNvPr id="1" name=""/>
+        <p:cNvGrpSpPr/>
+        <p:nvPr/>
+      </p:nvGrpSpPr>
+      <p:grpSpPr>
+        <a:xfrm>
+          <a:off x="0" y="0"/>
+          <a:ext cx="0" cy="0"/>
+          <a:chOff x="0" y="0"/>
+          <a:chExt cx="0" cy="0"/>
+        </a:xfrm>
+      </p:grpSpPr>
+      <p:pic>
+        <p:nvPicPr>
+          <p:cNvPr id="4" name="Picture 3">
+            <a:extLst>
+              <a:ext uri="{FF2B5EF4-FFF2-40B4-BE49-F238E27FC236}">
+                <a16:creationId xmlns:a16="http://schemas.microsoft.com/office/drawing/2014/main" id="{3893C3C6-E6B4-0EAA-6168-B66B664B265B}"/>
+              </a:ext>
+            </a:extLst>
+          </p:cNvPr>
+          <p:cNvPicPr>
+            <a:picLocks noGrp="1" noRot="1" noChangeAspect="1" noMove="1" noResize="1" noEditPoints="1" noAdjustHandles="1" noChangeArrowheads="1" noChangeShapeType="1" noCrop="1"/>
+          </p:cNvPicPr>
+          <p:nvPr/>
+        </p:nvPicPr>
+        <p:blipFill>
+          <a:blip r:embed="rId2" cstate="email">
+            <a:extLst>
+              <a:ext uri="{28A0092B-C50C-407E-A947-70E740481C1C}">
+                <a14:useLocalDpi xmlns:a14="http://schemas.microsoft.com/office/drawing/2010/main"/>
+              </a:ext>
+            </a:extLst>
+          </a:blip>
+          <a:stretch>
+            <a:fillRect/>
+          </a:stretch>
+        </p:blipFill>
+        <p:spPr>
+          <a:xfrm flipH="1">
+            <a:off x="0" y="-20320"/>
+            <a:ext cx="12192000" cy="6858000"/>
+          </a:xfrm>
+          <a:prstGeom prst="rect">
+            <a:avLst/>
+          </a:prstGeom>
+        </p:spPr>
+      </p:pic>
+      <p:cxnSp>
+        <p:nvCxnSpPr>
+          <p:cNvPr id="5" name="Straight Connector 4">
+            <a:extLst>
+              <a:ext uri="{FF2B5EF4-FFF2-40B4-BE49-F238E27FC236}">
+                <a16:creationId xmlns:a16="http://schemas.microsoft.com/office/drawing/2014/main" id="{6317BEF4-F659-05B0-B884-5FBC9950BC38}"/>
+              </a:ext>
+            </a:extLst>
+          </p:cNvPr>
+          <p:cNvCxnSpPr>
+            <a:cxnSpLocks/>
+          </p:cNvCxnSpPr>
+          <p:nvPr/>
+        </p:nvCxnSpPr>
+        <p:spPr>
+          <a:xfrm>
+            <a:off x="2404113" y="383848"/>
+            <a:ext cx="0" cy="429893"/>
+          </a:xfrm>
+          <a:prstGeom prst="line">
+            <a:avLst/>
+          </a:prstGeom>
+          <a:ln w="12700">
+            <a:solidFill>
+              <a:srgbClr val="DD4F22"/>
+            </a:solidFill>
+          </a:ln>
+        </p:spPr>
+        <p:style>
+          <a:lnRef idx="1">
+            <a:schemeClr val="accent1"/>
+          </a:lnRef>
+          <a:fillRef idx="0">
+            <a:schemeClr val="accent1"/>
+          </a:fillRef>
+          <a:effectRef idx="0">
+            <a:schemeClr val="accent1"/>
+          </a:effectRef>
+          <a:fontRef idx="minor">
+            <a:schemeClr val="tx1"/>
+          </a:fontRef>
+        </p:style>
+      </p:cxnSp>
+      <p:pic>
+        <p:nvPicPr>
+          <p:cNvPr id="6" name="Picture 5">
+            <a:extLst>
+              <a:ext uri="{FF2B5EF4-FFF2-40B4-BE49-F238E27FC236}">
+                <a16:creationId xmlns:a16="http://schemas.microsoft.com/office/drawing/2014/main" id="{4C8E9BB0-02EA-460A-EDCE-9CB013DFF909}"/>
+              </a:ext>
+            </a:extLst>
+          </p:cNvPr>
+          <p:cNvPicPr>
+            <a:picLocks noGrp="1" noRot="1" noChangeAspect="1" noMove="1" noResize="1" noEditPoints="1" noAdjustHandles="1" noChangeArrowheads="1" noChangeShapeType="1" noCrop="1"/>
+          </p:cNvPicPr>
+          <p:nvPr/>
+        </p:nvPicPr>
+        <p:blipFill>
+          <a:blip r:embed="rId3">
+            <a:extLst>
+              <a:ext uri="{28A0092B-C50C-407E-A947-70E740481C1C}">
+                <a14:useLocalDpi xmlns:a14="http://schemas.microsoft.com/office/drawing/2010/main" val="0"/>
+              </a:ext>
+            </a:extLst>
+          </a:blip>
+          <a:srcRect/>
+          <a:stretch/>
+        </p:blipFill>
+        <p:spPr>
+          <a:xfrm>
+            <a:off x="217505" y="338023"/>
+            <a:ext cx="1963465" cy="521544"/>
+          </a:xfrm>
+          <a:prstGeom prst="rect">
+            <a:avLst/>
+          </a:prstGeom>
+        </p:spPr>
+      </p:pic>
+      <p:sp>
+        <p:nvSpPr>
+          <p:cNvPr id="8" name="TextBox 7">
+            <a:extLst>
+              <a:ext uri="{FF2B5EF4-FFF2-40B4-BE49-F238E27FC236}">
+                <a16:creationId xmlns:a16="http://schemas.microsoft.com/office/drawing/2014/main" id="{83A5D50A-7BF5-47B2-27E6-96AA33171B2B}"/>
+              </a:ext>
+            </a:extLst>
+          </p:cNvPr>
+          <p:cNvSpPr txBox="1">
+            <a:spLocks noGrp="1" noRot="1" noMove="1" noResize="1" noEditPoints="1" noAdjustHandles="1" noChangeArrowheads="1" noChangeShapeType="1"/>
+          </p:cNvSpPr>
+          <p:nvPr/>
+        </p:nvSpPr>
+        <p:spPr>
+          <a:xfrm>
+            <a:off x="2499360" y="383848"/>
+            <a:ext cx="8818879" cy="483017"/>
+          </a:xfrm>
+          <a:prstGeom prst="rect">
+            <a:avLst/>
+          </a:prstGeom>
+          <a:solidFill>
+            <a:srgbClr val="FF6709"/>
+          </a:solidFill>
+        </p:spPr>
+        <p:txBody>
+          <a:bodyPr wrap="square" rtlCol="0">
+            <a:spAutoFit/>
+          </a:bodyPr>
+          <a:lstStyle/>
+          <a:p>
+            <a:pPr>
+              <a:lnSpc>
+                <a:spcPct val="115000"/>
+              </a:lnSpc>
+            </a:pPr>
+            <a:r>
+              <a:rPr lang="en-IN" sz="2400" b="1" dirty="0">
+                <a:solidFill>
+                  <a:schemeClr val="bg1"/>
+                </a:solidFill>
+                <a:latin typeface="Times New Roman" panose="02020603050405020304" pitchFamily="18" charset="0"/>
+              </a:rPr>
+              <a:t>Testing</a:t>
+            </a:r>
+          </a:p>
+        </p:txBody>
+      </p:sp>
+      <p:sp>
+        <p:nvSpPr>
+          <p:cNvPr id="7" name="TextBox 6">
+            <a:extLst>
+              <a:ext uri="{FF2B5EF4-FFF2-40B4-BE49-F238E27FC236}">
+                <a16:creationId xmlns:a16="http://schemas.microsoft.com/office/drawing/2014/main" id="{7A00B694-CE8C-1B3C-6470-234A7FE34C41}"/>
+              </a:ext>
+            </a:extLst>
+          </p:cNvPr>
+          <p:cNvSpPr txBox="1"/>
+          <p:nvPr/>
+        </p:nvSpPr>
+        <p:spPr>
+          <a:xfrm>
+            <a:off x="490220" y="1349647"/>
+            <a:ext cx="5026660" cy="416204"/>
+          </a:xfrm>
+          <a:prstGeom prst="rect">
+            <a:avLst/>
+          </a:prstGeom>
+          <a:noFill/>
+        </p:spPr>
+        <p:txBody>
+          <a:bodyPr wrap="square">
+            <a:spAutoFit/>
+          </a:bodyPr>
+          <a:lstStyle/>
+          <a:p>
+            <a:pPr algn="just">
+              <a:lnSpc>
+                <a:spcPct val="115000"/>
+              </a:lnSpc>
+            </a:pPr>
+            <a:r>
+              <a:rPr lang="en-US" sz="2000" b="1" dirty="0">
+                <a:latin typeface="Times New Roman" panose="02020603050405020304" pitchFamily="18" charset="0"/>
+                <a:ea typeface="Arial" panose="020B0604020202020204" pitchFamily="34" charset="0"/>
+                <a:cs typeface="Times New Roman" panose="02020603050405020304" pitchFamily="18" charset="0"/>
+              </a:rPr>
+              <a:t>API Testing for employee web service </a:t>
+            </a:r>
+            <a:endParaRPr lang="en-IN" sz="2000" b="1" dirty="0">
+              <a:effectLst/>
+              <a:latin typeface="Times New Roman" panose="02020603050405020304" pitchFamily="18" charset="0"/>
+              <a:ea typeface="Arial" panose="020B0604020202020204" pitchFamily="34" charset="0"/>
+              <a:cs typeface="Times New Roman" panose="02020603050405020304" pitchFamily="18" charset="0"/>
+            </a:endParaRPr>
+          </a:p>
+        </p:txBody>
+      </p:sp>
+      <p:pic>
+        <p:nvPicPr>
+          <p:cNvPr id="3" name="Picture 2">
+            <a:extLst>
+              <a:ext uri="{FF2B5EF4-FFF2-40B4-BE49-F238E27FC236}">
+                <a16:creationId xmlns:a16="http://schemas.microsoft.com/office/drawing/2014/main" id="{A57761BB-DE8C-43D2-3EFA-0DB063969271}"/>
+              </a:ext>
+            </a:extLst>
+          </p:cNvPr>
+          <p:cNvPicPr>
+            <a:picLocks noChangeAspect="1"/>
+          </p:cNvPicPr>
+          <p:nvPr/>
+        </p:nvPicPr>
+        <p:blipFill>
+          <a:blip r:embed="rId4"/>
+          <a:stretch>
+            <a:fillRect/>
+          </a:stretch>
+        </p:blipFill>
+        <p:spPr>
+          <a:xfrm>
+            <a:off x="502117" y="1968503"/>
+            <a:ext cx="10574956" cy="4719804"/>
+          </a:xfrm>
+          <a:prstGeom prst="rect">
+            <a:avLst/>
+          </a:prstGeom>
+        </p:spPr>
+      </p:pic>
+    </p:spTree>
+    <p:extLst>
+      <p:ext uri="{BB962C8B-B14F-4D97-AF65-F5344CB8AC3E}">
+        <p14:creationId xmlns:p14="http://schemas.microsoft.com/office/powerpoint/2010/main" val="3480206746"/>
+      </p:ext>
+    </p:extLst>
+  </p:cSld>
+  <p:clrMapOvr>
+    <a:masterClrMapping/>
+  </p:clrMapOvr>
+</p:sld>
+</file>
+
+<file path=ppt/slides/slide24.xml><?xml version="1.0" encoding="utf-8"?>
+<p:sld xmlns:a="http://schemas.openxmlformats.org/drawingml/2006/main" xmlns:r="http://schemas.openxmlformats.org/officeDocument/2006/relationships" xmlns:p="http://schemas.openxmlformats.org/presentationml/2006/main">
+  <p:cSld>
+    <p:spTree>
+      <p:nvGrpSpPr>
+        <p:cNvPr id="1" name=""/>
+        <p:cNvGrpSpPr/>
+        <p:nvPr/>
+      </p:nvGrpSpPr>
+      <p:grpSpPr>
+        <a:xfrm>
+          <a:off x="0" y="0"/>
+          <a:ext cx="0" cy="0"/>
+          <a:chOff x="0" y="0"/>
+          <a:chExt cx="0" cy="0"/>
+        </a:xfrm>
+      </p:grpSpPr>
+      <p:pic>
+        <p:nvPicPr>
+          <p:cNvPr id="4" name="Picture 3">
+            <a:extLst>
+              <a:ext uri="{FF2B5EF4-FFF2-40B4-BE49-F238E27FC236}">
+                <a16:creationId xmlns:a16="http://schemas.microsoft.com/office/drawing/2014/main" id="{3893C3C6-E6B4-0EAA-6168-B66B664B265B}"/>
+              </a:ext>
+            </a:extLst>
+          </p:cNvPr>
+          <p:cNvPicPr>
+            <a:picLocks noGrp="1" noRot="1" noChangeAspect="1" noMove="1" noResize="1" noEditPoints="1" noAdjustHandles="1" noChangeArrowheads="1" noChangeShapeType="1" noCrop="1"/>
+          </p:cNvPicPr>
+          <p:nvPr/>
+        </p:nvPicPr>
+        <p:blipFill>
+          <a:blip r:embed="rId2" cstate="email">
+            <a:extLst>
+              <a:ext uri="{28A0092B-C50C-407E-A947-70E740481C1C}">
+                <a14:useLocalDpi xmlns:a14="http://schemas.microsoft.com/office/drawing/2010/main"/>
+              </a:ext>
+            </a:extLst>
+          </a:blip>
+          <a:stretch>
+            <a:fillRect/>
+          </a:stretch>
+        </p:blipFill>
+        <p:spPr>
+          <a:xfrm flipH="1">
+            <a:off x="0" y="-20320"/>
+            <a:ext cx="12192000" cy="6858000"/>
+          </a:xfrm>
+          <a:prstGeom prst="rect">
+            <a:avLst/>
+          </a:prstGeom>
+        </p:spPr>
+      </p:pic>
+      <p:cxnSp>
+        <p:nvCxnSpPr>
+          <p:cNvPr id="5" name="Straight Connector 4">
+            <a:extLst>
+              <a:ext uri="{FF2B5EF4-FFF2-40B4-BE49-F238E27FC236}">
+                <a16:creationId xmlns:a16="http://schemas.microsoft.com/office/drawing/2014/main" id="{6317BEF4-F659-05B0-B884-5FBC9950BC38}"/>
+              </a:ext>
+            </a:extLst>
+          </p:cNvPr>
+          <p:cNvCxnSpPr>
+            <a:cxnSpLocks/>
+          </p:cNvCxnSpPr>
+          <p:nvPr/>
+        </p:nvCxnSpPr>
+        <p:spPr>
+          <a:xfrm>
+            <a:off x="2404113" y="383848"/>
+            <a:ext cx="0" cy="429893"/>
+          </a:xfrm>
+          <a:prstGeom prst="line">
+            <a:avLst/>
+          </a:prstGeom>
+          <a:ln w="12700">
+            <a:solidFill>
+              <a:srgbClr val="DD4F22"/>
+            </a:solidFill>
+          </a:ln>
+        </p:spPr>
+        <p:style>
+          <a:lnRef idx="1">
+            <a:schemeClr val="accent1"/>
+          </a:lnRef>
+          <a:fillRef idx="0">
+            <a:schemeClr val="accent1"/>
+          </a:fillRef>
+          <a:effectRef idx="0">
+            <a:schemeClr val="accent1"/>
+          </a:effectRef>
+          <a:fontRef idx="minor">
+            <a:schemeClr val="tx1"/>
+          </a:fontRef>
+        </p:style>
+      </p:cxnSp>
+      <p:pic>
+        <p:nvPicPr>
+          <p:cNvPr id="6" name="Picture 5">
+            <a:extLst>
+              <a:ext uri="{FF2B5EF4-FFF2-40B4-BE49-F238E27FC236}">
+                <a16:creationId xmlns:a16="http://schemas.microsoft.com/office/drawing/2014/main" id="{4C8E9BB0-02EA-460A-EDCE-9CB013DFF909}"/>
+              </a:ext>
+            </a:extLst>
+          </p:cNvPr>
+          <p:cNvPicPr>
+            <a:picLocks noGrp="1" noRot="1" noChangeAspect="1" noMove="1" noResize="1" noEditPoints="1" noAdjustHandles="1" noChangeArrowheads="1" noChangeShapeType="1" noCrop="1"/>
+          </p:cNvPicPr>
+          <p:nvPr/>
+        </p:nvPicPr>
+        <p:blipFill>
+          <a:blip r:embed="rId3">
+            <a:extLst>
+              <a:ext uri="{28A0092B-C50C-407E-A947-70E740481C1C}">
+                <a14:useLocalDpi xmlns:a14="http://schemas.microsoft.com/office/drawing/2010/main" val="0"/>
+              </a:ext>
+            </a:extLst>
+          </a:blip>
+          <a:srcRect/>
+          <a:stretch/>
+        </p:blipFill>
+        <p:spPr>
+          <a:xfrm>
+            <a:off x="217505" y="338023"/>
+            <a:ext cx="1963465" cy="521544"/>
+          </a:xfrm>
+          <a:prstGeom prst="rect">
+            <a:avLst/>
+          </a:prstGeom>
+        </p:spPr>
+      </p:pic>
+      <p:sp>
+        <p:nvSpPr>
+          <p:cNvPr id="8" name="TextBox 7">
+            <a:extLst>
+              <a:ext uri="{FF2B5EF4-FFF2-40B4-BE49-F238E27FC236}">
+                <a16:creationId xmlns:a16="http://schemas.microsoft.com/office/drawing/2014/main" id="{83A5D50A-7BF5-47B2-27E6-96AA33171B2B}"/>
+              </a:ext>
+            </a:extLst>
+          </p:cNvPr>
+          <p:cNvSpPr txBox="1">
+            <a:spLocks noGrp="1" noRot="1" noMove="1" noResize="1" noEditPoints="1" noAdjustHandles="1" noChangeArrowheads="1" noChangeShapeType="1"/>
+          </p:cNvSpPr>
+          <p:nvPr/>
+        </p:nvSpPr>
+        <p:spPr>
+          <a:xfrm>
+            <a:off x="2499360" y="383848"/>
+            <a:ext cx="8818879" cy="483017"/>
+          </a:xfrm>
+          <a:prstGeom prst="rect">
+            <a:avLst/>
+          </a:prstGeom>
+          <a:solidFill>
+            <a:srgbClr val="FF6709"/>
+          </a:solidFill>
+        </p:spPr>
+        <p:txBody>
+          <a:bodyPr wrap="square" rtlCol="0">
+            <a:spAutoFit/>
+          </a:bodyPr>
+          <a:lstStyle/>
+          <a:p>
+            <a:pPr>
+              <a:lnSpc>
+                <a:spcPct val="115000"/>
+              </a:lnSpc>
+            </a:pPr>
+            <a:r>
+              <a:rPr lang="en-IN" sz="2400" b="1" dirty="0">
+                <a:solidFill>
+                  <a:schemeClr val="bg1"/>
+                </a:solidFill>
+                <a:latin typeface="Times New Roman" panose="02020603050405020304" pitchFamily="18" charset="0"/>
+              </a:rPr>
+              <a:t>Testing</a:t>
+            </a:r>
+          </a:p>
+        </p:txBody>
+      </p:sp>
+      <p:sp>
+        <p:nvSpPr>
+          <p:cNvPr id="7" name="TextBox 6">
+            <a:extLst>
+              <a:ext uri="{FF2B5EF4-FFF2-40B4-BE49-F238E27FC236}">
+                <a16:creationId xmlns:a16="http://schemas.microsoft.com/office/drawing/2014/main" id="{7A00B694-CE8C-1B3C-6470-234A7FE34C41}"/>
+              </a:ext>
+            </a:extLst>
+          </p:cNvPr>
+          <p:cNvSpPr txBox="1"/>
+          <p:nvPr/>
+        </p:nvSpPr>
+        <p:spPr>
+          <a:xfrm>
             <a:off x="490220" y="1349647"/>
             <a:ext cx="5026660" cy="416204"/>
           </a:xfrm>
@@ -8582,7 +9616,7 @@
 </p:sld>
 </file>
 
-<file path=ppt/slides/slide23.xml><?xml version="1.0" encoding="utf-8"?>
+<file path=ppt/slides/slide25.xml><?xml version="1.0" encoding="utf-8"?>
 <p:sld xmlns:a="http://schemas.openxmlformats.org/drawingml/2006/main" xmlns:r="http://schemas.openxmlformats.org/officeDocument/2006/relationships" xmlns:p="http://schemas.openxmlformats.org/presentationml/2006/main">
   <p:cSld>
     <p:bg>
@@ -8865,596 +9899,6 @@
 </p:sld>
 </file>
 
-<file path=ppt/slides/slide24.xml><?xml version="1.0" encoding="utf-8"?>
-<p:sld xmlns:a="http://schemas.openxmlformats.org/drawingml/2006/main" xmlns:r="http://schemas.openxmlformats.org/officeDocument/2006/relationships" xmlns:p="http://schemas.openxmlformats.org/presentationml/2006/main">
-  <p:cSld>
-    <p:spTree>
-      <p:nvGrpSpPr>
-        <p:cNvPr id="1" name=""/>
-        <p:cNvGrpSpPr/>
-        <p:nvPr/>
-      </p:nvGrpSpPr>
-      <p:grpSpPr>
-        <a:xfrm>
-          <a:off x="0" y="0"/>
-          <a:ext cx="0" cy="0"/>
-          <a:chOff x="0" y="0"/>
-          <a:chExt cx="0" cy="0"/>
-        </a:xfrm>
-      </p:grpSpPr>
-      <p:pic>
-        <p:nvPicPr>
-          <p:cNvPr id="4" name="Picture 3">
-            <a:extLst>
-              <a:ext uri="{FF2B5EF4-FFF2-40B4-BE49-F238E27FC236}">
-                <a16:creationId xmlns:a16="http://schemas.microsoft.com/office/drawing/2014/main" id="{3893C3C6-E6B4-0EAA-6168-B66B664B265B}"/>
-              </a:ext>
-            </a:extLst>
-          </p:cNvPr>
-          <p:cNvPicPr>
-            <a:picLocks noGrp="1" noRot="1" noChangeAspect="1" noMove="1" noResize="1" noEditPoints="1" noAdjustHandles="1" noChangeArrowheads="1" noChangeShapeType="1" noCrop="1"/>
-          </p:cNvPicPr>
-          <p:nvPr/>
-        </p:nvPicPr>
-        <p:blipFill>
-          <a:blip r:embed="rId2" cstate="email">
-            <a:extLst>
-              <a:ext uri="{28A0092B-C50C-407E-A947-70E740481C1C}">
-                <a14:useLocalDpi xmlns:a14="http://schemas.microsoft.com/office/drawing/2010/main"/>
-              </a:ext>
-            </a:extLst>
-          </a:blip>
-          <a:stretch>
-            <a:fillRect/>
-          </a:stretch>
-        </p:blipFill>
-        <p:spPr>
-          <a:xfrm flipH="1">
-            <a:off x="0" y="0"/>
-            <a:ext cx="12192000" cy="6858000"/>
-          </a:xfrm>
-          <a:prstGeom prst="rect">
-            <a:avLst/>
-          </a:prstGeom>
-        </p:spPr>
-      </p:pic>
-      <p:cxnSp>
-        <p:nvCxnSpPr>
-          <p:cNvPr id="5" name="Straight Connector 4">
-            <a:extLst>
-              <a:ext uri="{FF2B5EF4-FFF2-40B4-BE49-F238E27FC236}">
-                <a16:creationId xmlns:a16="http://schemas.microsoft.com/office/drawing/2014/main" id="{6317BEF4-F659-05B0-B884-5FBC9950BC38}"/>
-              </a:ext>
-            </a:extLst>
-          </p:cNvPr>
-          <p:cNvCxnSpPr>
-            <a:cxnSpLocks/>
-          </p:cNvCxnSpPr>
-          <p:nvPr/>
-        </p:nvCxnSpPr>
-        <p:spPr>
-          <a:xfrm>
-            <a:off x="2404113" y="383848"/>
-            <a:ext cx="0" cy="429893"/>
-          </a:xfrm>
-          <a:prstGeom prst="line">
-            <a:avLst/>
-          </a:prstGeom>
-          <a:ln w="12700">
-            <a:solidFill>
-              <a:srgbClr val="DD4F22"/>
-            </a:solidFill>
-          </a:ln>
-        </p:spPr>
-        <p:style>
-          <a:lnRef idx="1">
-            <a:schemeClr val="accent1"/>
-          </a:lnRef>
-          <a:fillRef idx="0">
-            <a:schemeClr val="accent1"/>
-          </a:fillRef>
-          <a:effectRef idx="0">
-            <a:schemeClr val="accent1"/>
-          </a:effectRef>
-          <a:fontRef idx="minor">
-            <a:schemeClr val="tx1"/>
-          </a:fontRef>
-        </p:style>
-      </p:cxnSp>
-      <p:pic>
-        <p:nvPicPr>
-          <p:cNvPr id="6" name="Picture 5">
-            <a:extLst>
-              <a:ext uri="{FF2B5EF4-FFF2-40B4-BE49-F238E27FC236}">
-                <a16:creationId xmlns:a16="http://schemas.microsoft.com/office/drawing/2014/main" id="{4C8E9BB0-02EA-460A-EDCE-9CB013DFF909}"/>
-              </a:ext>
-            </a:extLst>
-          </p:cNvPr>
-          <p:cNvPicPr>
-            <a:picLocks noGrp="1" noRot="1" noChangeAspect="1" noMove="1" noResize="1" noEditPoints="1" noAdjustHandles="1" noChangeArrowheads="1" noChangeShapeType="1" noCrop="1"/>
-          </p:cNvPicPr>
-          <p:nvPr/>
-        </p:nvPicPr>
-        <p:blipFill>
-          <a:blip r:embed="rId3">
-            <a:extLst>
-              <a:ext uri="{28A0092B-C50C-407E-A947-70E740481C1C}">
-                <a14:useLocalDpi xmlns:a14="http://schemas.microsoft.com/office/drawing/2010/main" val="0"/>
-              </a:ext>
-            </a:extLst>
-          </a:blip>
-          <a:srcRect/>
-          <a:stretch/>
-        </p:blipFill>
-        <p:spPr>
-          <a:xfrm>
-            <a:off x="217505" y="338023"/>
-            <a:ext cx="1963465" cy="521544"/>
-          </a:xfrm>
-          <a:prstGeom prst="rect">
-            <a:avLst/>
-          </a:prstGeom>
-        </p:spPr>
-      </p:pic>
-      <p:sp>
-        <p:nvSpPr>
-          <p:cNvPr id="8" name="TextBox 7">
-            <a:extLst>
-              <a:ext uri="{FF2B5EF4-FFF2-40B4-BE49-F238E27FC236}">
-                <a16:creationId xmlns:a16="http://schemas.microsoft.com/office/drawing/2014/main" id="{83A5D50A-7BF5-47B2-27E6-96AA33171B2B}"/>
-              </a:ext>
-            </a:extLst>
-          </p:cNvPr>
-          <p:cNvSpPr txBox="1">
-            <a:spLocks noGrp="1" noRot="1" noMove="1" noResize="1" noEditPoints="1" noAdjustHandles="1" noChangeArrowheads="1" noChangeShapeType="1"/>
-          </p:cNvSpPr>
-          <p:nvPr/>
-        </p:nvSpPr>
-        <p:spPr>
-          <a:xfrm>
-            <a:off x="2499360" y="383848"/>
-            <a:ext cx="8818879" cy="483017"/>
-          </a:xfrm>
-          <a:prstGeom prst="rect">
-            <a:avLst/>
-          </a:prstGeom>
-          <a:solidFill>
-            <a:srgbClr val="FF6709"/>
-          </a:solidFill>
-        </p:spPr>
-        <p:txBody>
-          <a:bodyPr wrap="square" rtlCol="0">
-            <a:spAutoFit/>
-          </a:bodyPr>
-          <a:lstStyle/>
-          <a:p>
-            <a:pPr>
-              <a:lnSpc>
-                <a:spcPct val="115000"/>
-              </a:lnSpc>
-            </a:pPr>
-            <a:r>
-              <a:rPr lang="en-IN" sz="2400" b="1" dirty="0">
-                <a:solidFill>
-                  <a:schemeClr val="bg1"/>
-                </a:solidFill>
-                <a:latin typeface="Times New Roman" panose="02020603050405020304" pitchFamily="18" charset="0"/>
-              </a:rPr>
-              <a:t>Deployment</a:t>
-            </a:r>
-          </a:p>
-        </p:txBody>
-      </p:sp>
-      <p:sp>
-        <p:nvSpPr>
-          <p:cNvPr id="7" name="TextBox 6">
-            <a:extLst>
-              <a:ext uri="{FF2B5EF4-FFF2-40B4-BE49-F238E27FC236}">
-                <a16:creationId xmlns:a16="http://schemas.microsoft.com/office/drawing/2014/main" id="{4E34D14B-9278-1F90-25E3-1FABACE2AC59}"/>
-              </a:ext>
-            </a:extLst>
-          </p:cNvPr>
-          <p:cNvSpPr txBox="1"/>
-          <p:nvPr/>
-        </p:nvSpPr>
-        <p:spPr>
-          <a:xfrm>
-            <a:off x="750102" y="1250713"/>
-            <a:ext cx="5026660" cy="417550"/>
-          </a:xfrm>
-          <a:prstGeom prst="rect">
-            <a:avLst/>
-          </a:prstGeom>
-          <a:noFill/>
-        </p:spPr>
-        <p:txBody>
-          <a:bodyPr wrap="square">
-            <a:spAutoFit/>
-          </a:bodyPr>
-          <a:lstStyle/>
-          <a:p>
-            <a:pPr algn="just">
-              <a:lnSpc>
-                <a:spcPct val="115000"/>
-              </a:lnSpc>
-            </a:pPr>
-            <a:r>
-              <a:rPr lang="en-IN" sz="2000" b="1" dirty="0">
-                <a:effectLst/>
-                <a:latin typeface="Times New Roman" panose="02020603050405020304" pitchFamily="18" charset="0"/>
-                <a:ea typeface="Arial" panose="020B0604020202020204" pitchFamily="34" charset="0"/>
-              </a:rPr>
-              <a:t>Kubernetes Instances</a:t>
-            </a:r>
-            <a:endParaRPr lang="en-IN" sz="1600" b="1" dirty="0">
-              <a:effectLst/>
-              <a:latin typeface="Arial" panose="020B0604020202020204" pitchFamily="34" charset="0"/>
-              <a:ea typeface="Arial" panose="020B0604020202020204" pitchFamily="34" charset="0"/>
-            </a:endParaRPr>
-          </a:p>
-        </p:txBody>
-      </p:sp>
-      <p:pic>
-        <p:nvPicPr>
-          <p:cNvPr id="9" name="Picture 8">
-            <a:extLst>
-              <a:ext uri="{FF2B5EF4-FFF2-40B4-BE49-F238E27FC236}">
-                <a16:creationId xmlns:a16="http://schemas.microsoft.com/office/drawing/2014/main" id="{F372EF3E-A578-B44E-6F87-A88E584B0DFD}"/>
-              </a:ext>
-            </a:extLst>
-          </p:cNvPr>
-          <p:cNvPicPr>
-            <a:picLocks noChangeAspect="1"/>
-          </p:cNvPicPr>
-          <p:nvPr/>
-        </p:nvPicPr>
-        <p:blipFill>
-          <a:blip r:embed="rId4">
-            <a:extLst>
-              <a:ext uri="{28A0092B-C50C-407E-A947-70E740481C1C}">
-                <a14:useLocalDpi xmlns:a14="http://schemas.microsoft.com/office/drawing/2010/main" val="0"/>
-              </a:ext>
-            </a:extLst>
-          </a:blip>
-          <a:stretch>
-            <a:fillRect/>
-          </a:stretch>
-        </p:blipFill>
-        <p:spPr>
-          <a:xfrm>
-            <a:off x="871135" y="2052111"/>
-            <a:ext cx="9811254" cy="3568883"/>
-          </a:xfrm>
-          <a:prstGeom prst="rect">
-            <a:avLst/>
-          </a:prstGeom>
-        </p:spPr>
-      </p:pic>
-    </p:spTree>
-    <p:extLst>
-      <p:ext uri="{BB962C8B-B14F-4D97-AF65-F5344CB8AC3E}">
-        <p14:creationId xmlns:p14="http://schemas.microsoft.com/office/powerpoint/2010/main" val="1566755304"/>
-      </p:ext>
-    </p:extLst>
-  </p:cSld>
-  <p:clrMapOvr>
-    <a:masterClrMapping/>
-  </p:clrMapOvr>
-</p:sld>
-</file>
-
-<file path=ppt/slides/slide25.xml><?xml version="1.0" encoding="utf-8"?>
-<p:sld xmlns:a="http://schemas.openxmlformats.org/drawingml/2006/main" xmlns:r="http://schemas.openxmlformats.org/officeDocument/2006/relationships" xmlns:p="http://schemas.openxmlformats.org/presentationml/2006/main">
-  <p:cSld>
-    <p:spTree>
-      <p:nvGrpSpPr>
-        <p:cNvPr id="1" name=""/>
-        <p:cNvGrpSpPr/>
-        <p:nvPr/>
-      </p:nvGrpSpPr>
-      <p:grpSpPr>
-        <a:xfrm>
-          <a:off x="0" y="0"/>
-          <a:ext cx="0" cy="0"/>
-          <a:chOff x="0" y="0"/>
-          <a:chExt cx="0" cy="0"/>
-        </a:xfrm>
-      </p:grpSpPr>
-      <p:pic>
-        <p:nvPicPr>
-          <p:cNvPr id="4" name="Picture 3">
-            <a:extLst>
-              <a:ext uri="{FF2B5EF4-FFF2-40B4-BE49-F238E27FC236}">
-                <a16:creationId xmlns:a16="http://schemas.microsoft.com/office/drawing/2014/main" id="{3893C3C6-E6B4-0EAA-6168-B66B664B265B}"/>
-              </a:ext>
-            </a:extLst>
-          </p:cNvPr>
-          <p:cNvPicPr>
-            <a:picLocks noGrp="1" noRot="1" noChangeAspect="1" noMove="1" noResize="1" noEditPoints="1" noAdjustHandles="1" noChangeArrowheads="1" noChangeShapeType="1" noCrop="1"/>
-          </p:cNvPicPr>
-          <p:nvPr/>
-        </p:nvPicPr>
-        <p:blipFill>
-          <a:blip r:embed="rId2" cstate="email">
-            <a:extLst>
-              <a:ext uri="{28A0092B-C50C-407E-A947-70E740481C1C}">
-                <a14:useLocalDpi xmlns:a14="http://schemas.microsoft.com/office/drawing/2010/main"/>
-              </a:ext>
-            </a:extLst>
-          </a:blip>
-          <a:stretch>
-            <a:fillRect/>
-          </a:stretch>
-        </p:blipFill>
-        <p:spPr>
-          <a:xfrm flipH="1">
-            <a:off x="0" y="0"/>
-            <a:ext cx="12192000" cy="6858000"/>
-          </a:xfrm>
-          <a:prstGeom prst="rect">
-            <a:avLst/>
-          </a:prstGeom>
-        </p:spPr>
-      </p:pic>
-      <p:cxnSp>
-        <p:nvCxnSpPr>
-          <p:cNvPr id="5" name="Straight Connector 4">
-            <a:extLst>
-              <a:ext uri="{FF2B5EF4-FFF2-40B4-BE49-F238E27FC236}">
-                <a16:creationId xmlns:a16="http://schemas.microsoft.com/office/drawing/2014/main" id="{6317BEF4-F659-05B0-B884-5FBC9950BC38}"/>
-              </a:ext>
-            </a:extLst>
-          </p:cNvPr>
-          <p:cNvCxnSpPr>
-            <a:cxnSpLocks/>
-          </p:cNvCxnSpPr>
-          <p:nvPr/>
-        </p:nvCxnSpPr>
-        <p:spPr>
-          <a:xfrm>
-            <a:off x="2404113" y="383848"/>
-            <a:ext cx="0" cy="429893"/>
-          </a:xfrm>
-          <a:prstGeom prst="line">
-            <a:avLst/>
-          </a:prstGeom>
-          <a:ln w="12700">
-            <a:solidFill>
-              <a:srgbClr val="DD4F22"/>
-            </a:solidFill>
-          </a:ln>
-        </p:spPr>
-        <p:style>
-          <a:lnRef idx="1">
-            <a:schemeClr val="accent1"/>
-          </a:lnRef>
-          <a:fillRef idx="0">
-            <a:schemeClr val="accent1"/>
-          </a:fillRef>
-          <a:effectRef idx="0">
-            <a:schemeClr val="accent1"/>
-          </a:effectRef>
-          <a:fontRef idx="minor">
-            <a:schemeClr val="tx1"/>
-          </a:fontRef>
-        </p:style>
-      </p:cxnSp>
-      <p:pic>
-        <p:nvPicPr>
-          <p:cNvPr id="6" name="Picture 5">
-            <a:extLst>
-              <a:ext uri="{FF2B5EF4-FFF2-40B4-BE49-F238E27FC236}">
-                <a16:creationId xmlns:a16="http://schemas.microsoft.com/office/drawing/2014/main" id="{4C8E9BB0-02EA-460A-EDCE-9CB013DFF909}"/>
-              </a:ext>
-            </a:extLst>
-          </p:cNvPr>
-          <p:cNvPicPr>
-            <a:picLocks noGrp="1" noRot="1" noChangeAspect="1" noMove="1" noResize="1" noEditPoints="1" noAdjustHandles="1" noChangeArrowheads="1" noChangeShapeType="1" noCrop="1"/>
-          </p:cNvPicPr>
-          <p:nvPr/>
-        </p:nvPicPr>
-        <p:blipFill>
-          <a:blip r:embed="rId3">
-            <a:extLst>
-              <a:ext uri="{28A0092B-C50C-407E-A947-70E740481C1C}">
-                <a14:useLocalDpi xmlns:a14="http://schemas.microsoft.com/office/drawing/2010/main" val="0"/>
-              </a:ext>
-            </a:extLst>
-          </a:blip>
-          <a:srcRect/>
-          <a:stretch/>
-        </p:blipFill>
-        <p:spPr>
-          <a:xfrm>
-            <a:off x="217505" y="338023"/>
-            <a:ext cx="1963465" cy="521544"/>
-          </a:xfrm>
-          <a:prstGeom prst="rect">
-            <a:avLst/>
-          </a:prstGeom>
-        </p:spPr>
-      </p:pic>
-      <p:sp>
-        <p:nvSpPr>
-          <p:cNvPr id="8" name="TextBox 7">
-            <a:extLst>
-              <a:ext uri="{FF2B5EF4-FFF2-40B4-BE49-F238E27FC236}">
-                <a16:creationId xmlns:a16="http://schemas.microsoft.com/office/drawing/2014/main" id="{83A5D50A-7BF5-47B2-27E6-96AA33171B2B}"/>
-              </a:ext>
-            </a:extLst>
-          </p:cNvPr>
-          <p:cNvSpPr txBox="1">
-            <a:spLocks noGrp="1" noRot="1" noMove="1" noResize="1" noEditPoints="1" noAdjustHandles="1" noChangeArrowheads="1" noChangeShapeType="1"/>
-          </p:cNvSpPr>
-          <p:nvPr/>
-        </p:nvSpPr>
-        <p:spPr>
-          <a:xfrm>
-            <a:off x="2499360" y="383848"/>
-            <a:ext cx="8818879" cy="483017"/>
-          </a:xfrm>
-          <a:prstGeom prst="rect">
-            <a:avLst/>
-          </a:prstGeom>
-          <a:solidFill>
-            <a:srgbClr val="FF6709"/>
-          </a:solidFill>
-        </p:spPr>
-        <p:txBody>
-          <a:bodyPr wrap="square" rtlCol="0">
-            <a:spAutoFit/>
-          </a:bodyPr>
-          <a:lstStyle/>
-          <a:p>
-            <a:pPr>
-              <a:lnSpc>
-                <a:spcPct val="115000"/>
-              </a:lnSpc>
-            </a:pPr>
-            <a:r>
-              <a:rPr lang="en-IN" sz="2400" b="1" dirty="0">
-                <a:solidFill>
-                  <a:schemeClr val="bg1"/>
-                </a:solidFill>
-                <a:latin typeface="Times New Roman" panose="02020603050405020304" pitchFamily="18" charset="0"/>
-              </a:rPr>
-              <a:t>Deployment</a:t>
-            </a:r>
-          </a:p>
-        </p:txBody>
-      </p:sp>
-      <p:sp>
-        <p:nvSpPr>
-          <p:cNvPr id="7" name="TextBox 6">
-            <a:extLst>
-              <a:ext uri="{FF2B5EF4-FFF2-40B4-BE49-F238E27FC236}">
-                <a16:creationId xmlns:a16="http://schemas.microsoft.com/office/drawing/2014/main" id="{4E34D14B-9278-1F90-25E3-1FABACE2AC59}"/>
-              </a:ext>
-            </a:extLst>
-          </p:cNvPr>
-          <p:cNvSpPr txBox="1"/>
-          <p:nvPr/>
-        </p:nvSpPr>
-        <p:spPr>
-          <a:xfrm>
-            <a:off x="432468" y="1182384"/>
-            <a:ext cx="5026660" cy="417550"/>
-          </a:xfrm>
-          <a:prstGeom prst="rect">
-            <a:avLst/>
-          </a:prstGeom>
-          <a:noFill/>
-        </p:spPr>
-        <p:txBody>
-          <a:bodyPr wrap="square">
-            <a:spAutoFit/>
-          </a:bodyPr>
-          <a:lstStyle/>
-          <a:p>
-            <a:pPr algn="just">
-              <a:lnSpc>
-                <a:spcPct val="115000"/>
-              </a:lnSpc>
-            </a:pPr>
-            <a:r>
-              <a:rPr lang="en-IN" sz="2000" b="1" dirty="0">
-                <a:effectLst/>
-                <a:latin typeface="Times New Roman" panose="02020603050405020304" pitchFamily="18" charset="0"/>
-                <a:ea typeface="Arial" panose="020B0604020202020204" pitchFamily="34" charset="0"/>
-              </a:rPr>
-              <a:t>Jenkins Integration</a:t>
-            </a:r>
-            <a:endParaRPr lang="en-IN" sz="1600" b="1" dirty="0">
-              <a:effectLst/>
-              <a:latin typeface="Arial" panose="020B0604020202020204" pitchFamily="34" charset="0"/>
-              <a:ea typeface="Arial" panose="020B0604020202020204" pitchFamily="34" charset="0"/>
-            </a:endParaRPr>
-          </a:p>
-        </p:txBody>
-      </p:sp>
-      <p:pic>
-        <p:nvPicPr>
-          <p:cNvPr id="3" name="Picture 2">
-            <a:extLst>
-              <a:ext uri="{FF2B5EF4-FFF2-40B4-BE49-F238E27FC236}">
-                <a16:creationId xmlns:a16="http://schemas.microsoft.com/office/drawing/2014/main" id="{BA69D759-7658-C840-020A-5BDA4E7A0147}"/>
-              </a:ext>
-            </a:extLst>
-          </p:cNvPr>
-          <p:cNvPicPr>
-            <a:picLocks noChangeAspect="1"/>
-          </p:cNvPicPr>
-          <p:nvPr/>
-        </p:nvPicPr>
-        <p:blipFill rotWithShape="1">
-          <a:blip r:embed="rId4">
-            <a:extLst>
-              <a:ext uri="{28A0092B-C50C-407E-A947-70E740481C1C}">
-                <a14:useLocalDpi xmlns:a14="http://schemas.microsoft.com/office/drawing/2010/main" val="0"/>
-              </a:ext>
-            </a:extLst>
-          </a:blip>
-          <a:srcRect l="24331" t="7860" r="2780" b="5560"/>
-          <a:stretch/>
-        </p:blipFill>
-        <p:spPr>
-          <a:xfrm>
-            <a:off x="758037" y="1876926"/>
-            <a:ext cx="6075603" cy="4811207"/>
-          </a:xfrm>
-          <a:prstGeom prst="rect">
-            <a:avLst/>
-          </a:prstGeom>
-        </p:spPr>
-      </p:pic>
-      <p:pic>
-        <p:nvPicPr>
-          <p:cNvPr id="11" name="Picture 10">
-            <a:extLst>
-              <a:ext uri="{FF2B5EF4-FFF2-40B4-BE49-F238E27FC236}">
-                <a16:creationId xmlns:a16="http://schemas.microsoft.com/office/drawing/2014/main" id="{A5ED7E96-46F3-2808-0FF3-890465C53BEC}"/>
-              </a:ext>
-            </a:extLst>
-          </p:cNvPr>
-          <p:cNvPicPr>
-            <a:picLocks noChangeAspect="1"/>
-          </p:cNvPicPr>
-          <p:nvPr/>
-        </p:nvPicPr>
-        <p:blipFill rotWithShape="1">
-          <a:blip r:embed="rId5">
-            <a:extLst>
-              <a:ext uri="{28A0092B-C50C-407E-A947-70E740481C1C}">
-                <a14:useLocalDpi xmlns:a14="http://schemas.microsoft.com/office/drawing/2010/main" val="0"/>
-              </a:ext>
-            </a:extLst>
-          </a:blip>
-          <a:srcRect l="25714" t="7068" r="19643" b="8073"/>
-          <a:stretch/>
-        </p:blipFill>
-        <p:spPr>
-          <a:xfrm>
-            <a:off x="7048753" y="1909150"/>
-            <a:ext cx="4615995" cy="4778983"/>
-          </a:xfrm>
-          <a:prstGeom prst="rect">
-            <a:avLst/>
-          </a:prstGeom>
-        </p:spPr>
-      </p:pic>
-    </p:spTree>
-    <p:extLst>
-      <p:ext uri="{BB962C8B-B14F-4D97-AF65-F5344CB8AC3E}">
-        <p14:creationId xmlns:p14="http://schemas.microsoft.com/office/powerpoint/2010/main" val="2733072219"/>
-      </p:ext>
-    </p:extLst>
-  </p:cSld>
-  <p:clrMapOvr>
-    <a:masterClrMapping/>
-  </p:clrMapOvr>
-</p:sld>
-</file>
-
 <file path=ppt/slides/slide26.xml><?xml version="1.0" encoding="utf-8"?>
 <p:sld xmlns:a="http://schemas.openxmlformats.org/drawingml/2006/main" xmlns:r="http://schemas.openxmlformats.org/officeDocument/2006/relationships" xmlns:p="http://schemas.openxmlformats.org/presentationml/2006/main">
   <p:cSld>
@@ -9630,7 +10074,7 @@
                 </a:solidFill>
                 <a:latin typeface="Times New Roman" panose="02020603050405020304" pitchFamily="18" charset="0"/>
               </a:rPr>
-              <a:t>Conclusion</a:t>
+              <a:t>Deployment</a:t>
             </a:r>
           </a:p>
         </p:txBody>
@@ -9640,7 +10084,7 @@
           <p:cNvPr id="7" name="TextBox 6">
             <a:extLst>
               <a:ext uri="{FF2B5EF4-FFF2-40B4-BE49-F238E27FC236}">
-                <a16:creationId xmlns:a16="http://schemas.microsoft.com/office/drawing/2014/main" id="{B4E07FE1-E878-E386-9DF4-34E931415690}"/>
+                <a16:creationId xmlns:a16="http://schemas.microsoft.com/office/drawing/2014/main" id="{4E34D14B-9278-1F90-25E3-1FABACE2AC59}"/>
               </a:ext>
             </a:extLst>
           </p:cNvPr>
@@ -9649,8 +10093,8 @@
         </p:nvSpPr>
         <p:spPr>
           <a:xfrm>
-            <a:off x="490219" y="1349647"/>
-            <a:ext cx="11319977" cy="3366563"/>
+            <a:off x="750102" y="1250713"/>
+            <a:ext cx="5026660" cy="417550"/>
           </a:xfrm>
           <a:prstGeom prst="rect">
             <a:avLst/>
@@ -9663,59 +10107,67 @@
           </a:bodyPr>
           <a:lstStyle/>
           <a:p>
-            <a:pPr marL="342900" indent="-342900" algn="l">
-              <a:lnSpc>
-                <a:spcPct val="150000"/>
-              </a:lnSpc>
-              <a:buFont typeface="Arial" panose="020B0604020202020204" pitchFamily="34" charset="0"/>
-              <a:buChar char="•"/>
-            </a:pPr>
-            <a:r>
-              <a:rPr lang="en-US" dirty="0">
-                <a:latin typeface="Times New Roman" panose="02020603050405020304" pitchFamily="18" charset="0"/>
-                <a:cs typeface="Times New Roman" panose="02020603050405020304" pitchFamily="18" charset="0"/>
-              </a:rPr>
-              <a:t>In conclusion, the Employee web service project is a comprehensive solution that allows users to query employee records by ID, expose the web service as an HTTPS endpoint with a self-signed certificate, encrypt sensitive data, and containerize the service for deployment on Kubernetes.</a:t>
-            </a:r>
-          </a:p>
-          <a:p>
-            <a:pPr marL="342900" indent="-342900" algn="l">
-              <a:lnSpc>
-                <a:spcPct val="150000"/>
-              </a:lnSpc>
-              <a:buFont typeface="Arial" panose="020B0604020202020204" pitchFamily="34" charset="0"/>
-              <a:buChar char="•"/>
-            </a:pPr>
-            <a:r>
-              <a:rPr lang="en-US" dirty="0">
-                <a:latin typeface="Times New Roman" panose="02020603050405020304" pitchFamily="18" charset="0"/>
-                <a:cs typeface="Times New Roman" panose="02020603050405020304" pitchFamily="18" charset="0"/>
-              </a:rPr>
-              <a:t>This project demonstrates the development of a full-stack solution using modern technologies such as Spring Boot, Java, Kubernetes, and Jenkins. It also showcases the importance of testing in the development process, including unit testing and API testing.</a:t>
-            </a:r>
-          </a:p>
-          <a:p>
-            <a:pPr marL="342900" indent="-342900" algn="l">
-              <a:lnSpc>
-                <a:spcPct val="150000"/>
-              </a:lnSpc>
-              <a:buFont typeface="Arial" panose="020B0604020202020204" pitchFamily="34" charset="0"/>
-              <a:buChar char="•"/>
-            </a:pPr>
-            <a:r>
-              <a:rPr lang="en-US" dirty="0">
-                <a:latin typeface="Times New Roman" panose="02020603050405020304" pitchFamily="18" charset="0"/>
-                <a:cs typeface="Times New Roman" panose="02020603050405020304" pitchFamily="18" charset="0"/>
-              </a:rPr>
-              <a:t>Overall, this project provides a practical example of building a robust and secure web service that can be utilized in various industries, including human resources, payroll management, and employee performance evaluation</a:t>
-            </a:r>
+            <a:pPr algn="just">
+              <a:lnSpc>
+                <a:spcPct val="115000"/>
+              </a:lnSpc>
+            </a:pPr>
+            <a:r>
+              <a:rPr lang="en-IN" sz="2000" b="1" dirty="0">
+                <a:effectLst/>
+                <a:latin typeface="Times New Roman" panose="02020603050405020304" pitchFamily="18" charset="0"/>
+                <a:ea typeface="Arial" panose="020B0604020202020204" pitchFamily="34" charset="0"/>
+              </a:rPr>
+              <a:t>Kubernetes Instances</a:t>
+            </a:r>
+            <a:endParaRPr lang="en-IN" sz="1600" b="1" dirty="0">
+              <a:effectLst/>
+              <a:latin typeface="Arial" panose="020B0604020202020204" pitchFamily="34" charset="0"/>
+              <a:ea typeface="Arial" panose="020B0604020202020204" pitchFamily="34" charset="0"/>
+            </a:endParaRPr>
           </a:p>
         </p:txBody>
       </p:sp>
+      <p:pic>
+        <p:nvPicPr>
+          <p:cNvPr id="9" name="Picture 8">
+            <a:extLst>
+              <a:ext uri="{FF2B5EF4-FFF2-40B4-BE49-F238E27FC236}">
+                <a16:creationId xmlns:a16="http://schemas.microsoft.com/office/drawing/2014/main" id="{F372EF3E-A578-B44E-6F87-A88E584B0DFD}"/>
+              </a:ext>
+            </a:extLst>
+          </p:cNvPr>
+          <p:cNvPicPr>
+            <a:picLocks noChangeAspect="1"/>
+          </p:cNvPicPr>
+          <p:nvPr/>
+        </p:nvPicPr>
+        <p:blipFill>
+          <a:blip r:embed="rId4">
+            <a:extLst>
+              <a:ext uri="{28A0092B-C50C-407E-A947-70E740481C1C}">
+                <a14:useLocalDpi xmlns:a14="http://schemas.microsoft.com/office/drawing/2010/main" val="0"/>
+              </a:ext>
+            </a:extLst>
+          </a:blip>
+          <a:stretch>
+            <a:fillRect/>
+          </a:stretch>
+        </p:blipFill>
+        <p:spPr>
+          <a:xfrm>
+            <a:off x="871135" y="2052111"/>
+            <a:ext cx="9811254" cy="3568883"/>
+          </a:xfrm>
+          <a:prstGeom prst="rect">
+            <a:avLst/>
+          </a:prstGeom>
+        </p:spPr>
+      </p:pic>
     </p:spTree>
     <p:extLst>
       <p:ext uri="{BB962C8B-B14F-4D97-AF65-F5344CB8AC3E}">
-        <p14:creationId xmlns:p14="http://schemas.microsoft.com/office/powerpoint/2010/main" val="984102935"/>
+        <p14:creationId xmlns:p14="http://schemas.microsoft.com/office/powerpoint/2010/main" val="1566755304"/>
       </p:ext>
     </p:extLst>
   </p:cSld>
@@ -9900,17 +10352,17 @@
                 </a:solidFill>
                 <a:latin typeface="Times New Roman" panose="02020603050405020304" pitchFamily="18" charset="0"/>
               </a:rPr>
-              <a:t>Future Work</a:t>
+              <a:t>Deployment</a:t>
             </a:r>
           </a:p>
         </p:txBody>
       </p:sp>
       <p:sp>
         <p:nvSpPr>
-          <p:cNvPr id="3" name="TextBox 2">
-            <a:extLst>
-              <a:ext uri="{FF2B5EF4-FFF2-40B4-BE49-F238E27FC236}">
-                <a16:creationId xmlns:a16="http://schemas.microsoft.com/office/drawing/2014/main" id="{0619899A-31DA-FCDF-48CA-B2A307298A93}"/>
+          <p:cNvPr id="7" name="TextBox 6">
+            <a:extLst>
+              <a:ext uri="{FF2B5EF4-FFF2-40B4-BE49-F238E27FC236}">
+                <a16:creationId xmlns:a16="http://schemas.microsoft.com/office/drawing/2014/main" id="{4E34D14B-9278-1F90-25E3-1FABACE2AC59}"/>
               </a:ext>
             </a:extLst>
           </p:cNvPr>
@@ -9919,8 +10371,8 @@
         </p:nvSpPr>
         <p:spPr>
           <a:xfrm>
-            <a:off x="490220" y="1349647"/>
-            <a:ext cx="11473982" cy="5444054"/>
+            <a:off x="432468" y="1182384"/>
+            <a:ext cx="5026660" cy="417550"/>
           </a:xfrm>
           <a:prstGeom prst="rect">
             <a:avLst/>
@@ -9933,141 +10385,101 @@
           </a:bodyPr>
           <a:lstStyle/>
           <a:p>
-            <a:pPr algn="l">
-              <a:lnSpc>
-                <a:spcPct val="150000"/>
-              </a:lnSpc>
-            </a:pPr>
-            <a:r>
-              <a:rPr lang="en-US" dirty="0">
-                <a:latin typeface="Times New Roman" panose="02020603050405020304" pitchFamily="18" charset="0"/>
-                <a:cs typeface="Times New Roman" panose="02020603050405020304" pitchFamily="18" charset="0"/>
-              </a:rPr>
-              <a:t>While the Employee web service project is a comprehensive solution, there are several areas where it can be further improved and enhanced. Some of the future work that can be done on this project includes:</a:t>
-            </a:r>
-          </a:p>
-          <a:p>
-            <a:pPr algn="l">
-              <a:lnSpc>
-                <a:spcPct val="150000"/>
-              </a:lnSpc>
-            </a:pPr>
-            <a:endParaRPr lang="en-US" dirty="0">
-              <a:latin typeface="Times New Roman" panose="02020603050405020304" pitchFamily="18" charset="0"/>
-              <a:cs typeface="Times New Roman" panose="02020603050405020304" pitchFamily="18" charset="0"/>
-            </a:endParaRPr>
-          </a:p>
-          <a:p>
-            <a:pPr marL="285750" indent="-285750" algn="l">
-              <a:lnSpc>
-                <a:spcPct val="150000"/>
-              </a:lnSpc>
-              <a:buFont typeface="Wingdings" panose="05000000000000000000" pitchFamily="2" charset="2"/>
-              <a:buChar char="§"/>
-            </a:pPr>
-            <a:r>
-              <a:rPr lang="en-US" b="1" dirty="0">
-                <a:latin typeface="Times New Roman" panose="02020603050405020304" pitchFamily="18" charset="0"/>
-                <a:cs typeface="Times New Roman" panose="02020603050405020304" pitchFamily="18" charset="0"/>
-              </a:rPr>
-              <a:t>Authorization and Authentication</a:t>
-            </a:r>
-            <a:r>
-              <a:rPr lang="en-US" dirty="0">
-                <a:latin typeface="Times New Roman" panose="02020603050405020304" pitchFamily="18" charset="0"/>
-                <a:cs typeface="Times New Roman" panose="02020603050405020304" pitchFamily="18" charset="0"/>
-              </a:rPr>
-              <a:t>: Currently, the web service does not have any authorization or authentication mechanisms in place. Implementing authentication and authorization would improve the security of the service by ensuring that only authorized users can access sensitive employee data.</a:t>
-            </a:r>
-          </a:p>
-          <a:p>
-            <a:pPr marL="285750" indent="-285750" algn="l">
-              <a:lnSpc>
-                <a:spcPct val="150000"/>
-              </a:lnSpc>
-              <a:buFont typeface="Wingdings" panose="05000000000000000000" pitchFamily="2" charset="2"/>
-              <a:buChar char="§"/>
-            </a:pPr>
-            <a:r>
-              <a:rPr lang="en-US" b="1" dirty="0">
-                <a:latin typeface="Times New Roman" panose="02020603050405020304" pitchFamily="18" charset="0"/>
-                <a:cs typeface="Times New Roman" panose="02020603050405020304" pitchFamily="18" charset="0"/>
-              </a:rPr>
-              <a:t>Caching</a:t>
-            </a:r>
-            <a:r>
-              <a:rPr lang="en-US" dirty="0">
-                <a:latin typeface="Times New Roman" panose="02020603050405020304" pitchFamily="18" charset="0"/>
-                <a:cs typeface="Times New Roman" panose="02020603050405020304" pitchFamily="18" charset="0"/>
-              </a:rPr>
-              <a:t>: Caching can be added to the web service to improve the performance by reducing the number of database queries. This would help to reduce the response time and improve the scalability of the service.</a:t>
-            </a:r>
-          </a:p>
-          <a:p>
-            <a:pPr marL="285750" indent="-285750" algn="l">
-              <a:lnSpc>
-                <a:spcPct val="150000"/>
-              </a:lnSpc>
-              <a:buFont typeface="Wingdings" panose="05000000000000000000" pitchFamily="2" charset="2"/>
-              <a:buChar char="§"/>
-            </a:pPr>
-            <a:r>
-              <a:rPr lang="en-US" b="1" dirty="0">
-                <a:latin typeface="Times New Roman" panose="02020603050405020304" pitchFamily="18" charset="0"/>
-                <a:cs typeface="Times New Roman" panose="02020603050405020304" pitchFamily="18" charset="0"/>
-              </a:rPr>
-              <a:t>UI Development</a:t>
-            </a:r>
-            <a:r>
-              <a:rPr lang="en-US" dirty="0">
-                <a:latin typeface="Times New Roman" panose="02020603050405020304" pitchFamily="18" charset="0"/>
-                <a:cs typeface="Times New Roman" panose="02020603050405020304" pitchFamily="18" charset="0"/>
-              </a:rPr>
-              <a:t>: A user interface can be developed to provide a better user experience for querying employee data. This would allow users to interact with the web service more easily and efficiently.</a:t>
-            </a:r>
-          </a:p>
-          <a:p>
-            <a:pPr marL="285750" indent="-285750">
-              <a:lnSpc>
-                <a:spcPct val="150000"/>
-              </a:lnSpc>
-              <a:buFont typeface="Wingdings" panose="05000000000000000000" pitchFamily="2" charset="2"/>
-              <a:buChar char="§"/>
-            </a:pPr>
-            <a:r>
-              <a:rPr lang="en-US" b="1" dirty="0">
-                <a:latin typeface="Times New Roman" panose="02020603050405020304" pitchFamily="18" charset="0"/>
-                <a:cs typeface="Times New Roman" panose="02020603050405020304" pitchFamily="18" charset="0"/>
-              </a:rPr>
-              <a:t>More Advanced Encryption Techniques: </a:t>
-            </a:r>
-            <a:r>
-              <a:rPr lang="en-US" dirty="0">
-                <a:latin typeface="Times New Roman" panose="02020603050405020304" pitchFamily="18" charset="0"/>
-                <a:cs typeface="Times New Roman" panose="02020603050405020304" pitchFamily="18" charset="0"/>
-              </a:rPr>
-              <a:t>Currently, the web service encrypts sensitive data using AES-256. However, more advanced encryption techniques can be explored to improve the security of the service even further.</a:t>
-            </a:r>
-          </a:p>
-          <a:p>
-            <a:pPr marL="285750" indent="-285750" algn="l">
-              <a:lnSpc>
-                <a:spcPct val="150000"/>
-              </a:lnSpc>
-              <a:buFont typeface="Wingdings" panose="05000000000000000000" pitchFamily="2" charset="2"/>
-              <a:buChar char="§"/>
-            </a:pPr>
-            <a:endParaRPr lang="en-US" dirty="0">
-              <a:latin typeface="Times New Roman" panose="02020603050405020304" pitchFamily="18" charset="0"/>
-              <a:cs typeface="Times New Roman" panose="02020603050405020304" pitchFamily="18" charset="0"/>
+            <a:pPr algn="just">
+              <a:lnSpc>
+                <a:spcPct val="115000"/>
+              </a:lnSpc>
+            </a:pPr>
+            <a:r>
+              <a:rPr lang="en-IN" sz="2000" b="1" dirty="0">
+                <a:effectLst/>
+                <a:latin typeface="Times New Roman" panose="02020603050405020304" pitchFamily="18" charset="0"/>
+                <a:ea typeface="Arial" panose="020B0604020202020204" pitchFamily="34" charset="0"/>
+              </a:rPr>
+              <a:t>Jenkins Integration</a:t>
+            </a:r>
+            <a:endParaRPr lang="en-IN" sz="1600" b="1" dirty="0">
+              <a:effectLst/>
+              <a:latin typeface="Arial" panose="020B0604020202020204" pitchFamily="34" charset="0"/>
+              <a:ea typeface="Arial" panose="020B0604020202020204" pitchFamily="34" charset="0"/>
             </a:endParaRPr>
           </a:p>
         </p:txBody>
       </p:sp>
+      <p:pic>
+        <p:nvPicPr>
+          <p:cNvPr id="3" name="Picture 2">
+            <a:extLst>
+              <a:ext uri="{FF2B5EF4-FFF2-40B4-BE49-F238E27FC236}">
+                <a16:creationId xmlns:a16="http://schemas.microsoft.com/office/drawing/2014/main" id="{BA69D759-7658-C840-020A-5BDA4E7A0147}"/>
+              </a:ext>
+            </a:extLst>
+          </p:cNvPr>
+          <p:cNvPicPr>
+            <a:picLocks noChangeAspect="1"/>
+          </p:cNvPicPr>
+          <p:nvPr/>
+        </p:nvPicPr>
+        <p:blipFill rotWithShape="1">
+          <a:blip r:embed="rId4">
+            <a:extLst>
+              <a:ext uri="{28A0092B-C50C-407E-A947-70E740481C1C}">
+                <a14:useLocalDpi xmlns:a14="http://schemas.microsoft.com/office/drawing/2010/main" val="0"/>
+              </a:ext>
+            </a:extLst>
+          </a:blip>
+          <a:srcRect l="24331" t="7860" r="2780" b="5560"/>
+          <a:stretch/>
+        </p:blipFill>
+        <p:spPr>
+          <a:xfrm>
+            <a:off x="758037" y="1876926"/>
+            <a:ext cx="6075603" cy="4811207"/>
+          </a:xfrm>
+          <a:prstGeom prst="rect">
+            <a:avLst/>
+          </a:prstGeom>
+        </p:spPr>
+      </p:pic>
+      <p:pic>
+        <p:nvPicPr>
+          <p:cNvPr id="11" name="Picture 10">
+            <a:extLst>
+              <a:ext uri="{FF2B5EF4-FFF2-40B4-BE49-F238E27FC236}">
+                <a16:creationId xmlns:a16="http://schemas.microsoft.com/office/drawing/2014/main" id="{A5ED7E96-46F3-2808-0FF3-890465C53BEC}"/>
+              </a:ext>
+            </a:extLst>
+          </p:cNvPr>
+          <p:cNvPicPr>
+            <a:picLocks noChangeAspect="1"/>
+          </p:cNvPicPr>
+          <p:nvPr/>
+        </p:nvPicPr>
+        <p:blipFill rotWithShape="1">
+          <a:blip r:embed="rId5">
+            <a:extLst>
+              <a:ext uri="{28A0092B-C50C-407E-A947-70E740481C1C}">
+                <a14:useLocalDpi xmlns:a14="http://schemas.microsoft.com/office/drawing/2010/main" val="0"/>
+              </a:ext>
+            </a:extLst>
+          </a:blip>
+          <a:srcRect l="25714" t="7068" r="19643" b="8073"/>
+          <a:stretch/>
+        </p:blipFill>
+        <p:spPr>
+          <a:xfrm>
+            <a:off x="7048753" y="1909150"/>
+            <a:ext cx="4615995" cy="4778983"/>
+          </a:xfrm>
+          <a:prstGeom prst="rect">
+            <a:avLst/>
+          </a:prstGeom>
+        </p:spPr>
+      </p:pic>
     </p:spTree>
     <p:extLst>
       <p:ext uri="{BB962C8B-B14F-4D97-AF65-F5344CB8AC3E}">
-        <p14:creationId xmlns:p14="http://schemas.microsoft.com/office/powerpoint/2010/main" val="2343796108"/>
+        <p14:creationId xmlns:p14="http://schemas.microsoft.com/office/powerpoint/2010/main" val="2733072219"/>
       </p:ext>
     </p:extLst>
   </p:cSld>
@@ -10252,17 +10664,17 @@
                 </a:solidFill>
                 <a:latin typeface="Times New Roman" panose="02020603050405020304" pitchFamily="18" charset="0"/>
               </a:rPr>
-              <a:t>Future Work</a:t>
+              <a:t>Conclusion</a:t>
             </a:r>
           </a:p>
         </p:txBody>
       </p:sp>
       <p:sp>
         <p:nvSpPr>
-          <p:cNvPr id="3" name="TextBox 2">
-            <a:extLst>
-              <a:ext uri="{FF2B5EF4-FFF2-40B4-BE49-F238E27FC236}">
-                <a16:creationId xmlns:a16="http://schemas.microsoft.com/office/drawing/2014/main" id="{0619899A-31DA-FCDF-48CA-B2A307298A93}"/>
+          <p:cNvPr id="7" name="TextBox 6">
+            <a:extLst>
+              <a:ext uri="{FF2B5EF4-FFF2-40B4-BE49-F238E27FC236}">
+                <a16:creationId xmlns:a16="http://schemas.microsoft.com/office/drawing/2014/main" id="{B4E07FE1-E878-E386-9DF4-34E931415690}"/>
               </a:ext>
             </a:extLst>
           </p:cNvPr>
@@ -10271,8 +10683,8 @@
         </p:nvSpPr>
         <p:spPr>
           <a:xfrm>
-            <a:off x="490220" y="1349647"/>
-            <a:ext cx="11473982" cy="3371885"/>
+            <a:off x="490219" y="1349647"/>
+            <a:ext cx="11319977" cy="3366563"/>
           </a:xfrm>
           <a:prstGeom prst="rect">
             <a:avLst/>
@@ -10285,76 +10697,51 @@
           </a:bodyPr>
           <a:lstStyle/>
           <a:p>
-            <a:pPr marL="285750" indent="-285750" algn="l">
+            <a:pPr marL="342900" indent="-342900" algn="l">
               <a:lnSpc>
                 <a:spcPct val="150000"/>
               </a:lnSpc>
-              <a:buFont typeface="Wingdings" panose="05000000000000000000" pitchFamily="2" charset="2"/>
-              <a:buChar char="§"/>
-            </a:pPr>
-            <a:r>
-              <a:rPr lang="en-US" b="1" dirty="0">
-                <a:latin typeface="Times New Roman" panose="02020603050405020304" pitchFamily="18" charset="0"/>
-                <a:cs typeface="Times New Roman" panose="02020603050405020304" pitchFamily="18" charset="0"/>
-              </a:rPr>
-              <a:t>API Documentation</a:t>
-            </a:r>
+              <a:buFont typeface="Arial" panose="020B0604020202020204" pitchFamily="34" charset="0"/>
+              <a:buChar char="•"/>
+            </a:pPr>
             <a:r>
               <a:rPr lang="en-US" dirty="0">
                 <a:latin typeface="Times New Roman" panose="02020603050405020304" pitchFamily="18" charset="0"/>
                 <a:cs typeface="Times New Roman" panose="02020603050405020304" pitchFamily="18" charset="0"/>
               </a:rPr>
-              <a:t>: Providing comprehensive documentation for the web service API can make it easier for developers to understand and utilize the service. This can improve </a:t>
-            </a:r>
-          </a:p>
-          <a:p>
-            <a:pPr marL="285750" indent="-285750">
+              <a:t>In conclusion, the Employee web service project is a comprehensive solution that allows users to query employee records by ID, expose the web service as an HTTPS endpoint with a self-signed certificate, encrypt sensitive data, and containerize the service for deployment on Kubernetes.</a:t>
+            </a:r>
+          </a:p>
+          <a:p>
+            <a:pPr marL="342900" indent="-342900" algn="l">
               <a:lnSpc>
                 <a:spcPct val="150000"/>
               </a:lnSpc>
-              <a:buFont typeface="Wingdings" panose="05000000000000000000" pitchFamily="2" charset="2"/>
-              <a:buChar char="§"/>
-            </a:pPr>
-            <a:r>
-              <a:rPr lang="en-US" b="1" dirty="0">
-                <a:latin typeface="Times New Roman" panose="02020603050405020304" pitchFamily="18" charset="0"/>
-                <a:cs typeface="Times New Roman" panose="02020603050405020304" pitchFamily="18" charset="0"/>
-              </a:rPr>
-              <a:t>Public key infrastructure (PKI) and digital certificates</a:t>
-            </a:r>
+              <a:buFont typeface="Arial" panose="020B0604020202020204" pitchFamily="34" charset="0"/>
+              <a:buChar char="•"/>
+            </a:pPr>
             <a:r>
               <a:rPr lang="en-US" dirty="0">
                 <a:latin typeface="Times New Roman" panose="02020603050405020304" pitchFamily="18" charset="0"/>
                 <a:cs typeface="Times New Roman" panose="02020603050405020304" pitchFamily="18" charset="0"/>
               </a:rPr>
-              <a:t>: An alternative for SSL which can provide more robust and scalable security mechanisms. PKI can enable secure authentication and encryption of data in transit, and it can also provide a mechanism for verifying the identity of the server and clients.</a:t>
-            </a:r>
-          </a:p>
-          <a:p>
-            <a:pPr marL="285750" indent="-285750">
+              <a:t>This project demonstrates the development of a full-stack solution using modern technologies such as Spring Boot, Java, Kubernetes, and Jenkins. It also showcases the importance of testing in the development process, including unit testing and API testing.</a:t>
+            </a:r>
+          </a:p>
+          <a:p>
+            <a:pPr marL="342900" indent="-342900" algn="l">
               <a:lnSpc>
                 <a:spcPct val="150000"/>
               </a:lnSpc>
-              <a:buFont typeface="Wingdings" panose="05000000000000000000" pitchFamily="2" charset="2"/>
-              <a:buChar char="§"/>
-            </a:pPr>
-            <a:endParaRPr lang="en-US" dirty="0">
-              <a:latin typeface="Times New Roman" panose="02020603050405020304" pitchFamily="18" charset="0"/>
-              <a:cs typeface="Times New Roman" panose="02020603050405020304" pitchFamily="18" charset="0"/>
-            </a:endParaRPr>
-          </a:p>
-          <a:p>
-            <a:pPr>
-              <a:lnSpc>
-                <a:spcPct val="150000"/>
-              </a:lnSpc>
+              <a:buFont typeface="Arial" panose="020B0604020202020204" pitchFamily="34" charset="0"/>
+              <a:buChar char="•"/>
             </a:pPr>
             <a:r>
               <a:rPr lang="en-US" dirty="0">
                 <a:latin typeface="Times New Roman" panose="02020603050405020304" pitchFamily="18" charset="0"/>
                 <a:cs typeface="Times New Roman" panose="02020603050405020304" pitchFamily="18" charset="0"/>
               </a:rPr>
-              <a:t>Overall, these future work areas can enhance the functionality, usability, and scalability of the Employee web service, making it a more valuable tool for businesses and organizations.</a:t>
+              <a:t>Overall, this project provides a practical example of building a robust and secure web service that can be utilized in various industries, including human resources, payroll management, and employee performance evaluation</a:t>
             </a:r>
           </a:p>
         </p:txBody>
@@ -10362,7 +10749,7 @@
     </p:spTree>
     <p:extLst>
       <p:ext uri="{BB962C8B-B14F-4D97-AF65-F5344CB8AC3E}">
-        <p14:creationId xmlns:p14="http://schemas.microsoft.com/office/powerpoint/2010/main" val="2980498123"/>
+        <p14:creationId xmlns:p14="http://schemas.microsoft.com/office/powerpoint/2010/main" val="984102935"/>
       </p:ext>
     </p:extLst>
   </p:cSld>
@@ -10547,17 +10934,17 @@
                 </a:solidFill>
                 <a:latin typeface="Times New Roman" panose="02020603050405020304" pitchFamily="18" charset="0"/>
               </a:rPr>
-              <a:t>References</a:t>
+              <a:t>Future Work</a:t>
             </a:r>
           </a:p>
         </p:txBody>
       </p:sp>
       <p:sp>
         <p:nvSpPr>
-          <p:cNvPr id="10" name="TextBox 9">
-            <a:extLst>
-              <a:ext uri="{FF2B5EF4-FFF2-40B4-BE49-F238E27FC236}">
-                <a16:creationId xmlns:a16="http://schemas.microsoft.com/office/drawing/2014/main" id="{61206C2F-BDF5-071B-EC7C-A93066E34658}"/>
+          <p:cNvPr id="3" name="TextBox 2">
+            <a:extLst>
+              <a:ext uri="{FF2B5EF4-FFF2-40B4-BE49-F238E27FC236}">
+                <a16:creationId xmlns:a16="http://schemas.microsoft.com/office/drawing/2014/main" id="{0619899A-31DA-FCDF-48CA-B2A307298A93}"/>
               </a:ext>
             </a:extLst>
           </p:cNvPr>
@@ -10566,8 +10953,8 @@
         </p:nvSpPr>
         <p:spPr>
           <a:xfrm>
-            <a:off x="480593" y="1537969"/>
-            <a:ext cx="11579857" cy="4197559"/>
+            <a:off x="490220" y="1349647"/>
+            <a:ext cx="11473982" cy="5444054"/>
           </a:xfrm>
           <a:prstGeom prst="rect">
             <a:avLst/>
@@ -10578,222 +10965,143 @@
           <a:bodyPr wrap="square">
             <a:spAutoFit/>
           </a:bodyPr>
-          <a:lstStyle>
-            <a:defPPr>
-              <a:defRPr lang="en-US"/>
-            </a:defPPr>
-            <a:lvl1pPr>
+          <a:lstStyle/>
+          <a:p>
+            <a:pPr algn="l">
               <a:lnSpc>
                 <a:spcPct val="150000"/>
               </a:lnSpc>
-              <a:defRPr>
-                <a:latin typeface="Times New Roman" panose="02020603050405020304" pitchFamily="18" charset="0"/>
-                <a:cs typeface="Times New Roman" panose="02020603050405020304" pitchFamily="18" charset="0"/>
-              </a:defRPr>
-            </a:lvl1pPr>
-          </a:lstStyle>
-          <a:p>
-            <a:pPr marL="342900" indent="-342900">
-              <a:buFont typeface="+mj-lt"/>
-              <a:buAutoNum type="arabicPeriod"/>
-            </a:pPr>
-            <a:r>
-              <a:rPr lang="en-IN" dirty="0"/>
-              <a:t>Spring Boot Documentation: </a:t>
-            </a:r>
-            <a:r>
-              <a:rPr lang="en-IN" dirty="0">
-                <a:hlinkClick r:id="rId4"/>
-              </a:rPr>
-              <a:t>https://spring.io/projects/spring-boot</a:t>
-            </a:r>
-            <a:endParaRPr lang="en-IN" dirty="0"/>
-          </a:p>
-          <a:p>
-            <a:pPr marL="342900" indent="-342900">
-              <a:buFont typeface="+mj-lt"/>
-              <a:buAutoNum type="arabicPeriod"/>
-            </a:pPr>
-            <a:r>
-              <a:rPr lang="en-IN" dirty="0"/>
-              <a:t>Kubernetes Documentation: </a:t>
-            </a:r>
-            <a:r>
-              <a:rPr lang="en-IN" dirty="0">
-                <a:hlinkClick r:id="rId5"/>
-              </a:rPr>
-              <a:t>https://kubernetes.io/docs/home/</a:t>
-            </a:r>
-            <a:endParaRPr lang="en-IN" dirty="0"/>
-          </a:p>
-          <a:p>
-            <a:pPr marL="342900" indent="-342900">
-              <a:buFont typeface="+mj-lt"/>
-              <a:buAutoNum type="arabicPeriod"/>
-            </a:pPr>
-            <a:r>
-              <a:rPr lang="en-IN" dirty="0"/>
-              <a:t>Docker Documentation: </a:t>
-            </a:r>
-            <a:r>
-              <a:rPr lang="en-IN" dirty="0">
-                <a:hlinkClick r:id="rId6"/>
-              </a:rPr>
-              <a:t>https://docs.docker.com/</a:t>
-            </a:r>
-            <a:endParaRPr lang="en-IN" dirty="0"/>
-          </a:p>
-          <a:p>
-            <a:pPr marL="342900" indent="-342900">
-              <a:buFont typeface="+mj-lt"/>
-              <a:buAutoNum type="arabicPeriod"/>
-            </a:pPr>
-            <a:r>
-              <a:rPr lang="en-IN" dirty="0"/>
-              <a:t>OpenSSL Documentation: </a:t>
-            </a:r>
-            <a:r>
-              <a:rPr lang="en-IN" dirty="0">
-                <a:hlinkClick r:id="rId7"/>
-              </a:rPr>
-              <a:t>https://www.openssl.org/docs/</a:t>
-            </a:r>
-            <a:endParaRPr lang="en-IN" dirty="0"/>
-          </a:p>
-          <a:p>
-            <a:pPr marL="342900" indent="-342900">
-              <a:buFont typeface="+mj-lt"/>
-              <a:buAutoNum type="arabicPeriod"/>
-            </a:pPr>
-            <a:r>
-              <a:rPr lang="en-IN" dirty="0"/>
-              <a:t>Jenkins Documentation: </a:t>
-            </a:r>
-            <a:r>
-              <a:rPr lang="en-IN" dirty="0">
-                <a:hlinkClick r:id="rId8"/>
-              </a:rPr>
-              <a:t>https://www.jenkins.io/doc/</a:t>
-            </a:r>
-            <a:endParaRPr lang="en-IN" dirty="0"/>
-          </a:p>
-          <a:p>
-            <a:pPr marL="342900" indent="-342900">
-              <a:buFont typeface="+mj-lt"/>
-              <a:buAutoNum type="arabicPeriod"/>
-            </a:pPr>
-            <a:r>
-              <a:rPr lang="en-IN" dirty="0"/>
-              <a:t>Git Documentation: </a:t>
-            </a:r>
-            <a:r>
-              <a:rPr lang="en-IN" dirty="0">
-                <a:hlinkClick r:id="rId9"/>
-              </a:rPr>
-              <a:t>https://git-scm.com/doc</a:t>
-            </a:r>
-            <a:endParaRPr lang="en-IN" dirty="0"/>
+            </a:pPr>
+            <a:r>
+              <a:rPr lang="en-US" dirty="0">
+                <a:latin typeface="Times New Roman" panose="02020603050405020304" pitchFamily="18" charset="0"/>
+                <a:cs typeface="Times New Roman" panose="02020603050405020304" pitchFamily="18" charset="0"/>
+              </a:rPr>
+              <a:t>While the Employee web service project is a comprehensive solution, there are several areas where it can be further improved and enhanced. Some of the future work that can be done on this project includes:</a:t>
+            </a:r>
           </a:p>
           <a:p>
             <a:pPr algn="l">
-              <a:buFont typeface="+mj-lt"/>
-              <a:buAutoNum type="arabicPeriod"/>
-            </a:pPr>
-            <a:r>
-              <a:rPr lang="fr-FR" dirty="0"/>
-              <a:t>   MySQL Documentation: </a:t>
-            </a:r>
-            <a:r>
-              <a:rPr lang="fr-FR" b="0" i="0" u="sng" dirty="0">
-                <a:solidFill>
-                  <a:srgbClr val="D1D5DB"/>
-                </a:solidFill>
-                <a:effectLst/>
-                <a:hlinkClick r:id="rId10"/>
-              </a:rPr>
-              <a:t>https://dev.mysql.com/doc/</a:t>
-            </a:r>
-            <a:endParaRPr lang="fr-FR" b="0" i="0" dirty="0">
-              <a:solidFill>
-                <a:srgbClr val="D1D5DB"/>
-              </a:solidFill>
-              <a:effectLst/>
+              <a:lnSpc>
+                <a:spcPct val="150000"/>
+              </a:lnSpc>
+            </a:pPr>
+            <a:endParaRPr lang="en-US" dirty="0">
+              <a:latin typeface="Times New Roman" panose="02020603050405020304" pitchFamily="18" charset="0"/>
+              <a:cs typeface="Times New Roman" panose="02020603050405020304" pitchFamily="18" charset="0"/>
             </a:endParaRPr>
           </a:p>
           <a:p>
-            <a:pPr marL="342900" indent="-342900">
-              <a:buFont typeface="+mj-lt"/>
-              <a:buAutoNum type="arabicPeriod"/>
-            </a:pPr>
-            <a:r>
-              <a:rPr lang="en-IN" dirty="0"/>
-              <a:t>Postman Documentation: </a:t>
-            </a:r>
-            <a:r>
-              <a:rPr lang="en-IN" dirty="0">
-                <a:hlinkClick r:id="rId11"/>
-              </a:rPr>
-              <a:t>https://learning.postman.com/docs/getting-started/introduction/</a:t>
-            </a:r>
-            <a:endParaRPr lang="en-IN" dirty="0"/>
-          </a:p>
-          <a:p>
-            <a:pPr marL="342900" indent="-342900">
-              <a:buFont typeface="+mj-lt"/>
-              <a:buAutoNum type="arabicPeriod"/>
-            </a:pPr>
-            <a:r>
-              <a:rPr lang="en-IN" dirty="0" err="1"/>
-              <a:t>cURL</a:t>
-            </a:r>
-            <a:r>
-              <a:rPr lang="en-IN" dirty="0"/>
-              <a:t> Documentation</a:t>
-            </a:r>
-            <a:r>
-              <a:rPr lang="en-IN" b="0" i="0" dirty="0">
-                <a:solidFill>
-                  <a:srgbClr val="D1D5DB"/>
-                </a:solidFill>
-                <a:effectLst/>
-              </a:rPr>
-              <a:t>: </a:t>
-            </a:r>
-            <a:r>
-              <a:rPr lang="en-IN" b="0" i="0" u="sng" dirty="0">
-                <a:solidFill>
-                  <a:srgbClr val="D1D5DB"/>
-                </a:solidFill>
-                <a:effectLst/>
-                <a:hlinkClick r:id="rId12"/>
-              </a:rPr>
-              <a:t>https://curl.se/docs/</a:t>
-            </a:r>
-            <a:endParaRPr lang="en-IN" dirty="0"/>
-          </a:p>
-          <a:p>
-            <a:pPr marL="342900" indent="-342900">
-              <a:buFont typeface="+mj-lt"/>
-              <a:buAutoNum type="arabicPeriod"/>
-            </a:pPr>
-            <a:r>
-              <a:rPr lang="en-IN" dirty="0"/>
-              <a:t>Apache Tomcat Documentation: </a:t>
-            </a:r>
-            <a:r>
-              <a:rPr lang="en-IN" dirty="0">
-                <a:hlinkClick r:id="rId13"/>
-              </a:rPr>
-              <a:t>https://tomcat.apache.org/tomcat-9.0-doc/index.html</a:t>
-            </a:r>
-            <a:endParaRPr lang="en-IN" dirty="0"/>
+            <a:pPr marL="285750" indent="-285750" algn="l">
+              <a:lnSpc>
+                <a:spcPct val="150000"/>
+              </a:lnSpc>
+              <a:buFont typeface="Wingdings" panose="05000000000000000000" pitchFamily="2" charset="2"/>
+              <a:buChar char="§"/>
+            </a:pPr>
+            <a:r>
+              <a:rPr lang="en-US" b="1" dirty="0">
+                <a:latin typeface="Times New Roman" panose="02020603050405020304" pitchFamily="18" charset="0"/>
+                <a:cs typeface="Times New Roman" panose="02020603050405020304" pitchFamily="18" charset="0"/>
+              </a:rPr>
+              <a:t>Authorization and Authentication</a:t>
+            </a:r>
+            <a:r>
+              <a:rPr lang="en-US" dirty="0">
+                <a:latin typeface="Times New Roman" panose="02020603050405020304" pitchFamily="18" charset="0"/>
+                <a:cs typeface="Times New Roman" panose="02020603050405020304" pitchFamily="18" charset="0"/>
+              </a:rPr>
+              <a:t>: Currently, the web service does not have any authorization or authentication mechanisms in place. Implementing authentication and authorization would improve the security of the service by ensuring that only authorized users can access sensitive employee data.</a:t>
+            </a:r>
+          </a:p>
+          <a:p>
+            <a:pPr marL="285750" indent="-285750" algn="l">
+              <a:lnSpc>
+                <a:spcPct val="150000"/>
+              </a:lnSpc>
+              <a:buFont typeface="Wingdings" panose="05000000000000000000" pitchFamily="2" charset="2"/>
+              <a:buChar char="§"/>
+            </a:pPr>
+            <a:r>
+              <a:rPr lang="en-US" b="1" dirty="0">
+                <a:latin typeface="Times New Roman" panose="02020603050405020304" pitchFamily="18" charset="0"/>
+                <a:cs typeface="Times New Roman" panose="02020603050405020304" pitchFamily="18" charset="0"/>
+              </a:rPr>
+              <a:t>Caching</a:t>
+            </a:r>
+            <a:r>
+              <a:rPr lang="en-US" dirty="0">
+                <a:latin typeface="Times New Roman" panose="02020603050405020304" pitchFamily="18" charset="0"/>
+                <a:cs typeface="Times New Roman" panose="02020603050405020304" pitchFamily="18" charset="0"/>
+              </a:rPr>
+              <a:t>: Caching can be added to the web service to improve the performance by reducing the number of database queries. This would help to reduce the response time and improve the scalability of the service.</a:t>
+            </a:r>
+          </a:p>
+          <a:p>
+            <a:pPr marL="285750" indent="-285750" algn="l">
+              <a:lnSpc>
+                <a:spcPct val="150000"/>
+              </a:lnSpc>
+              <a:buFont typeface="Wingdings" panose="05000000000000000000" pitchFamily="2" charset="2"/>
+              <a:buChar char="§"/>
+            </a:pPr>
+            <a:r>
+              <a:rPr lang="en-US" b="1" dirty="0">
+                <a:latin typeface="Times New Roman" panose="02020603050405020304" pitchFamily="18" charset="0"/>
+                <a:cs typeface="Times New Roman" panose="02020603050405020304" pitchFamily="18" charset="0"/>
+              </a:rPr>
+              <a:t>UI Development</a:t>
+            </a:r>
+            <a:r>
+              <a:rPr lang="en-US" dirty="0">
+                <a:latin typeface="Times New Roman" panose="02020603050405020304" pitchFamily="18" charset="0"/>
+                <a:cs typeface="Times New Roman" panose="02020603050405020304" pitchFamily="18" charset="0"/>
+              </a:rPr>
+              <a:t>: A user interface can be developed to provide a better user experience for querying employee data. This would allow users to interact with the web service more easily and efficiently.</a:t>
+            </a:r>
+          </a:p>
+          <a:p>
+            <a:pPr marL="285750" indent="-285750">
+              <a:lnSpc>
+                <a:spcPct val="150000"/>
+              </a:lnSpc>
+              <a:buFont typeface="Wingdings" panose="05000000000000000000" pitchFamily="2" charset="2"/>
+              <a:buChar char="§"/>
+            </a:pPr>
+            <a:r>
+              <a:rPr lang="en-US" b="1" dirty="0">
+                <a:latin typeface="Times New Roman" panose="02020603050405020304" pitchFamily="18" charset="0"/>
+                <a:cs typeface="Times New Roman" panose="02020603050405020304" pitchFamily="18" charset="0"/>
+              </a:rPr>
+              <a:t>More Advanced Encryption Techniques: </a:t>
+            </a:r>
+            <a:r>
+              <a:rPr lang="en-US" dirty="0">
+                <a:latin typeface="Times New Roman" panose="02020603050405020304" pitchFamily="18" charset="0"/>
+                <a:cs typeface="Times New Roman" panose="02020603050405020304" pitchFamily="18" charset="0"/>
+              </a:rPr>
+              <a:t>Currently, the web service encrypts sensitive data using AES-256. However, more advanced encryption techniques can be explored to improve the security of the service even further.</a:t>
+            </a:r>
+          </a:p>
+          <a:p>
+            <a:pPr marL="285750" indent="-285750" algn="l">
+              <a:lnSpc>
+                <a:spcPct val="150000"/>
+              </a:lnSpc>
+              <a:buFont typeface="Wingdings" panose="05000000000000000000" pitchFamily="2" charset="2"/>
+              <a:buChar char="§"/>
+            </a:pPr>
+            <a:endParaRPr lang="en-US" dirty="0">
+              <a:latin typeface="Times New Roman" panose="02020603050405020304" pitchFamily="18" charset="0"/>
+              <a:cs typeface="Times New Roman" panose="02020603050405020304" pitchFamily="18" charset="0"/>
+            </a:endParaRPr>
           </a:p>
         </p:txBody>
       </p:sp>
     </p:spTree>
     <p:extLst>
       <p:ext uri="{BB962C8B-B14F-4D97-AF65-F5344CB8AC3E}">
-        <p14:creationId xmlns:p14="http://schemas.microsoft.com/office/powerpoint/2010/main" val="1694362061"/>
+        <p14:creationId xmlns:p14="http://schemas.microsoft.com/office/powerpoint/2010/main" val="2343796108"/>
       </p:ext>
     </p:extLst>
   </p:cSld>
@@ -11032,7 +11340,7 @@
                 <a:latin typeface="Times New Roman" panose="02020603050405020304" pitchFamily="18" charset="0"/>
                 <a:cs typeface="Times New Roman" panose="02020603050405020304" pitchFamily="18" charset="0"/>
               </a:rPr>
-              <a:t>In this project we are developing a secure web service for retrieving employee data that ensures confidentiality and integrity of the data while maintaining availability to authorized users.</a:t>
+              <a:t>In this project we have developed a secure web service for retrieving employee data that ensures confidentiality and integrity of the data while maintaining availability to authorized users.</a:t>
             </a:r>
           </a:p>
         </p:txBody>
@@ -11276,17 +11584,17 @@
                 </a:solidFill>
                 <a:latin typeface="Times New Roman" panose="02020603050405020304" pitchFamily="18" charset="0"/>
               </a:rPr>
-              <a:t>Appendices</a:t>
+              <a:t>Future Work</a:t>
             </a:r>
           </a:p>
         </p:txBody>
       </p:sp>
       <p:sp>
         <p:nvSpPr>
-          <p:cNvPr id="7" name="TextBox 6">
-            <a:extLst>
-              <a:ext uri="{FF2B5EF4-FFF2-40B4-BE49-F238E27FC236}">
-                <a16:creationId xmlns:a16="http://schemas.microsoft.com/office/drawing/2014/main" id="{1A521886-A1DC-C1EC-6392-5263384F6C69}"/>
+          <p:cNvPr id="3" name="TextBox 2">
+            <a:extLst>
+              <a:ext uri="{FF2B5EF4-FFF2-40B4-BE49-F238E27FC236}">
+                <a16:creationId xmlns:a16="http://schemas.microsoft.com/office/drawing/2014/main" id="{0619899A-31DA-FCDF-48CA-B2A307298A93}"/>
               </a:ext>
             </a:extLst>
           </p:cNvPr>
@@ -11295,8 +11603,8 @@
         </p:nvSpPr>
         <p:spPr>
           <a:xfrm>
-            <a:off x="490219" y="1349647"/>
-            <a:ext cx="11254739" cy="5203412"/>
+            <a:off x="490220" y="1349647"/>
+            <a:ext cx="11473982" cy="3371885"/>
           </a:xfrm>
           <a:prstGeom prst="rect">
             <a:avLst/>
@@ -11309,121 +11617,58 @@
           </a:bodyPr>
           <a:lstStyle/>
           <a:p>
-            <a:pPr algn="just">
-              <a:lnSpc>
-                <a:spcPct val="115000"/>
-              </a:lnSpc>
-            </a:pPr>
-            <a:r>
-              <a:rPr lang="en-US" sz="2000" b="1" dirty="0">
-                <a:latin typeface="Times New Roman" panose="02020603050405020304" pitchFamily="18" charset="0"/>
-                <a:cs typeface="Times New Roman" panose="02020603050405020304" pitchFamily="18" charset="0"/>
-              </a:rPr>
-              <a:t>Employee Table Creation SQL Query :</a:t>
-            </a:r>
-          </a:p>
-          <a:p>
-            <a:pPr algn="just">
-              <a:lnSpc>
-                <a:spcPct val="115000"/>
-              </a:lnSpc>
-            </a:pPr>
-            <a:endParaRPr lang="en-US" sz="2000" b="1" dirty="0">
-              <a:latin typeface="Times New Roman" panose="02020603050405020304" pitchFamily="18" charset="0"/>
-              <a:cs typeface="Times New Roman" panose="02020603050405020304" pitchFamily="18" charset="0"/>
-            </a:endParaRPr>
-          </a:p>
-          <a:p>
-            <a:pPr marL="285750" indent="-285750" algn="just">
-              <a:lnSpc>
-                <a:spcPct val="115000"/>
-              </a:lnSpc>
-              <a:buFont typeface="Arial" panose="020B0604020202020204" pitchFamily="34" charset="0"/>
-              <a:buChar char="•"/>
-            </a:pPr>
+            <a:pPr marL="285750" indent="-285750" algn="l">
+              <a:lnSpc>
+                <a:spcPct val="150000"/>
+              </a:lnSpc>
+              <a:buFont typeface="Wingdings" panose="05000000000000000000" pitchFamily="2" charset="2"/>
+              <a:buChar char="§"/>
+            </a:pPr>
+            <a:r>
+              <a:rPr lang="en-US" b="1" dirty="0">
+                <a:latin typeface="Times New Roman" panose="02020603050405020304" pitchFamily="18" charset="0"/>
+                <a:cs typeface="Times New Roman" panose="02020603050405020304" pitchFamily="18" charset="0"/>
+              </a:rPr>
+              <a:t>API Documentation</a:t>
+            </a:r>
             <a:r>
               <a:rPr lang="en-US" dirty="0">
                 <a:latin typeface="Times New Roman" panose="02020603050405020304" pitchFamily="18" charset="0"/>
                 <a:cs typeface="Times New Roman" panose="02020603050405020304" pitchFamily="18" charset="0"/>
               </a:rPr>
-              <a:t>create table Employee (	</a:t>
-            </a:r>
-            <a:r>
-              <a:rPr lang="en-US" dirty="0" err="1">
-                <a:latin typeface="Times New Roman" panose="02020603050405020304" pitchFamily="18" charset="0"/>
-                <a:cs typeface="Times New Roman" panose="02020603050405020304" pitchFamily="18" charset="0"/>
-              </a:rPr>
-              <a:t>employee_id</a:t>
+              <a:t>: Providing comprehensive documentation for the web service API can make it easier for developers to understand and utilize the service. This can improve </a:t>
+            </a:r>
+          </a:p>
+          <a:p>
+            <a:pPr marL="285750" indent="-285750">
+              <a:lnSpc>
+                <a:spcPct val="150000"/>
+              </a:lnSpc>
+              <a:buFont typeface="Wingdings" panose="05000000000000000000" pitchFamily="2" charset="2"/>
+              <a:buChar char="§"/>
+            </a:pPr>
+            <a:r>
+              <a:rPr lang="en-US" b="1" dirty="0">
+                <a:latin typeface="Times New Roman" panose="02020603050405020304" pitchFamily="18" charset="0"/>
+                <a:cs typeface="Times New Roman" panose="02020603050405020304" pitchFamily="18" charset="0"/>
+              </a:rPr>
+              <a:t>Public key infrastructure (PKI) and digital certificates</a:t>
             </a:r>
             <a:r>
               <a:rPr lang="en-US" dirty="0">
                 <a:latin typeface="Times New Roman" panose="02020603050405020304" pitchFamily="18" charset="0"/>
                 <a:cs typeface="Times New Roman" panose="02020603050405020304" pitchFamily="18" charset="0"/>
               </a:rPr>
-              <a:t> int PRIMARY KEY AUTO_INCREMENT,</a:t>
-            </a:r>
-          </a:p>
-          <a:p>
-            <a:pPr algn="just">
-              <a:lnSpc>
-                <a:spcPct val="115000"/>
-              </a:lnSpc>
-            </a:pPr>
-            <a:r>
-              <a:rPr lang="en-US" dirty="0">
-                <a:latin typeface="Times New Roman" panose="02020603050405020304" pitchFamily="18" charset="0"/>
-                <a:cs typeface="Times New Roman" panose="02020603050405020304" pitchFamily="18" charset="0"/>
-              </a:rPr>
-              <a:t>			</a:t>
-            </a:r>
-            <a:r>
-              <a:rPr lang="en-US" dirty="0" err="1">
-                <a:latin typeface="Times New Roman" panose="02020603050405020304" pitchFamily="18" charset="0"/>
-                <a:cs typeface="Times New Roman" panose="02020603050405020304" pitchFamily="18" charset="0"/>
-              </a:rPr>
-              <a:t>employee_name</a:t>
-            </a:r>
-            <a:r>
-              <a:rPr lang="en-US" dirty="0">
-                <a:latin typeface="Times New Roman" panose="02020603050405020304" pitchFamily="18" charset="0"/>
-                <a:cs typeface="Times New Roman" panose="02020603050405020304" pitchFamily="18" charset="0"/>
-              </a:rPr>
-              <a:t> VARCHAR(255),   </a:t>
-            </a:r>
-          </a:p>
-          <a:p>
-            <a:pPr algn="just">
-              <a:lnSpc>
-                <a:spcPct val="115000"/>
-              </a:lnSpc>
-            </a:pPr>
-            <a:r>
-              <a:rPr lang="en-US" dirty="0">
-                <a:latin typeface="Times New Roman" panose="02020603050405020304" pitchFamily="18" charset="0"/>
-                <a:cs typeface="Times New Roman" panose="02020603050405020304" pitchFamily="18" charset="0"/>
-              </a:rPr>
-              <a:t>			</a:t>
-            </a:r>
-            <a:r>
-              <a:rPr lang="en-US" dirty="0" err="1">
-                <a:latin typeface="Times New Roman" panose="02020603050405020304" pitchFamily="18" charset="0"/>
-                <a:cs typeface="Times New Roman" panose="02020603050405020304" pitchFamily="18" charset="0"/>
-              </a:rPr>
-              <a:t>date_of_birth</a:t>
-            </a:r>
-            <a:r>
-              <a:rPr lang="en-US" dirty="0">
-                <a:latin typeface="Times New Roman" panose="02020603050405020304" pitchFamily="18" charset="0"/>
-                <a:cs typeface="Times New Roman" panose="02020603050405020304" pitchFamily="18" charset="0"/>
-              </a:rPr>
-              <a:t> DATE     );</a:t>
-            </a:r>
-          </a:p>
-          <a:p>
-            <a:pPr algn="just">
-              <a:lnSpc>
-                <a:spcPct val="115000"/>
-              </a:lnSpc>
+              <a:t>: An alternative for SSL which can provide more robust and scalable security mechanisms. PKI can enable secure authentication and encryption of data in transit, and it can also provide a mechanism for verifying the identity of the server and clients.</a:t>
+            </a:r>
+          </a:p>
+          <a:p>
+            <a:pPr marL="285750" indent="-285750">
+              <a:lnSpc>
+                <a:spcPct val="150000"/>
+              </a:lnSpc>
+              <a:buFont typeface="Wingdings" panose="05000000000000000000" pitchFamily="2" charset="2"/>
+              <a:buChar char="§"/>
             </a:pPr>
             <a:endParaRPr lang="en-US" dirty="0">
               <a:latin typeface="Times New Roman" panose="02020603050405020304" pitchFamily="18" charset="0"/>
@@ -11431,176 +11676,25 @@
             </a:endParaRPr>
           </a:p>
           <a:p>
-            <a:pPr algn="just">
-              <a:lnSpc>
-                <a:spcPct val="115000"/>
-              </a:lnSpc>
-            </a:pPr>
-            <a:r>
-              <a:rPr lang="en-US" sz="2000" b="1" dirty="0">
-                <a:latin typeface="Times New Roman" panose="02020603050405020304" pitchFamily="18" charset="0"/>
-                <a:cs typeface="Times New Roman" panose="02020603050405020304" pitchFamily="18" charset="0"/>
-              </a:rPr>
-              <a:t>Employee Table Insertion SQL Query:</a:t>
-            </a:r>
-          </a:p>
-          <a:p>
-            <a:pPr marL="342900" indent="-342900" algn="just">
-              <a:lnSpc>
-                <a:spcPct val="115000"/>
-              </a:lnSpc>
-              <a:buFont typeface="Arial" panose="020B0604020202020204" pitchFamily="34" charset="0"/>
-              <a:buChar char="•"/>
+            <a:pPr>
+              <a:lnSpc>
+                <a:spcPct val="150000"/>
+              </a:lnSpc>
             </a:pPr>
             <a:r>
               <a:rPr lang="en-US" dirty="0">
                 <a:latin typeface="Times New Roman" panose="02020603050405020304" pitchFamily="18" charset="0"/>
                 <a:cs typeface="Times New Roman" panose="02020603050405020304" pitchFamily="18" charset="0"/>
               </a:rPr>
-              <a:t>insert into employee ( </a:t>
-            </a:r>
-            <a:r>
-              <a:rPr lang="en-US" dirty="0" err="1">
-                <a:latin typeface="Times New Roman" panose="02020603050405020304" pitchFamily="18" charset="0"/>
-                <a:cs typeface="Times New Roman" panose="02020603050405020304" pitchFamily="18" charset="0"/>
-              </a:rPr>
-              <a:t>employee_name</a:t>
-            </a:r>
-            <a:r>
-              <a:rPr lang="en-US" dirty="0">
-                <a:latin typeface="Times New Roman" panose="02020603050405020304" pitchFamily="18" charset="0"/>
-                <a:cs typeface="Times New Roman" panose="02020603050405020304" pitchFamily="18" charset="0"/>
-              </a:rPr>
-              <a:t>, </a:t>
-            </a:r>
-            <a:r>
-              <a:rPr lang="en-US" dirty="0" err="1">
-                <a:latin typeface="Times New Roman" panose="02020603050405020304" pitchFamily="18" charset="0"/>
-                <a:cs typeface="Times New Roman" panose="02020603050405020304" pitchFamily="18" charset="0"/>
-              </a:rPr>
-              <a:t>date_of_birth</a:t>
-            </a:r>
-            <a:r>
-              <a:rPr lang="en-US" dirty="0">
-                <a:latin typeface="Times New Roman" panose="02020603050405020304" pitchFamily="18" charset="0"/>
-                <a:cs typeface="Times New Roman" panose="02020603050405020304" pitchFamily="18" charset="0"/>
-              </a:rPr>
-              <a:t>) values ('Bharath Kumar', '1999-03-27’),</a:t>
-            </a:r>
-          </a:p>
-          <a:p>
-            <a:pPr algn="just">
-              <a:lnSpc>
-                <a:spcPct val="115000"/>
-              </a:lnSpc>
-            </a:pPr>
-            <a:r>
-              <a:rPr lang="en-US" dirty="0">
-                <a:latin typeface="Times New Roman" panose="02020603050405020304" pitchFamily="18" charset="0"/>
-                <a:cs typeface="Times New Roman" panose="02020603050405020304" pitchFamily="18" charset="0"/>
-              </a:rPr>
-              <a:t>						          ('Naveen Goud', '2000-09-14’),</a:t>
-            </a:r>
-          </a:p>
-          <a:p>
-            <a:pPr algn="just">
-              <a:lnSpc>
-                <a:spcPct val="115000"/>
-              </a:lnSpc>
-            </a:pPr>
-            <a:r>
-              <a:rPr lang="en-US" dirty="0">
-                <a:latin typeface="Times New Roman" panose="02020603050405020304" pitchFamily="18" charset="0"/>
-                <a:cs typeface="Times New Roman" panose="02020603050405020304" pitchFamily="18" charset="0"/>
-              </a:rPr>
-              <a:t>						          ('Praveen Kumar', '2001-03-01’),</a:t>
-            </a:r>
-          </a:p>
-          <a:p>
-            <a:pPr algn="just">
-              <a:lnSpc>
-                <a:spcPct val="115000"/>
-              </a:lnSpc>
-            </a:pPr>
-            <a:r>
-              <a:rPr lang="en-US" dirty="0">
-                <a:latin typeface="Times New Roman" panose="02020603050405020304" pitchFamily="18" charset="0"/>
-                <a:cs typeface="Times New Roman" panose="02020603050405020304" pitchFamily="18" charset="0"/>
-              </a:rPr>
-              <a:t>						          ('Ajay Kumar', '1995-12-14’),</a:t>
-            </a:r>
-          </a:p>
-          <a:p>
-            <a:pPr algn="just">
-              <a:lnSpc>
-                <a:spcPct val="115000"/>
-              </a:lnSpc>
-            </a:pPr>
-            <a:r>
-              <a:rPr lang="en-US" dirty="0">
-                <a:latin typeface="Times New Roman" panose="02020603050405020304" pitchFamily="18" charset="0"/>
-                <a:cs typeface="Times New Roman" panose="02020603050405020304" pitchFamily="18" charset="0"/>
-              </a:rPr>
-              <a:t>						           ('</a:t>
-            </a:r>
-            <a:r>
-              <a:rPr lang="en-US" dirty="0" err="1">
-                <a:latin typeface="Times New Roman" panose="02020603050405020304" pitchFamily="18" charset="0"/>
-                <a:cs typeface="Times New Roman" panose="02020603050405020304" pitchFamily="18" charset="0"/>
-              </a:rPr>
-              <a:t>Hasini</a:t>
-            </a:r>
-            <a:r>
-              <a:rPr lang="en-US" dirty="0">
-                <a:latin typeface="Times New Roman" panose="02020603050405020304" pitchFamily="18" charset="0"/>
-                <a:cs typeface="Times New Roman" panose="02020603050405020304" pitchFamily="18" charset="0"/>
-              </a:rPr>
-              <a:t>', '2000-05-24’),							 		            ('Venkat Reddy', '1997-05-17’),</a:t>
-            </a:r>
-          </a:p>
-          <a:p>
-            <a:pPr algn="just">
-              <a:lnSpc>
-                <a:spcPct val="115000"/>
-              </a:lnSpc>
-            </a:pPr>
-            <a:r>
-              <a:rPr lang="en-US" dirty="0">
-                <a:latin typeface="Times New Roman" panose="02020603050405020304" pitchFamily="18" charset="0"/>
-                <a:cs typeface="Times New Roman" panose="02020603050405020304" pitchFamily="18" charset="0"/>
-              </a:rPr>
-              <a:t>                                                                                                            ('Sai Boora', '1998-06-06);</a:t>
-            </a:r>
-          </a:p>
-          <a:p>
-            <a:pPr algn="just">
-              <a:lnSpc>
-                <a:spcPct val="115000"/>
-              </a:lnSpc>
-            </a:pPr>
-            <a:endParaRPr lang="en-US" dirty="0">
-              <a:latin typeface="Times New Roman" panose="02020603050405020304" pitchFamily="18" charset="0"/>
-              <a:cs typeface="Times New Roman" panose="02020603050405020304" pitchFamily="18" charset="0"/>
-            </a:endParaRPr>
-          </a:p>
-          <a:p>
-            <a:pPr algn="just">
-              <a:lnSpc>
-                <a:spcPct val="115000"/>
-              </a:lnSpc>
-            </a:pPr>
-            <a:endParaRPr lang="en-IN" sz="1400" dirty="0">
-              <a:effectLst/>
-              <a:latin typeface="Arial" panose="020B0604020202020204" pitchFamily="34" charset="0"/>
-              <a:ea typeface="Arial" panose="020B0604020202020204" pitchFamily="34" charset="0"/>
-            </a:endParaRPr>
+              <a:t>Overall, these future work areas can enhance the functionality, usability, and scalability of the Employee web service, making it a more valuable tool for businesses and organizations.</a:t>
+            </a:r>
           </a:p>
         </p:txBody>
       </p:sp>
     </p:spTree>
     <p:extLst>
       <p:ext uri="{BB962C8B-B14F-4D97-AF65-F5344CB8AC3E}">
-        <p14:creationId xmlns:p14="http://schemas.microsoft.com/office/powerpoint/2010/main" val="2714149063"/>
+        <p14:creationId xmlns:p14="http://schemas.microsoft.com/office/powerpoint/2010/main" val="2980498123"/>
       </p:ext>
     </p:extLst>
   </p:cSld>
@@ -11785,17 +11879,17 @@
                 </a:solidFill>
                 <a:latin typeface="Times New Roman" panose="02020603050405020304" pitchFamily="18" charset="0"/>
               </a:rPr>
-              <a:t>Appendices</a:t>
+              <a:t>References</a:t>
             </a:r>
           </a:p>
         </p:txBody>
       </p:sp>
       <p:sp>
         <p:nvSpPr>
-          <p:cNvPr id="7" name="TextBox 6">
-            <a:extLst>
-              <a:ext uri="{FF2B5EF4-FFF2-40B4-BE49-F238E27FC236}">
-                <a16:creationId xmlns:a16="http://schemas.microsoft.com/office/drawing/2014/main" id="{1A521886-A1DC-C1EC-6392-5263384F6C69}"/>
+          <p:cNvPr id="10" name="TextBox 9">
+            <a:extLst>
+              <a:ext uri="{FF2B5EF4-FFF2-40B4-BE49-F238E27FC236}">
+                <a16:creationId xmlns:a16="http://schemas.microsoft.com/office/drawing/2014/main" id="{61206C2F-BDF5-071B-EC7C-A93066E34658}"/>
               </a:ext>
             </a:extLst>
           </p:cNvPr>
@@ -11804,8 +11898,8 @@
         </p:nvSpPr>
         <p:spPr>
           <a:xfrm>
-            <a:off x="490219" y="1349647"/>
-            <a:ext cx="11346179" cy="417550"/>
+            <a:off x="480593" y="1537969"/>
+            <a:ext cx="11579857" cy="4197559"/>
           </a:xfrm>
           <a:prstGeom prst="rect">
             <a:avLst/>
@@ -11816,68 +11910,222 @@
           <a:bodyPr wrap="square">
             <a:spAutoFit/>
           </a:bodyPr>
-          <a:lstStyle/>
-          <a:p>
-            <a:pPr algn="just">
-              <a:lnSpc>
-                <a:spcPct val="115000"/>
-              </a:lnSpc>
-            </a:pPr>
-            <a:r>
-              <a:rPr lang="en-IN" sz="2000" b="1" dirty="0">
+          <a:lstStyle>
+            <a:defPPr>
+              <a:defRPr lang="en-US"/>
+            </a:defPPr>
+            <a:lvl1pPr>
+              <a:lnSpc>
+                <a:spcPct val="150000"/>
+              </a:lnSpc>
+              <a:defRPr>
+                <a:latin typeface="Times New Roman" panose="02020603050405020304" pitchFamily="18" charset="0"/>
+                <a:cs typeface="Times New Roman" panose="02020603050405020304" pitchFamily="18" charset="0"/>
+              </a:defRPr>
+            </a:lvl1pPr>
+          </a:lstStyle>
+          <a:p>
+            <a:pPr marL="342900" indent="-342900">
+              <a:buFont typeface="+mj-lt"/>
+              <a:buAutoNum type="arabicPeriod"/>
+            </a:pPr>
+            <a:r>
+              <a:rPr lang="en-IN" dirty="0"/>
+              <a:t>Spring Boot Documentation: </a:t>
+            </a:r>
+            <a:r>
+              <a:rPr lang="en-IN" dirty="0">
+                <a:hlinkClick r:id="rId4"/>
+              </a:rPr>
+              <a:t>https://spring.io/projects/spring-boot</a:t>
+            </a:r>
+            <a:endParaRPr lang="en-IN" dirty="0"/>
+          </a:p>
+          <a:p>
+            <a:pPr marL="342900" indent="-342900">
+              <a:buFont typeface="+mj-lt"/>
+              <a:buAutoNum type="arabicPeriod"/>
+            </a:pPr>
+            <a:r>
+              <a:rPr lang="en-IN" dirty="0"/>
+              <a:t>Kubernetes Documentation: </a:t>
+            </a:r>
+            <a:r>
+              <a:rPr lang="en-IN" dirty="0">
+                <a:hlinkClick r:id="rId5"/>
+              </a:rPr>
+              <a:t>https://kubernetes.io/docs/home/</a:t>
+            </a:r>
+            <a:endParaRPr lang="en-IN" dirty="0"/>
+          </a:p>
+          <a:p>
+            <a:pPr marL="342900" indent="-342900">
+              <a:buFont typeface="+mj-lt"/>
+              <a:buAutoNum type="arabicPeriod"/>
+            </a:pPr>
+            <a:r>
+              <a:rPr lang="en-IN" dirty="0"/>
+              <a:t>Docker Documentation: </a:t>
+            </a:r>
+            <a:r>
+              <a:rPr lang="en-IN" dirty="0">
+                <a:hlinkClick r:id="rId6"/>
+              </a:rPr>
+              <a:t>https://docs.docker.com/</a:t>
+            </a:r>
+            <a:endParaRPr lang="en-IN" dirty="0"/>
+          </a:p>
+          <a:p>
+            <a:pPr marL="342900" indent="-342900">
+              <a:buFont typeface="+mj-lt"/>
+              <a:buAutoNum type="arabicPeriod"/>
+            </a:pPr>
+            <a:r>
+              <a:rPr lang="en-IN" dirty="0"/>
+              <a:t>OpenSSL Documentation: </a:t>
+            </a:r>
+            <a:r>
+              <a:rPr lang="en-IN" dirty="0">
+                <a:hlinkClick r:id="rId7"/>
+              </a:rPr>
+              <a:t>https://www.openssl.org/docs/</a:t>
+            </a:r>
+            <a:endParaRPr lang="en-IN" dirty="0"/>
+          </a:p>
+          <a:p>
+            <a:pPr marL="342900" indent="-342900">
+              <a:buFont typeface="+mj-lt"/>
+              <a:buAutoNum type="arabicPeriod"/>
+            </a:pPr>
+            <a:r>
+              <a:rPr lang="en-IN" dirty="0"/>
+              <a:t>Jenkins Documentation: </a:t>
+            </a:r>
+            <a:r>
+              <a:rPr lang="en-IN" dirty="0">
+                <a:hlinkClick r:id="rId8"/>
+              </a:rPr>
+              <a:t>https://www.jenkins.io/doc/</a:t>
+            </a:r>
+            <a:endParaRPr lang="en-IN" dirty="0"/>
+          </a:p>
+          <a:p>
+            <a:pPr marL="342900" indent="-342900">
+              <a:buFont typeface="+mj-lt"/>
+              <a:buAutoNum type="arabicPeriod"/>
+            </a:pPr>
+            <a:r>
+              <a:rPr lang="en-IN" dirty="0"/>
+              <a:t>Git Documentation: </a:t>
+            </a:r>
+            <a:r>
+              <a:rPr lang="en-IN" dirty="0">
+                <a:hlinkClick r:id="rId9"/>
+              </a:rPr>
+              <a:t>https://git-scm.com/doc</a:t>
+            </a:r>
+            <a:endParaRPr lang="en-IN" dirty="0"/>
+          </a:p>
+          <a:p>
+            <a:pPr algn="l">
+              <a:buFont typeface="+mj-lt"/>
+              <a:buAutoNum type="arabicPeriod"/>
+            </a:pPr>
+            <a:r>
+              <a:rPr lang="fr-FR" dirty="0"/>
+              <a:t>   MySQL Documentation: </a:t>
+            </a:r>
+            <a:r>
+              <a:rPr lang="fr-FR" b="0" i="0" u="sng" dirty="0">
+                <a:solidFill>
+                  <a:srgbClr val="D1D5DB"/>
+                </a:solidFill>
                 <a:effectLst/>
-                <a:latin typeface="Times New Roman" panose="02020603050405020304" pitchFamily="18" charset="0"/>
-                <a:ea typeface="Arial" panose="020B0604020202020204" pitchFamily="34" charset="0"/>
-              </a:rPr>
-              <a:t>Displaying Invalid Employee Error Message :</a:t>
-            </a:r>
-            <a:endParaRPr lang="en-IN" sz="1400" b="1" dirty="0">
+                <a:hlinkClick r:id="rId10"/>
+              </a:rPr>
+              <a:t>https://dev.mysql.com/doc/</a:t>
+            </a:r>
+            <a:endParaRPr lang="fr-FR" b="0" i="0" dirty="0">
+              <a:solidFill>
+                <a:srgbClr val="D1D5DB"/>
+              </a:solidFill>
               <a:effectLst/>
-              <a:latin typeface="Arial" panose="020B0604020202020204" pitchFamily="34" charset="0"/>
-              <a:ea typeface="Arial" panose="020B0604020202020204" pitchFamily="34" charset="0"/>
             </a:endParaRPr>
+          </a:p>
+          <a:p>
+            <a:pPr marL="342900" indent="-342900">
+              <a:buFont typeface="+mj-lt"/>
+              <a:buAutoNum type="arabicPeriod"/>
+            </a:pPr>
+            <a:r>
+              <a:rPr lang="en-IN" dirty="0"/>
+              <a:t>Postman Documentation: </a:t>
+            </a:r>
+            <a:r>
+              <a:rPr lang="en-IN" dirty="0">
+                <a:hlinkClick r:id="rId11"/>
+              </a:rPr>
+              <a:t>https://learning.postman.com/docs/getting-started/introduction/</a:t>
+            </a:r>
+            <a:endParaRPr lang="en-IN" dirty="0"/>
+          </a:p>
+          <a:p>
+            <a:pPr marL="342900" indent="-342900">
+              <a:buFont typeface="+mj-lt"/>
+              <a:buAutoNum type="arabicPeriod"/>
+            </a:pPr>
+            <a:r>
+              <a:rPr lang="en-IN" dirty="0" err="1"/>
+              <a:t>cURL</a:t>
+            </a:r>
+            <a:r>
+              <a:rPr lang="en-IN" dirty="0"/>
+              <a:t> Documentation</a:t>
+            </a:r>
+            <a:r>
+              <a:rPr lang="en-IN" b="0" i="0" dirty="0">
+                <a:solidFill>
+                  <a:srgbClr val="D1D5DB"/>
+                </a:solidFill>
+                <a:effectLst/>
+              </a:rPr>
+              <a:t>: </a:t>
+            </a:r>
+            <a:r>
+              <a:rPr lang="en-IN" b="0" i="0" u="sng" dirty="0">
+                <a:solidFill>
+                  <a:srgbClr val="D1D5DB"/>
+                </a:solidFill>
+                <a:effectLst/>
+                <a:hlinkClick r:id="rId12"/>
+              </a:rPr>
+              <a:t>https://curl.se/docs/</a:t>
+            </a:r>
+            <a:endParaRPr lang="en-IN" dirty="0"/>
+          </a:p>
+          <a:p>
+            <a:pPr marL="342900" indent="-342900">
+              <a:buFont typeface="+mj-lt"/>
+              <a:buAutoNum type="arabicPeriod"/>
+            </a:pPr>
+            <a:r>
+              <a:rPr lang="en-IN" dirty="0"/>
+              <a:t>Apache Tomcat Documentation: </a:t>
+            </a:r>
+            <a:r>
+              <a:rPr lang="en-IN" dirty="0">
+                <a:hlinkClick r:id="rId13"/>
+              </a:rPr>
+              <a:t>https://tomcat.apache.org/tomcat-9.0-doc/index.html</a:t>
+            </a:r>
+            <a:endParaRPr lang="en-IN" dirty="0"/>
           </a:p>
         </p:txBody>
       </p:sp>
-      <p:pic>
-        <p:nvPicPr>
-          <p:cNvPr id="3" name="Picture 2">
-            <a:extLst>
-              <a:ext uri="{FF2B5EF4-FFF2-40B4-BE49-F238E27FC236}">
-                <a16:creationId xmlns:a16="http://schemas.microsoft.com/office/drawing/2014/main" id="{66D25374-6455-4198-F0EB-26325A3C855D}"/>
-              </a:ext>
-            </a:extLst>
-          </p:cNvPr>
-          <p:cNvPicPr>
-            <a:picLocks noChangeAspect="1"/>
-          </p:cNvPicPr>
-          <p:nvPr/>
-        </p:nvPicPr>
-        <p:blipFill rotWithShape="1">
-          <a:blip r:embed="rId4">
-            <a:extLst>
-              <a:ext uri="{28A0092B-C50C-407E-A947-70E740481C1C}">
-                <a14:useLocalDpi xmlns:a14="http://schemas.microsoft.com/office/drawing/2010/main" val="0"/>
-              </a:ext>
-            </a:extLst>
-          </a:blip>
-          <a:srcRect l="29247" t="19012" r="3866" b="29185"/>
-          <a:stretch/>
-        </p:blipFill>
-        <p:spPr>
-          <a:xfrm>
-            <a:off x="1199237" y="2374223"/>
-            <a:ext cx="8481061" cy="3552660"/>
-          </a:xfrm>
-          <a:prstGeom prst="rect">
-            <a:avLst/>
-          </a:prstGeom>
-        </p:spPr>
-      </p:pic>
     </p:spTree>
     <p:extLst>
       <p:ext uri="{BB962C8B-B14F-4D97-AF65-F5344CB8AC3E}">
-        <p14:creationId xmlns:p14="http://schemas.microsoft.com/office/powerpoint/2010/main" val="1061984646"/>
+        <p14:creationId xmlns:p14="http://schemas.microsoft.com/office/powerpoint/2010/main" val="1694362061"/>
       </p:ext>
     </p:extLst>
   </p:cSld>
@@ -12081,8 +12329,8 @@
         </p:nvSpPr>
         <p:spPr>
           <a:xfrm>
-            <a:off x="490220" y="1349647"/>
-            <a:ext cx="5026660" cy="417550"/>
+            <a:off x="490219" y="1349647"/>
+            <a:ext cx="11254739" cy="5203412"/>
           </a:xfrm>
           <a:prstGeom prst="rect">
             <a:avLst/>
@@ -12103,309 +12351,290 @@
             <a:r>
               <a:rPr lang="en-US" sz="2000" b="1" dirty="0">
                 <a:latin typeface="Times New Roman" panose="02020603050405020304" pitchFamily="18" charset="0"/>
-                <a:ea typeface="Arial" panose="020B0604020202020204" pitchFamily="34" charset="0"/>
-              </a:rPr>
-              <a:t>c</a:t>
-            </a:r>
-            <a:r>
-              <a:rPr lang="en-IN" sz="2000" b="1" dirty="0">
-                <a:latin typeface="Times New Roman" panose="02020603050405020304" pitchFamily="18" charset="0"/>
-                <a:ea typeface="Arial" panose="020B0604020202020204" pitchFamily="34" charset="0"/>
-              </a:rPr>
-              <a:t>URL command for calling web services : </a:t>
-            </a:r>
-            <a:endParaRPr lang="en-IN" sz="1400" b="1" dirty="0">
+                <a:cs typeface="Times New Roman" panose="02020603050405020304" pitchFamily="18" charset="0"/>
+              </a:rPr>
+              <a:t>Employee Table Creation SQL Query :</a:t>
+            </a:r>
+          </a:p>
+          <a:p>
+            <a:pPr algn="just">
+              <a:lnSpc>
+                <a:spcPct val="115000"/>
+              </a:lnSpc>
+            </a:pPr>
+            <a:endParaRPr lang="en-US" sz="2000" b="1" dirty="0">
+              <a:latin typeface="Times New Roman" panose="02020603050405020304" pitchFamily="18" charset="0"/>
+              <a:cs typeface="Times New Roman" panose="02020603050405020304" pitchFamily="18" charset="0"/>
+            </a:endParaRPr>
+          </a:p>
+          <a:p>
+            <a:pPr marL="285750" indent="-285750" algn="just">
+              <a:lnSpc>
+                <a:spcPct val="115000"/>
+              </a:lnSpc>
+              <a:buFont typeface="Arial" panose="020B0604020202020204" pitchFamily="34" charset="0"/>
+              <a:buChar char="•"/>
+            </a:pPr>
+            <a:r>
+              <a:rPr lang="en-US" dirty="0">
+                <a:latin typeface="Times New Roman" panose="02020603050405020304" pitchFamily="18" charset="0"/>
+                <a:cs typeface="Times New Roman" panose="02020603050405020304" pitchFamily="18" charset="0"/>
+              </a:rPr>
+              <a:t>create table Employee (	</a:t>
+            </a:r>
+            <a:r>
+              <a:rPr lang="en-US" dirty="0" err="1">
+                <a:latin typeface="Times New Roman" panose="02020603050405020304" pitchFamily="18" charset="0"/>
+                <a:cs typeface="Times New Roman" panose="02020603050405020304" pitchFamily="18" charset="0"/>
+              </a:rPr>
+              <a:t>employee_id</a:t>
+            </a:r>
+            <a:r>
+              <a:rPr lang="en-US" dirty="0">
+                <a:latin typeface="Times New Roman" panose="02020603050405020304" pitchFamily="18" charset="0"/>
+                <a:cs typeface="Times New Roman" panose="02020603050405020304" pitchFamily="18" charset="0"/>
+              </a:rPr>
+              <a:t> int PRIMARY KEY AUTO_INCREMENT,</a:t>
+            </a:r>
+          </a:p>
+          <a:p>
+            <a:pPr algn="just">
+              <a:lnSpc>
+                <a:spcPct val="115000"/>
+              </a:lnSpc>
+            </a:pPr>
+            <a:r>
+              <a:rPr lang="en-US" dirty="0">
+                <a:latin typeface="Times New Roman" panose="02020603050405020304" pitchFamily="18" charset="0"/>
+                <a:cs typeface="Times New Roman" panose="02020603050405020304" pitchFamily="18" charset="0"/>
+              </a:rPr>
+              <a:t>			</a:t>
+            </a:r>
+            <a:r>
+              <a:rPr lang="en-US" dirty="0" err="1">
+                <a:latin typeface="Times New Roman" panose="02020603050405020304" pitchFamily="18" charset="0"/>
+                <a:cs typeface="Times New Roman" panose="02020603050405020304" pitchFamily="18" charset="0"/>
+              </a:rPr>
+              <a:t>employee_name</a:t>
+            </a:r>
+            <a:r>
+              <a:rPr lang="en-US" dirty="0">
+                <a:latin typeface="Times New Roman" panose="02020603050405020304" pitchFamily="18" charset="0"/>
+                <a:cs typeface="Times New Roman" panose="02020603050405020304" pitchFamily="18" charset="0"/>
+              </a:rPr>
+              <a:t> VARCHAR(255),   </a:t>
+            </a:r>
+          </a:p>
+          <a:p>
+            <a:pPr algn="just">
+              <a:lnSpc>
+                <a:spcPct val="115000"/>
+              </a:lnSpc>
+            </a:pPr>
+            <a:r>
+              <a:rPr lang="en-US" dirty="0">
+                <a:latin typeface="Times New Roman" panose="02020603050405020304" pitchFamily="18" charset="0"/>
+                <a:cs typeface="Times New Roman" panose="02020603050405020304" pitchFamily="18" charset="0"/>
+              </a:rPr>
+              <a:t>			</a:t>
+            </a:r>
+            <a:r>
+              <a:rPr lang="en-US" dirty="0" err="1">
+                <a:latin typeface="Times New Roman" panose="02020603050405020304" pitchFamily="18" charset="0"/>
+                <a:cs typeface="Times New Roman" panose="02020603050405020304" pitchFamily="18" charset="0"/>
+              </a:rPr>
+              <a:t>date_of_birth</a:t>
+            </a:r>
+            <a:r>
+              <a:rPr lang="en-US" dirty="0">
+                <a:latin typeface="Times New Roman" panose="02020603050405020304" pitchFamily="18" charset="0"/>
+                <a:cs typeface="Times New Roman" panose="02020603050405020304" pitchFamily="18" charset="0"/>
+              </a:rPr>
+              <a:t> DATE     );</a:t>
+            </a:r>
+          </a:p>
+          <a:p>
+            <a:pPr algn="just">
+              <a:lnSpc>
+                <a:spcPct val="115000"/>
+              </a:lnSpc>
+            </a:pPr>
+            <a:endParaRPr lang="en-US" dirty="0">
+              <a:latin typeface="Times New Roman" panose="02020603050405020304" pitchFamily="18" charset="0"/>
+              <a:cs typeface="Times New Roman" panose="02020603050405020304" pitchFamily="18" charset="0"/>
+            </a:endParaRPr>
+          </a:p>
+          <a:p>
+            <a:pPr algn="just">
+              <a:lnSpc>
+                <a:spcPct val="115000"/>
+              </a:lnSpc>
+            </a:pPr>
+            <a:r>
+              <a:rPr lang="en-US" sz="2000" b="1" dirty="0">
+                <a:latin typeface="Times New Roman" panose="02020603050405020304" pitchFamily="18" charset="0"/>
+                <a:cs typeface="Times New Roman" panose="02020603050405020304" pitchFamily="18" charset="0"/>
+              </a:rPr>
+              <a:t>Employee Table Insertion SQL Query:</a:t>
+            </a:r>
+          </a:p>
+          <a:p>
+            <a:pPr marL="342900" indent="-342900" algn="just">
+              <a:lnSpc>
+                <a:spcPct val="115000"/>
+              </a:lnSpc>
+              <a:buFont typeface="Arial" panose="020B0604020202020204" pitchFamily="34" charset="0"/>
+              <a:buChar char="•"/>
+            </a:pPr>
+            <a:r>
+              <a:rPr lang="en-US" dirty="0">
+                <a:latin typeface="Times New Roman" panose="02020603050405020304" pitchFamily="18" charset="0"/>
+                <a:cs typeface="Times New Roman" panose="02020603050405020304" pitchFamily="18" charset="0"/>
+              </a:rPr>
+              <a:t>insert into employee ( </a:t>
+            </a:r>
+            <a:r>
+              <a:rPr lang="en-US" dirty="0" err="1">
+                <a:latin typeface="Times New Roman" panose="02020603050405020304" pitchFamily="18" charset="0"/>
+                <a:cs typeface="Times New Roman" panose="02020603050405020304" pitchFamily="18" charset="0"/>
+              </a:rPr>
+              <a:t>employee_name</a:t>
+            </a:r>
+            <a:r>
+              <a:rPr lang="en-US" dirty="0">
+                <a:latin typeface="Times New Roman" panose="02020603050405020304" pitchFamily="18" charset="0"/>
+                <a:cs typeface="Times New Roman" panose="02020603050405020304" pitchFamily="18" charset="0"/>
+              </a:rPr>
+              <a:t>, </a:t>
+            </a:r>
+            <a:r>
+              <a:rPr lang="en-US" dirty="0" err="1">
+                <a:latin typeface="Times New Roman" panose="02020603050405020304" pitchFamily="18" charset="0"/>
+                <a:cs typeface="Times New Roman" panose="02020603050405020304" pitchFamily="18" charset="0"/>
+              </a:rPr>
+              <a:t>date_of_birth</a:t>
+            </a:r>
+            <a:r>
+              <a:rPr lang="en-US" dirty="0">
+                <a:latin typeface="Times New Roman" panose="02020603050405020304" pitchFamily="18" charset="0"/>
+                <a:cs typeface="Times New Roman" panose="02020603050405020304" pitchFamily="18" charset="0"/>
+              </a:rPr>
+              <a:t>) values ('Bharath Kumar', '1999-03-27’),</a:t>
+            </a:r>
+          </a:p>
+          <a:p>
+            <a:pPr algn="just">
+              <a:lnSpc>
+                <a:spcPct val="115000"/>
+              </a:lnSpc>
+            </a:pPr>
+            <a:r>
+              <a:rPr lang="en-US" dirty="0">
+                <a:latin typeface="Times New Roman" panose="02020603050405020304" pitchFamily="18" charset="0"/>
+                <a:cs typeface="Times New Roman" panose="02020603050405020304" pitchFamily="18" charset="0"/>
+              </a:rPr>
+              <a:t>						          ('Naveen Goud', '2000-09-14’),</a:t>
+            </a:r>
+          </a:p>
+          <a:p>
+            <a:pPr algn="just">
+              <a:lnSpc>
+                <a:spcPct val="115000"/>
+              </a:lnSpc>
+            </a:pPr>
+            <a:r>
+              <a:rPr lang="en-US" dirty="0">
+                <a:latin typeface="Times New Roman" panose="02020603050405020304" pitchFamily="18" charset="0"/>
+                <a:cs typeface="Times New Roman" panose="02020603050405020304" pitchFamily="18" charset="0"/>
+              </a:rPr>
+              <a:t>						          ('Praveen Kumar', '2001-03-01’),</a:t>
+            </a:r>
+          </a:p>
+          <a:p>
+            <a:pPr algn="just">
+              <a:lnSpc>
+                <a:spcPct val="115000"/>
+              </a:lnSpc>
+            </a:pPr>
+            <a:r>
+              <a:rPr lang="en-US" dirty="0">
+                <a:latin typeface="Times New Roman" panose="02020603050405020304" pitchFamily="18" charset="0"/>
+                <a:cs typeface="Times New Roman" panose="02020603050405020304" pitchFamily="18" charset="0"/>
+              </a:rPr>
+              <a:t>						          ('Ajay Kumar', '1995-12-14’),</a:t>
+            </a:r>
+          </a:p>
+          <a:p>
+            <a:pPr algn="just">
+              <a:lnSpc>
+                <a:spcPct val="115000"/>
+              </a:lnSpc>
+            </a:pPr>
+            <a:r>
+              <a:rPr lang="en-US" dirty="0">
+                <a:latin typeface="Times New Roman" panose="02020603050405020304" pitchFamily="18" charset="0"/>
+                <a:cs typeface="Times New Roman" panose="02020603050405020304" pitchFamily="18" charset="0"/>
+              </a:rPr>
+              <a:t>						           ('</a:t>
+            </a:r>
+            <a:r>
+              <a:rPr lang="en-US" dirty="0" err="1">
+                <a:latin typeface="Times New Roman" panose="02020603050405020304" pitchFamily="18" charset="0"/>
+                <a:cs typeface="Times New Roman" panose="02020603050405020304" pitchFamily="18" charset="0"/>
+              </a:rPr>
+              <a:t>Hasini</a:t>
+            </a:r>
+            <a:r>
+              <a:rPr lang="en-US" dirty="0">
+                <a:latin typeface="Times New Roman" panose="02020603050405020304" pitchFamily="18" charset="0"/>
+                <a:cs typeface="Times New Roman" panose="02020603050405020304" pitchFamily="18" charset="0"/>
+              </a:rPr>
+              <a:t>', '2000-05-24’),							 		            ('Venkat Reddy', '1997-05-17’),</a:t>
+            </a:r>
+          </a:p>
+          <a:p>
+            <a:pPr algn="just">
+              <a:lnSpc>
+                <a:spcPct val="115000"/>
+              </a:lnSpc>
+            </a:pPr>
+            <a:r>
+              <a:rPr lang="en-US" dirty="0">
+                <a:latin typeface="Times New Roman" panose="02020603050405020304" pitchFamily="18" charset="0"/>
+                <a:cs typeface="Times New Roman" panose="02020603050405020304" pitchFamily="18" charset="0"/>
+              </a:rPr>
+              <a:t>                                                                                                            ('Sai Boora', '1998-06-06);</a:t>
+            </a:r>
+          </a:p>
+          <a:p>
+            <a:pPr algn="just">
+              <a:lnSpc>
+                <a:spcPct val="115000"/>
+              </a:lnSpc>
+            </a:pPr>
+            <a:endParaRPr lang="en-US" dirty="0">
+              <a:latin typeface="Times New Roman" panose="02020603050405020304" pitchFamily="18" charset="0"/>
+              <a:cs typeface="Times New Roman" panose="02020603050405020304" pitchFamily="18" charset="0"/>
+            </a:endParaRPr>
+          </a:p>
+          <a:p>
+            <a:pPr algn="just">
+              <a:lnSpc>
+                <a:spcPct val="115000"/>
+              </a:lnSpc>
+            </a:pPr>
+            <a:endParaRPr lang="en-IN" sz="1400" dirty="0">
               <a:effectLst/>
               <a:latin typeface="Arial" panose="020B0604020202020204" pitchFamily="34" charset="0"/>
               <a:ea typeface="Arial" panose="020B0604020202020204" pitchFamily="34" charset="0"/>
             </a:endParaRPr>
-          </a:p>
-        </p:txBody>
-      </p:sp>
-      <p:pic>
-        <p:nvPicPr>
-          <p:cNvPr id="3" name="Picture 2">
-            <a:extLst>
-              <a:ext uri="{FF2B5EF4-FFF2-40B4-BE49-F238E27FC236}">
-                <a16:creationId xmlns:a16="http://schemas.microsoft.com/office/drawing/2014/main" id="{07AD0279-14A1-18A9-888A-4A7D5C5BD647}"/>
-              </a:ext>
-            </a:extLst>
-          </p:cNvPr>
-          <p:cNvPicPr>
-            <a:picLocks noChangeAspect="1"/>
-          </p:cNvPicPr>
-          <p:nvPr/>
-        </p:nvPicPr>
-        <p:blipFill>
-          <a:blip r:embed="rId4"/>
-          <a:stretch>
-            <a:fillRect/>
-          </a:stretch>
-        </p:blipFill>
-        <p:spPr>
-          <a:xfrm>
-            <a:off x="490220" y="1890483"/>
-            <a:ext cx="9507277" cy="1314633"/>
-          </a:xfrm>
-          <a:prstGeom prst="rect">
-            <a:avLst/>
-          </a:prstGeom>
-        </p:spPr>
-      </p:pic>
-      <p:sp>
-        <p:nvSpPr>
-          <p:cNvPr id="9" name="TextBox 8">
-            <a:extLst>
-              <a:ext uri="{FF2B5EF4-FFF2-40B4-BE49-F238E27FC236}">
-                <a16:creationId xmlns:a16="http://schemas.microsoft.com/office/drawing/2014/main" id="{EAE3EAB3-D696-A716-C57C-E8475EA17F9A}"/>
-              </a:ext>
-            </a:extLst>
-          </p:cNvPr>
-          <p:cNvSpPr txBox="1"/>
-          <p:nvPr/>
-        </p:nvSpPr>
-        <p:spPr>
-          <a:xfrm>
-            <a:off x="490220" y="3444110"/>
-            <a:ext cx="11275060" cy="2510752"/>
-          </a:xfrm>
-          <a:prstGeom prst="rect">
-            <a:avLst/>
-          </a:prstGeom>
-          <a:noFill/>
-        </p:spPr>
-        <p:txBody>
-          <a:bodyPr wrap="square">
-            <a:spAutoFit/>
-          </a:bodyPr>
-          <a:lstStyle/>
-          <a:p>
-            <a:pPr algn="just">
-              <a:lnSpc>
-                <a:spcPct val="115000"/>
-              </a:lnSpc>
-            </a:pPr>
-            <a:r>
-              <a:rPr lang="en-US" sz="2000" b="1" dirty="0" err="1">
-                <a:latin typeface="Times New Roman" panose="02020603050405020304" pitchFamily="18" charset="0"/>
-                <a:cs typeface="Times New Roman" panose="02020603050405020304" pitchFamily="18" charset="0"/>
-              </a:rPr>
-              <a:t>Dockerfile</a:t>
-            </a:r>
-            <a:r>
-              <a:rPr lang="en-US" sz="2000" b="1" dirty="0">
-                <a:latin typeface="Times New Roman" panose="02020603050405020304" pitchFamily="18" charset="0"/>
-                <a:cs typeface="Times New Roman" panose="02020603050405020304" pitchFamily="18" charset="0"/>
-              </a:rPr>
-              <a:t> for Containerizing the Web Service</a:t>
-            </a:r>
-            <a:r>
-              <a:rPr lang="en-IN" sz="2000" b="1" dirty="0">
-                <a:latin typeface="Times New Roman" panose="02020603050405020304" pitchFamily="18" charset="0"/>
-                <a:cs typeface="Times New Roman" panose="02020603050405020304" pitchFamily="18" charset="0"/>
-              </a:rPr>
-              <a:t>:</a:t>
-            </a:r>
-          </a:p>
-          <a:p>
-            <a:pPr algn="just">
-              <a:lnSpc>
-                <a:spcPct val="115000"/>
-              </a:lnSpc>
-            </a:pPr>
-            <a:endParaRPr lang="en-IN" sz="2000" b="1" dirty="0">
-              <a:latin typeface="Times New Roman" panose="02020603050405020304" pitchFamily="18" charset="0"/>
-              <a:cs typeface="Times New Roman" panose="02020603050405020304" pitchFamily="18" charset="0"/>
-            </a:endParaRPr>
-          </a:p>
-          <a:p>
-            <a:r>
-              <a:rPr lang="en-IN" sz="1800" dirty="0">
-                <a:solidFill>
-                  <a:srgbClr val="859900"/>
-                </a:solidFill>
-                <a:effectLst/>
-                <a:latin typeface="Consolas" panose="020B0609020204030204" pitchFamily="49" charset="0"/>
-              </a:rPr>
-              <a:t>FROM</a:t>
-            </a:r>
-            <a:r>
-              <a:rPr lang="en-IN" sz="1800" dirty="0">
-                <a:solidFill>
-                  <a:srgbClr val="000000"/>
-                </a:solidFill>
-                <a:effectLst/>
-                <a:latin typeface="Consolas" panose="020B0609020204030204" pitchFamily="49" charset="0"/>
-              </a:rPr>
-              <a:t> </a:t>
-            </a:r>
-            <a:r>
-              <a:rPr lang="en-IN" sz="1800" u="sng" dirty="0">
-                <a:solidFill>
-                  <a:srgbClr val="000000"/>
-                </a:solidFill>
-                <a:effectLst/>
-                <a:latin typeface="Consolas" panose="020B0609020204030204" pitchFamily="49" charset="0"/>
-              </a:rPr>
-              <a:t>openjdk</a:t>
-            </a:r>
-            <a:r>
-              <a:rPr lang="en-IN" sz="1800" dirty="0">
-                <a:solidFill>
-                  <a:srgbClr val="000000"/>
-                </a:solidFill>
-                <a:effectLst/>
-                <a:latin typeface="Consolas" panose="020B0609020204030204" pitchFamily="49" charset="0"/>
-              </a:rPr>
-              <a:t>:8</a:t>
-            </a:r>
-          </a:p>
-          <a:p>
-            <a:r>
-              <a:rPr lang="en-IN" sz="1800" dirty="0">
-                <a:solidFill>
-                  <a:srgbClr val="859900"/>
-                </a:solidFill>
-                <a:effectLst/>
-                <a:latin typeface="Consolas" panose="020B0609020204030204" pitchFamily="49" charset="0"/>
-              </a:rPr>
-              <a:t>EXPOSE</a:t>
-            </a:r>
-            <a:r>
-              <a:rPr lang="en-IN" sz="1800" dirty="0">
-                <a:solidFill>
-                  <a:srgbClr val="000000"/>
-                </a:solidFill>
-                <a:effectLst/>
-                <a:latin typeface="Consolas" panose="020B0609020204030204" pitchFamily="49" charset="0"/>
-              </a:rPr>
-              <a:t> 9500</a:t>
-            </a:r>
-          </a:p>
-          <a:p>
-            <a:r>
-              <a:rPr lang="en-IN" sz="1800" dirty="0">
-                <a:solidFill>
-                  <a:srgbClr val="859900"/>
-                </a:solidFill>
-                <a:effectLst/>
-                <a:latin typeface="Consolas" panose="020B0609020204030204" pitchFamily="49" charset="0"/>
-              </a:rPr>
-              <a:t>ADD</a:t>
-            </a:r>
-            <a:r>
-              <a:rPr lang="en-IN" sz="1800" dirty="0">
-                <a:solidFill>
-                  <a:srgbClr val="000000"/>
-                </a:solidFill>
-                <a:effectLst/>
-                <a:latin typeface="Consolas" panose="020B0609020204030204" pitchFamily="49" charset="0"/>
-              </a:rPr>
-              <a:t> build/libs/employee-management-system-0.0.1-SNAPSHOT.jar employee-management-system-0.0.1-SNAPSHOT.jar</a:t>
-            </a:r>
-          </a:p>
-          <a:p>
-            <a:r>
-              <a:rPr lang="en-IN" sz="1800" dirty="0">
-                <a:solidFill>
-                  <a:srgbClr val="859900"/>
-                </a:solidFill>
-                <a:effectLst/>
-                <a:latin typeface="Consolas" panose="020B0609020204030204" pitchFamily="49" charset="0"/>
-              </a:rPr>
-              <a:t>ENTRYPOINT</a:t>
-            </a:r>
-            <a:r>
-              <a:rPr lang="en-IN" sz="1800" dirty="0">
-                <a:solidFill>
-                  <a:srgbClr val="000000"/>
-                </a:solidFill>
-                <a:effectLst/>
-                <a:latin typeface="Consolas" panose="020B0609020204030204" pitchFamily="49" charset="0"/>
-              </a:rPr>
-              <a:t> [ </a:t>
-            </a:r>
-            <a:r>
-              <a:rPr lang="en-IN" sz="1800" dirty="0">
-                <a:solidFill>
-                  <a:srgbClr val="2AA198"/>
-                </a:solidFill>
-                <a:effectLst/>
-                <a:latin typeface="Consolas" panose="020B0609020204030204" pitchFamily="49" charset="0"/>
-              </a:rPr>
-              <a:t>"java"</a:t>
-            </a:r>
-            <a:r>
-              <a:rPr lang="en-IN" sz="1800" dirty="0">
-                <a:solidFill>
-                  <a:srgbClr val="000000"/>
-                </a:solidFill>
-                <a:effectLst/>
-                <a:latin typeface="Consolas" panose="020B0609020204030204" pitchFamily="49" charset="0"/>
-              </a:rPr>
-              <a:t>,</a:t>
-            </a:r>
-            <a:r>
-              <a:rPr lang="en-IN" sz="1800" dirty="0">
-                <a:solidFill>
-                  <a:srgbClr val="2AA198"/>
-                </a:solidFill>
-                <a:effectLst/>
-                <a:latin typeface="Consolas" panose="020B0609020204030204" pitchFamily="49" charset="0"/>
-              </a:rPr>
-              <a:t>"-jar"</a:t>
-            </a:r>
-            <a:r>
-              <a:rPr lang="en-IN" sz="1800" dirty="0">
-                <a:solidFill>
-                  <a:srgbClr val="000000"/>
-                </a:solidFill>
-                <a:effectLst/>
-                <a:latin typeface="Consolas" panose="020B0609020204030204" pitchFamily="49" charset="0"/>
-              </a:rPr>
-              <a:t>,</a:t>
-            </a:r>
-            <a:r>
-              <a:rPr lang="en-IN" sz="1800" dirty="0">
-                <a:solidFill>
-                  <a:srgbClr val="2AA198"/>
-                </a:solidFill>
-                <a:effectLst/>
-                <a:latin typeface="Consolas" panose="020B0609020204030204" pitchFamily="49" charset="0"/>
-              </a:rPr>
-              <a:t>"/employee-management-system-0.0.1-SNAPSHOT.jar"</a:t>
-            </a:r>
-            <a:r>
-              <a:rPr lang="en-IN" sz="1800" dirty="0">
-                <a:solidFill>
-                  <a:srgbClr val="000000"/>
-                </a:solidFill>
-                <a:effectLst/>
-                <a:latin typeface="Consolas" panose="020B0609020204030204" pitchFamily="49" charset="0"/>
-              </a:rPr>
-              <a:t> ]</a:t>
-            </a:r>
-          </a:p>
-          <a:p>
-            <a:pPr algn="just">
-              <a:lnSpc>
-                <a:spcPct val="115000"/>
-              </a:lnSpc>
-            </a:pPr>
-            <a:r>
-              <a:rPr lang="en-IN" sz="2000" b="1" dirty="0">
-                <a:latin typeface="Times New Roman" panose="02020603050405020304" pitchFamily="18" charset="0"/>
-                <a:cs typeface="Times New Roman" panose="02020603050405020304" pitchFamily="18" charset="0"/>
-              </a:rPr>
-              <a:t> </a:t>
-            </a:r>
           </a:p>
         </p:txBody>
       </p:sp>
     </p:spTree>
     <p:extLst>
       <p:ext uri="{BB962C8B-B14F-4D97-AF65-F5344CB8AC3E}">
-        <p14:creationId xmlns:p14="http://schemas.microsoft.com/office/powerpoint/2010/main" val="3271368017"/>
+        <p14:creationId xmlns:p14="http://schemas.microsoft.com/office/powerpoint/2010/main" val="2714149063"/>
       </p:ext>
     </p:extLst>
   </p:cSld>
@@ -12609,6 +12838,811 @@
         </p:nvSpPr>
         <p:spPr>
           <a:xfrm>
+            <a:off x="490219" y="1349647"/>
+            <a:ext cx="11346179" cy="417550"/>
+          </a:xfrm>
+          <a:prstGeom prst="rect">
+            <a:avLst/>
+          </a:prstGeom>
+          <a:noFill/>
+        </p:spPr>
+        <p:txBody>
+          <a:bodyPr wrap="square">
+            <a:spAutoFit/>
+          </a:bodyPr>
+          <a:lstStyle/>
+          <a:p>
+            <a:pPr algn="just">
+              <a:lnSpc>
+                <a:spcPct val="115000"/>
+              </a:lnSpc>
+            </a:pPr>
+            <a:r>
+              <a:rPr lang="en-IN" sz="2000" b="1" dirty="0">
+                <a:effectLst/>
+                <a:latin typeface="Times New Roman" panose="02020603050405020304" pitchFamily="18" charset="0"/>
+                <a:ea typeface="Arial" panose="020B0604020202020204" pitchFamily="34" charset="0"/>
+              </a:rPr>
+              <a:t>Displaying Invalid Employee Error Message :</a:t>
+            </a:r>
+            <a:endParaRPr lang="en-IN" sz="1400" b="1" dirty="0">
+              <a:effectLst/>
+              <a:latin typeface="Arial" panose="020B0604020202020204" pitchFamily="34" charset="0"/>
+              <a:ea typeface="Arial" panose="020B0604020202020204" pitchFamily="34" charset="0"/>
+            </a:endParaRPr>
+          </a:p>
+        </p:txBody>
+      </p:sp>
+      <p:pic>
+        <p:nvPicPr>
+          <p:cNvPr id="3" name="Picture 2">
+            <a:extLst>
+              <a:ext uri="{FF2B5EF4-FFF2-40B4-BE49-F238E27FC236}">
+                <a16:creationId xmlns:a16="http://schemas.microsoft.com/office/drawing/2014/main" id="{66D25374-6455-4198-F0EB-26325A3C855D}"/>
+              </a:ext>
+            </a:extLst>
+          </p:cNvPr>
+          <p:cNvPicPr>
+            <a:picLocks noChangeAspect="1"/>
+          </p:cNvPicPr>
+          <p:nvPr/>
+        </p:nvPicPr>
+        <p:blipFill rotWithShape="1">
+          <a:blip r:embed="rId4">
+            <a:extLst>
+              <a:ext uri="{28A0092B-C50C-407E-A947-70E740481C1C}">
+                <a14:useLocalDpi xmlns:a14="http://schemas.microsoft.com/office/drawing/2010/main" val="0"/>
+              </a:ext>
+            </a:extLst>
+          </a:blip>
+          <a:srcRect l="29247" t="19012" r="3866" b="29185"/>
+          <a:stretch/>
+        </p:blipFill>
+        <p:spPr>
+          <a:xfrm>
+            <a:off x="1199237" y="2374223"/>
+            <a:ext cx="8481061" cy="3552660"/>
+          </a:xfrm>
+          <a:prstGeom prst="rect">
+            <a:avLst/>
+          </a:prstGeom>
+        </p:spPr>
+      </p:pic>
+    </p:spTree>
+    <p:extLst>
+      <p:ext uri="{BB962C8B-B14F-4D97-AF65-F5344CB8AC3E}">
+        <p14:creationId xmlns:p14="http://schemas.microsoft.com/office/powerpoint/2010/main" val="1061984646"/>
+      </p:ext>
+    </p:extLst>
+  </p:cSld>
+  <p:clrMapOvr>
+    <a:masterClrMapping/>
+  </p:clrMapOvr>
+</p:sld>
+</file>
+
+<file path=ppt/slides/slide34.xml><?xml version="1.0" encoding="utf-8"?>
+<p:sld xmlns:a="http://schemas.openxmlformats.org/drawingml/2006/main" xmlns:r="http://schemas.openxmlformats.org/officeDocument/2006/relationships" xmlns:p="http://schemas.openxmlformats.org/presentationml/2006/main">
+  <p:cSld>
+    <p:spTree>
+      <p:nvGrpSpPr>
+        <p:cNvPr id="1" name=""/>
+        <p:cNvGrpSpPr/>
+        <p:nvPr/>
+      </p:nvGrpSpPr>
+      <p:grpSpPr>
+        <a:xfrm>
+          <a:off x="0" y="0"/>
+          <a:ext cx="0" cy="0"/>
+          <a:chOff x="0" y="0"/>
+          <a:chExt cx="0" cy="0"/>
+        </a:xfrm>
+      </p:grpSpPr>
+      <p:pic>
+        <p:nvPicPr>
+          <p:cNvPr id="4" name="Picture 3">
+            <a:extLst>
+              <a:ext uri="{FF2B5EF4-FFF2-40B4-BE49-F238E27FC236}">
+                <a16:creationId xmlns:a16="http://schemas.microsoft.com/office/drawing/2014/main" id="{3893C3C6-E6B4-0EAA-6168-B66B664B265B}"/>
+              </a:ext>
+            </a:extLst>
+          </p:cNvPr>
+          <p:cNvPicPr>
+            <a:picLocks noGrp="1" noRot="1" noChangeAspect="1" noMove="1" noResize="1" noEditPoints="1" noAdjustHandles="1" noChangeArrowheads="1" noChangeShapeType="1" noCrop="1"/>
+          </p:cNvPicPr>
+          <p:nvPr/>
+        </p:nvPicPr>
+        <p:blipFill>
+          <a:blip r:embed="rId2" cstate="email">
+            <a:extLst>
+              <a:ext uri="{28A0092B-C50C-407E-A947-70E740481C1C}">
+                <a14:useLocalDpi xmlns:a14="http://schemas.microsoft.com/office/drawing/2010/main"/>
+              </a:ext>
+            </a:extLst>
+          </a:blip>
+          <a:stretch>
+            <a:fillRect/>
+          </a:stretch>
+        </p:blipFill>
+        <p:spPr>
+          <a:xfrm flipH="1">
+            <a:off x="0" y="0"/>
+            <a:ext cx="12192000" cy="6858000"/>
+          </a:xfrm>
+          <a:prstGeom prst="rect">
+            <a:avLst/>
+          </a:prstGeom>
+        </p:spPr>
+      </p:pic>
+      <p:cxnSp>
+        <p:nvCxnSpPr>
+          <p:cNvPr id="5" name="Straight Connector 4">
+            <a:extLst>
+              <a:ext uri="{FF2B5EF4-FFF2-40B4-BE49-F238E27FC236}">
+                <a16:creationId xmlns:a16="http://schemas.microsoft.com/office/drawing/2014/main" id="{6317BEF4-F659-05B0-B884-5FBC9950BC38}"/>
+              </a:ext>
+            </a:extLst>
+          </p:cNvPr>
+          <p:cNvCxnSpPr>
+            <a:cxnSpLocks/>
+          </p:cNvCxnSpPr>
+          <p:nvPr/>
+        </p:nvCxnSpPr>
+        <p:spPr>
+          <a:xfrm>
+            <a:off x="2404113" y="383848"/>
+            <a:ext cx="0" cy="429893"/>
+          </a:xfrm>
+          <a:prstGeom prst="line">
+            <a:avLst/>
+          </a:prstGeom>
+          <a:ln w="12700">
+            <a:solidFill>
+              <a:srgbClr val="DD4F22"/>
+            </a:solidFill>
+          </a:ln>
+        </p:spPr>
+        <p:style>
+          <a:lnRef idx="1">
+            <a:schemeClr val="accent1"/>
+          </a:lnRef>
+          <a:fillRef idx="0">
+            <a:schemeClr val="accent1"/>
+          </a:fillRef>
+          <a:effectRef idx="0">
+            <a:schemeClr val="accent1"/>
+          </a:effectRef>
+          <a:fontRef idx="minor">
+            <a:schemeClr val="tx1"/>
+          </a:fontRef>
+        </p:style>
+      </p:cxnSp>
+      <p:pic>
+        <p:nvPicPr>
+          <p:cNvPr id="6" name="Picture 5">
+            <a:extLst>
+              <a:ext uri="{FF2B5EF4-FFF2-40B4-BE49-F238E27FC236}">
+                <a16:creationId xmlns:a16="http://schemas.microsoft.com/office/drawing/2014/main" id="{4C8E9BB0-02EA-460A-EDCE-9CB013DFF909}"/>
+              </a:ext>
+            </a:extLst>
+          </p:cNvPr>
+          <p:cNvPicPr>
+            <a:picLocks noGrp="1" noRot="1" noChangeAspect="1" noMove="1" noResize="1" noEditPoints="1" noAdjustHandles="1" noChangeArrowheads="1" noChangeShapeType="1" noCrop="1"/>
+          </p:cNvPicPr>
+          <p:nvPr/>
+        </p:nvPicPr>
+        <p:blipFill>
+          <a:blip r:embed="rId3">
+            <a:extLst>
+              <a:ext uri="{28A0092B-C50C-407E-A947-70E740481C1C}">
+                <a14:useLocalDpi xmlns:a14="http://schemas.microsoft.com/office/drawing/2010/main" val="0"/>
+              </a:ext>
+            </a:extLst>
+          </a:blip>
+          <a:srcRect/>
+          <a:stretch/>
+        </p:blipFill>
+        <p:spPr>
+          <a:xfrm>
+            <a:off x="217505" y="338023"/>
+            <a:ext cx="1963465" cy="521544"/>
+          </a:xfrm>
+          <a:prstGeom prst="rect">
+            <a:avLst/>
+          </a:prstGeom>
+        </p:spPr>
+      </p:pic>
+      <p:sp>
+        <p:nvSpPr>
+          <p:cNvPr id="8" name="TextBox 7">
+            <a:extLst>
+              <a:ext uri="{FF2B5EF4-FFF2-40B4-BE49-F238E27FC236}">
+                <a16:creationId xmlns:a16="http://schemas.microsoft.com/office/drawing/2014/main" id="{83A5D50A-7BF5-47B2-27E6-96AA33171B2B}"/>
+              </a:ext>
+            </a:extLst>
+          </p:cNvPr>
+          <p:cNvSpPr txBox="1">
+            <a:spLocks noGrp="1" noRot="1" noMove="1" noResize="1" noEditPoints="1" noAdjustHandles="1" noChangeArrowheads="1" noChangeShapeType="1"/>
+          </p:cNvSpPr>
+          <p:nvPr/>
+        </p:nvSpPr>
+        <p:spPr>
+          <a:xfrm>
+            <a:off x="2499360" y="383848"/>
+            <a:ext cx="8818879" cy="483017"/>
+          </a:xfrm>
+          <a:prstGeom prst="rect">
+            <a:avLst/>
+          </a:prstGeom>
+          <a:solidFill>
+            <a:srgbClr val="FF6709"/>
+          </a:solidFill>
+        </p:spPr>
+        <p:txBody>
+          <a:bodyPr wrap="square" rtlCol="0">
+            <a:spAutoFit/>
+          </a:bodyPr>
+          <a:lstStyle/>
+          <a:p>
+            <a:pPr>
+              <a:lnSpc>
+                <a:spcPct val="115000"/>
+              </a:lnSpc>
+            </a:pPr>
+            <a:r>
+              <a:rPr lang="en-IN" sz="2400" b="1" dirty="0">
+                <a:solidFill>
+                  <a:schemeClr val="bg1"/>
+                </a:solidFill>
+                <a:latin typeface="Times New Roman" panose="02020603050405020304" pitchFamily="18" charset="0"/>
+              </a:rPr>
+              <a:t>Appendices</a:t>
+            </a:r>
+          </a:p>
+        </p:txBody>
+      </p:sp>
+      <p:sp>
+        <p:nvSpPr>
+          <p:cNvPr id="7" name="TextBox 6">
+            <a:extLst>
+              <a:ext uri="{FF2B5EF4-FFF2-40B4-BE49-F238E27FC236}">
+                <a16:creationId xmlns:a16="http://schemas.microsoft.com/office/drawing/2014/main" id="{1A521886-A1DC-C1EC-6392-5263384F6C69}"/>
+              </a:ext>
+            </a:extLst>
+          </p:cNvPr>
+          <p:cNvSpPr txBox="1"/>
+          <p:nvPr/>
+        </p:nvSpPr>
+        <p:spPr>
+          <a:xfrm>
+            <a:off x="490220" y="1349647"/>
+            <a:ext cx="5026660" cy="417550"/>
+          </a:xfrm>
+          <a:prstGeom prst="rect">
+            <a:avLst/>
+          </a:prstGeom>
+          <a:noFill/>
+        </p:spPr>
+        <p:txBody>
+          <a:bodyPr wrap="square">
+            <a:spAutoFit/>
+          </a:bodyPr>
+          <a:lstStyle/>
+          <a:p>
+            <a:pPr algn="just">
+              <a:lnSpc>
+                <a:spcPct val="115000"/>
+              </a:lnSpc>
+            </a:pPr>
+            <a:r>
+              <a:rPr lang="en-US" sz="2000" b="1" dirty="0">
+                <a:latin typeface="Times New Roman" panose="02020603050405020304" pitchFamily="18" charset="0"/>
+                <a:ea typeface="Arial" panose="020B0604020202020204" pitchFamily="34" charset="0"/>
+              </a:rPr>
+              <a:t>c</a:t>
+            </a:r>
+            <a:r>
+              <a:rPr lang="en-IN" sz="2000" b="1" dirty="0">
+                <a:latin typeface="Times New Roman" panose="02020603050405020304" pitchFamily="18" charset="0"/>
+                <a:ea typeface="Arial" panose="020B0604020202020204" pitchFamily="34" charset="0"/>
+              </a:rPr>
+              <a:t>URL command for calling web services : </a:t>
+            </a:r>
+            <a:endParaRPr lang="en-IN" sz="1400" b="1" dirty="0">
+              <a:effectLst/>
+              <a:latin typeface="Arial" panose="020B0604020202020204" pitchFamily="34" charset="0"/>
+              <a:ea typeface="Arial" panose="020B0604020202020204" pitchFamily="34" charset="0"/>
+            </a:endParaRPr>
+          </a:p>
+        </p:txBody>
+      </p:sp>
+      <p:pic>
+        <p:nvPicPr>
+          <p:cNvPr id="3" name="Picture 2">
+            <a:extLst>
+              <a:ext uri="{FF2B5EF4-FFF2-40B4-BE49-F238E27FC236}">
+                <a16:creationId xmlns:a16="http://schemas.microsoft.com/office/drawing/2014/main" id="{07AD0279-14A1-18A9-888A-4A7D5C5BD647}"/>
+              </a:ext>
+            </a:extLst>
+          </p:cNvPr>
+          <p:cNvPicPr>
+            <a:picLocks noChangeAspect="1"/>
+          </p:cNvPicPr>
+          <p:nvPr/>
+        </p:nvPicPr>
+        <p:blipFill>
+          <a:blip r:embed="rId4"/>
+          <a:stretch>
+            <a:fillRect/>
+          </a:stretch>
+        </p:blipFill>
+        <p:spPr>
+          <a:xfrm>
+            <a:off x="490220" y="1890483"/>
+            <a:ext cx="9507277" cy="1314633"/>
+          </a:xfrm>
+          <a:prstGeom prst="rect">
+            <a:avLst/>
+          </a:prstGeom>
+        </p:spPr>
+      </p:pic>
+      <p:sp>
+        <p:nvSpPr>
+          <p:cNvPr id="9" name="TextBox 8">
+            <a:extLst>
+              <a:ext uri="{FF2B5EF4-FFF2-40B4-BE49-F238E27FC236}">
+                <a16:creationId xmlns:a16="http://schemas.microsoft.com/office/drawing/2014/main" id="{EAE3EAB3-D696-A716-C57C-E8475EA17F9A}"/>
+              </a:ext>
+            </a:extLst>
+          </p:cNvPr>
+          <p:cNvSpPr txBox="1"/>
+          <p:nvPr/>
+        </p:nvSpPr>
+        <p:spPr>
+          <a:xfrm>
+            <a:off x="490220" y="3444110"/>
+            <a:ext cx="11275060" cy="2510752"/>
+          </a:xfrm>
+          <a:prstGeom prst="rect">
+            <a:avLst/>
+          </a:prstGeom>
+          <a:noFill/>
+        </p:spPr>
+        <p:txBody>
+          <a:bodyPr wrap="square">
+            <a:spAutoFit/>
+          </a:bodyPr>
+          <a:lstStyle/>
+          <a:p>
+            <a:pPr algn="just">
+              <a:lnSpc>
+                <a:spcPct val="115000"/>
+              </a:lnSpc>
+            </a:pPr>
+            <a:r>
+              <a:rPr lang="en-US" sz="2000" b="1" dirty="0" err="1">
+                <a:latin typeface="Times New Roman" panose="02020603050405020304" pitchFamily="18" charset="0"/>
+                <a:cs typeface="Times New Roman" panose="02020603050405020304" pitchFamily="18" charset="0"/>
+              </a:rPr>
+              <a:t>Dockerfile</a:t>
+            </a:r>
+            <a:r>
+              <a:rPr lang="en-US" sz="2000" b="1" dirty="0">
+                <a:latin typeface="Times New Roman" panose="02020603050405020304" pitchFamily="18" charset="0"/>
+                <a:cs typeface="Times New Roman" panose="02020603050405020304" pitchFamily="18" charset="0"/>
+              </a:rPr>
+              <a:t> for Containerizing the Web Service</a:t>
+            </a:r>
+            <a:r>
+              <a:rPr lang="en-IN" sz="2000" b="1" dirty="0">
+                <a:latin typeface="Times New Roman" panose="02020603050405020304" pitchFamily="18" charset="0"/>
+                <a:cs typeface="Times New Roman" panose="02020603050405020304" pitchFamily="18" charset="0"/>
+              </a:rPr>
+              <a:t>:</a:t>
+            </a:r>
+          </a:p>
+          <a:p>
+            <a:pPr algn="just">
+              <a:lnSpc>
+                <a:spcPct val="115000"/>
+              </a:lnSpc>
+            </a:pPr>
+            <a:endParaRPr lang="en-IN" sz="2000" b="1" dirty="0">
+              <a:latin typeface="Times New Roman" panose="02020603050405020304" pitchFamily="18" charset="0"/>
+              <a:cs typeface="Times New Roman" panose="02020603050405020304" pitchFamily="18" charset="0"/>
+            </a:endParaRPr>
+          </a:p>
+          <a:p>
+            <a:r>
+              <a:rPr lang="en-IN" sz="1800" dirty="0">
+                <a:solidFill>
+                  <a:srgbClr val="859900"/>
+                </a:solidFill>
+                <a:effectLst/>
+                <a:latin typeface="Consolas" panose="020B0609020204030204" pitchFamily="49" charset="0"/>
+              </a:rPr>
+              <a:t>FROM</a:t>
+            </a:r>
+            <a:r>
+              <a:rPr lang="en-IN" sz="1800" dirty="0">
+                <a:solidFill>
+                  <a:srgbClr val="000000"/>
+                </a:solidFill>
+                <a:effectLst/>
+                <a:latin typeface="Consolas" panose="020B0609020204030204" pitchFamily="49" charset="0"/>
+              </a:rPr>
+              <a:t> </a:t>
+            </a:r>
+            <a:r>
+              <a:rPr lang="en-IN" sz="1800" u="sng" dirty="0">
+                <a:solidFill>
+                  <a:srgbClr val="000000"/>
+                </a:solidFill>
+                <a:effectLst/>
+                <a:latin typeface="Consolas" panose="020B0609020204030204" pitchFamily="49" charset="0"/>
+              </a:rPr>
+              <a:t>openjdk</a:t>
+            </a:r>
+            <a:r>
+              <a:rPr lang="en-IN" sz="1800" dirty="0">
+                <a:solidFill>
+                  <a:srgbClr val="000000"/>
+                </a:solidFill>
+                <a:effectLst/>
+                <a:latin typeface="Consolas" panose="020B0609020204030204" pitchFamily="49" charset="0"/>
+              </a:rPr>
+              <a:t>:8</a:t>
+            </a:r>
+          </a:p>
+          <a:p>
+            <a:r>
+              <a:rPr lang="en-IN" sz="1800" dirty="0">
+                <a:solidFill>
+                  <a:srgbClr val="859900"/>
+                </a:solidFill>
+                <a:effectLst/>
+                <a:latin typeface="Consolas" panose="020B0609020204030204" pitchFamily="49" charset="0"/>
+              </a:rPr>
+              <a:t>EXPOSE</a:t>
+            </a:r>
+            <a:r>
+              <a:rPr lang="en-IN" sz="1800" dirty="0">
+                <a:solidFill>
+                  <a:srgbClr val="000000"/>
+                </a:solidFill>
+                <a:effectLst/>
+                <a:latin typeface="Consolas" panose="020B0609020204030204" pitchFamily="49" charset="0"/>
+              </a:rPr>
+              <a:t> 9500</a:t>
+            </a:r>
+          </a:p>
+          <a:p>
+            <a:r>
+              <a:rPr lang="en-IN" sz="1800" dirty="0">
+                <a:solidFill>
+                  <a:srgbClr val="859900"/>
+                </a:solidFill>
+                <a:effectLst/>
+                <a:latin typeface="Consolas" panose="020B0609020204030204" pitchFamily="49" charset="0"/>
+              </a:rPr>
+              <a:t>ADD</a:t>
+            </a:r>
+            <a:r>
+              <a:rPr lang="en-IN" sz="1800" dirty="0">
+                <a:solidFill>
+                  <a:srgbClr val="000000"/>
+                </a:solidFill>
+                <a:effectLst/>
+                <a:latin typeface="Consolas" panose="020B0609020204030204" pitchFamily="49" charset="0"/>
+              </a:rPr>
+              <a:t> build/libs/employee-management-system-0.0.1-SNAPSHOT.jar employee-management-system-0.0.1-SNAPSHOT.jar</a:t>
+            </a:r>
+          </a:p>
+          <a:p>
+            <a:r>
+              <a:rPr lang="en-IN" sz="1800" dirty="0">
+                <a:solidFill>
+                  <a:srgbClr val="859900"/>
+                </a:solidFill>
+                <a:effectLst/>
+                <a:latin typeface="Consolas" panose="020B0609020204030204" pitchFamily="49" charset="0"/>
+              </a:rPr>
+              <a:t>ENTRYPOINT</a:t>
+            </a:r>
+            <a:r>
+              <a:rPr lang="en-IN" sz="1800" dirty="0">
+                <a:solidFill>
+                  <a:srgbClr val="000000"/>
+                </a:solidFill>
+                <a:effectLst/>
+                <a:latin typeface="Consolas" panose="020B0609020204030204" pitchFamily="49" charset="0"/>
+              </a:rPr>
+              <a:t> [ </a:t>
+            </a:r>
+            <a:r>
+              <a:rPr lang="en-IN" sz="1800" dirty="0">
+                <a:solidFill>
+                  <a:srgbClr val="2AA198"/>
+                </a:solidFill>
+                <a:effectLst/>
+                <a:latin typeface="Consolas" panose="020B0609020204030204" pitchFamily="49" charset="0"/>
+              </a:rPr>
+              <a:t>"java"</a:t>
+            </a:r>
+            <a:r>
+              <a:rPr lang="en-IN" sz="1800" dirty="0">
+                <a:solidFill>
+                  <a:srgbClr val="000000"/>
+                </a:solidFill>
+                <a:effectLst/>
+                <a:latin typeface="Consolas" panose="020B0609020204030204" pitchFamily="49" charset="0"/>
+              </a:rPr>
+              <a:t>,</a:t>
+            </a:r>
+            <a:r>
+              <a:rPr lang="en-IN" sz="1800" dirty="0">
+                <a:solidFill>
+                  <a:srgbClr val="2AA198"/>
+                </a:solidFill>
+                <a:effectLst/>
+                <a:latin typeface="Consolas" panose="020B0609020204030204" pitchFamily="49" charset="0"/>
+              </a:rPr>
+              <a:t>"-jar"</a:t>
+            </a:r>
+            <a:r>
+              <a:rPr lang="en-IN" sz="1800" dirty="0">
+                <a:solidFill>
+                  <a:srgbClr val="000000"/>
+                </a:solidFill>
+                <a:effectLst/>
+                <a:latin typeface="Consolas" panose="020B0609020204030204" pitchFamily="49" charset="0"/>
+              </a:rPr>
+              <a:t>,</a:t>
+            </a:r>
+            <a:r>
+              <a:rPr lang="en-IN" sz="1800" dirty="0">
+                <a:solidFill>
+                  <a:srgbClr val="2AA198"/>
+                </a:solidFill>
+                <a:effectLst/>
+                <a:latin typeface="Consolas" panose="020B0609020204030204" pitchFamily="49" charset="0"/>
+              </a:rPr>
+              <a:t>"/employee-management-system-0.0.1-SNAPSHOT.jar"</a:t>
+            </a:r>
+            <a:r>
+              <a:rPr lang="en-IN" sz="1800" dirty="0">
+                <a:solidFill>
+                  <a:srgbClr val="000000"/>
+                </a:solidFill>
+                <a:effectLst/>
+                <a:latin typeface="Consolas" panose="020B0609020204030204" pitchFamily="49" charset="0"/>
+              </a:rPr>
+              <a:t> ]</a:t>
+            </a:r>
+          </a:p>
+          <a:p>
+            <a:pPr algn="just">
+              <a:lnSpc>
+                <a:spcPct val="115000"/>
+              </a:lnSpc>
+            </a:pPr>
+            <a:r>
+              <a:rPr lang="en-IN" sz="2000" b="1" dirty="0">
+                <a:latin typeface="Times New Roman" panose="02020603050405020304" pitchFamily="18" charset="0"/>
+                <a:cs typeface="Times New Roman" panose="02020603050405020304" pitchFamily="18" charset="0"/>
+              </a:rPr>
+              <a:t> </a:t>
+            </a:r>
+          </a:p>
+        </p:txBody>
+      </p:sp>
+    </p:spTree>
+    <p:extLst>
+      <p:ext uri="{BB962C8B-B14F-4D97-AF65-F5344CB8AC3E}">
+        <p14:creationId xmlns:p14="http://schemas.microsoft.com/office/powerpoint/2010/main" val="3271368017"/>
+      </p:ext>
+    </p:extLst>
+  </p:cSld>
+  <p:clrMapOvr>
+    <a:masterClrMapping/>
+  </p:clrMapOvr>
+</p:sld>
+</file>
+
+<file path=ppt/slides/slide35.xml><?xml version="1.0" encoding="utf-8"?>
+<p:sld xmlns:a="http://schemas.openxmlformats.org/drawingml/2006/main" xmlns:r="http://schemas.openxmlformats.org/officeDocument/2006/relationships" xmlns:p="http://schemas.openxmlformats.org/presentationml/2006/main">
+  <p:cSld>
+    <p:spTree>
+      <p:nvGrpSpPr>
+        <p:cNvPr id="1" name=""/>
+        <p:cNvGrpSpPr/>
+        <p:nvPr/>
+      </p:nvGrpSpPr>
+      <p:grpSpPr>
+        <a:xfrm>
+          <a:off x="0" y="0"/>
+          <a:ext cx="0" cy="0"/>
+          <a:chOff x="0" y="0"/>
+          <a:chExt cx="0" cy="0"/>
+        </a:xfrm>
+      </p:grpSpPr>
+      <p:pic>
+        <p:nvPicPr>
+          <p:cNvPr id="4" name="Picture 3">
+            <a:extLst>
+              <a:ext uri="{FF2B5EF4-FFF2-40B4-BE49-F238E27FC236}">
+                <a16:creationId xmlns:a16="http://schemas.microsoft.com/office/drawing/2014/main" id="{3893C3C6-E6B4-0EAA-6168-B66B664B265B}"/>
+              </a:ext>
+            </a:extLst>
+          </p:cNvPr>
+          <p:cNvPicPr>
+            <a:picLocks noGrp="1" noRot="1" noChangeAspect="1" noMove="1" noResize="1" noEditPoints="1" noAdjustHandles="1" noChangeArrowheads="1" noChangeShapeType="1" noCrop="1"/>
+          </p:cNvPicPr>
+          <p:nvPr/>
+        </p:nvPicPr>
+        <p:blipFill>
+          <a:blip r:embed="rId2" cstate="email">
+            <a:extLst>
+              <a:ext uri="{28A0092B-C50C-407E-A947-70E740481C1C}">
+                <a14:useLocalDpi xmlns:a14="http://schemas.microsoft.com/office/drawing/2010/main"/>
+              </a:ext>
+            </a:extLst>
+          </a:blip>
+          <a:stretch>
+            <a:fillRect/>
+          </a:stretch>
+        </p:blipFill>
+        <p:spPr>
+          <a:xfrm flipH="1">
+            <a:off x="0" y="0"/>
+            <a:ext cx="12192000" cy="6858000"/>
+          </a:xfrm>
+          <a:prstGeom prst="rect">
+            <a:avLst/>
+          </a:prstGeom>
+        </p:spPr>
+      </p:pic>
+      <p:cxnSp>
+        <p:nvCxnSpPr>
+          <p:cNvPr id="5" name="Straight Connector 4">
+            <a:extLst>
+              <a:ext uri="{FF2B5EF4-FFF2-40B4-BE49-F238E27FC236}">
+                <a16:creationId xmlns:a16="http://schemas.microsoft.com/office/drawing/2014/main" id="{6317BEF4-F659-05B0-B884-5FBC9950BC38}"/>
+              </a:ext>
+            </a:extLst>
+          </p:cNvPr>
+          <p:cNvCxnSpPr>
+            <a:cxnSpLocks/>
+          </p:cNvCxnSpPr>
+          <p:nvPr/>
+        </p:nvCxnSpPr>
+        <p:spPr>
+          <a:xfrm>
+            <a:off x="2404113" y="383848"/>
+            <a:ext cx="0" cy="429893"/>
+          </a:xfrm>
+          <a:prstGeom prst="line">
+            <a:avLst/>
+          </a:prstGeom>
+          <a:ln w="12700">
+            <a:solidFill>
+              <a:srgbClr val="DD4F22"/>
+            </a:solidFill>
+          </a:ln>
+        </p:spPr>
+        <p:style>
+          <a:lnRef idx="1">
+            <a:schemeClr val="accent1"/>
+          </a:lnRef>
+          <a:fillRef idx="0">
+            <a:schemeClr val="accent1"/>
+          </a:fillRef>
+          <a:effectRef idx="0">
+            <a:schemeClr val="accent1"/>
+          </a:effectRef>
+          <a:fontRef idx="minor">
+            <a:schemeClr val="tx1"/>
+          </a:fontRef>
+        </p:style>
+      </p:cxnSp>
+      <p:pic>
+        <p:nvPicPr>
+          <p:cNvPr id="6" name="Picture 5">
+            <a:extLst>
+              <a:ext uri="{FF2B5EF4-FFF2-40B4-BE49-F238E27FC236}">
+                <a16:creationId xmlns:a16="http://schemas.microsoft.com/office/drawing/2014/main" id="{4C8E9BB0-02EA-460A-EDCE-9CB013DFF909}"/>
+              </a:ext>
+            </a:extLst>
+          </p:cNvPr>
+          <p:cNvPicPr>
+            <a:picLocks noGrp="1" noRot="1" noChangeAspect="1" noMove="1" noResize="1" noEditPoints="1" noAdjustHandles="1" noChangeArrowheads="1" noChangeShapeType="1" noCrop="1"/>
+          </p:cNvPicPr>
+          <p:nvPr/>
+        </p:nvPicPr>
+        <p:blipFill>
+          <a:blip r:embed="rId3">
+            <a:extLst>
+              <a:ext uri="{28A0092B-C50C-407E-A947-70E740481C1C}">
+                <a14:useLocalDpi xmlns:a14="http://schemas.microsoft.com/office/drawing/2010/main" val="0"/>
+              </a:ext>
+            </a:extLst>
+          </a:blip>
+          <a:srcRect/>
+          <a:stretch/>
+        </p:blipFill>
+        <p:spPr>
+          <a:xfrm>
+            <a:off x="217505" y="338023"/>
+            <a:ext cx="1963465" cy="521544"/>
+          </a:xfrm>
+          <a:prstGeom prst="rect">
+            <a:avLst/>
+          </a:prstGeom>
+        </p:spPr>
+      </p:pic>
+      <p:sp>
+        <p:nvSpPr>
+          <p:cNvPr id="8" name="TextBox 7">
+            <a:extLst>
+              <a:ext uri="{FF2B5EF4-FFF2-40B4-BE49-F238E27FC236}">
+                <a16:creationId xmlns:a16="http://schemas.microsoft.com/office/drawing/2014/main" id="{83A5D50A-7BF5-47B2-27E6-96AA33171B2B}"/>
+              </a:ext>
+            </a:extLst>
+          </p:cNvPr>
+          <p:cNvSpPr txBox="1">
+            <a:spLocks noGrp="1" noRot="1" noMove="1" noResize="1" noEditPoints="1" noAdjustHandles="1" noChangeArrowheads="1" noChangeShapeType="1"/>
+          </p:cNvSpPr>
+          <p:nvPr/>
+        </p:nvSpPr>
+        <p:spPr>
+          <a:xfrm>
+            <a:off x="2499360" y="383848"/>
+            <a:ext cx="8818879" cy="483017"/>
+          </a:xfrm>
+          <a:prstGeom prst="rect">
+            <a:avLst/>
+          </a:prstGeom>
+          <a:solidFill>
+            <a:srgbClr val="FF6709"/>
+          </a:solidFill>
+        </p:spPr>
+        <p:txBody>
+          <a:bodyPr wrap="square" rtlCol="0">
+            <a:spAutoFit/>
+          </a:bodyPr>
+          <a:lstStyle/>
+          <a:p>
+            <a:pPr>
+              <a:lnSpc>
+                <a:spcPct val="115000"/>
+              </a:lnSpc>
+            </a:pPr>
+            <a:r>
+              <a:rPr lang="en-IN" sz="2400" b="1" dirty="0">
+                <a:solidFill>
+                  <a:schemeClr val="bg1"/>
+                </a:solidFill>
+                <a:latin typeface="Times New Roman" panose="02020603050405020304" pitchFamily="18" charset="0"/>
+              </a:rPr>
+              <a:t>Appendices</a:t>
+            </a:r>
+          </a:p>
+        </p:txBody>
+      </p:sp>
+      <p:sp>
+        <p:nvSpPr>
+          <p:cNvPr id="7" name="TextBox 6">
+            <a:extLst>
+              <a:ext uri="{FF2B5EF4-FFF2-40B4-BE49-F238E27FC236}">
+                <a16:creationId xmlns:a16="http://schemas.microsoft.com/office/drawing/2014/main" id="{1A521886-A1DC-C1EC-6392-5263384F6C69}"/>
+              </a:ext>
+            </a:extLst>
+          </p:cNvPr>
+          <p:cNvSpPr txBox="1"/>
+          <p:nvPr/>
+        </p:nvSpPr>
+        <p:spPr>
+          <a:xfrm>
             <a:off x="500379" y="1349647"/>
             <a:ext cx="10828015" cy="1341008"/>
           </a:xfrm>
@@ -12761,7 +13795,7 @@
 </p:sld>
 </file>
 
-<file path=ppt/slides/slide34.xml><?xml version="1.0" encoding="utf-8"?>
+<file path=ppt/slides/slide36.xml><?xml version="1.0" encoding="utf-8"?>
 <p:sld xmlns:a="http://schemas.openxmlformats.org/drawingml/2006/main" xmlns:r="http://schemas.openxmlformats.org/officeDocument/2006/relationships" xmlns:p="http://schemas.openxmlformats.org/presentationml/2006/main">
   <p:cSld>
     <p:spTree>
